--- a/Craft-Demo.pptx
+++ b/Craft-Demo.pptx
@@ -4,6 +4,9 @@
   <p:sldMasterIdLst>
     <p:sldMasterId id="2147483869" r:id="rId1"/>
   </p:sldMasterIdLst>
+  <p:notesMasterIdLst>
+    <p:notesMasterId r:id="rId23"/>
+  </p:notesMasterIdLst>
   <p:sldIdLst>
     <p:sldId id="256" r:id="rId2"/>
     <p:sldId id="257" r:id="rId3"/>
@@ -16,6 +19,16 @@
     <p:sldId id="263" r:id="rId10"/>
     <p:sldId id="265" r:id="rId11"/>
     <p:sldId id="266" r:id="rId12"/>
+    <p:sldId id="267" r:id="rId13"/>
+    <p:sldId id="268" r:id="rId14"/>
+    <p:sldId id="269" r:id="rId15"/>
+    <p:sldId id="270" r:id="rId16"/>
+    <p:sldId id="271" r:id="rId17"/>
+    <p:sldId id="272" r:id="rId18"/>
+    <p:sldId id="273" r:id="rId19"/>
+    <p:sldId id="274" r:id="rId20"/>
+    <p:sldId id="275" r:id="rId21"/>
+    <p:sldId id="276" r:id="rId22"/>
   </p:sldIdLst>
   <p:sldSz cx="12192000" cy="6858000"/>
   <p:notesSz cx="6858000" cy="9144000"/>
@@ -122,6 +135,440 @@
 </p:presentation>
 </file>
 
+<file path=ppt/notesMasters/notesMaster1.xml><?xml version="1.0" encoding="utf-8"?>
+<p:notesMaster xmlns:a="http://schemas.openxmlformats.org/drawingml/2006/main" xmlns:r="http://schemas.openxmlformats.org/officeDocument/2006/relationships" xmlns:p="http://schemas.openxmlformats.org/presentationml/2006/main">
+  <p:cSld>
+    <p:bg>
+      <p:bgRef idx="1001">
+        <a:schemeClr val="bg1"/>
+      </p:bgRef>
+    </p:bg>
+    <p:spTree>
+      <p:nvGrpSpPr>
+        <p:cNvPr id="1" name=""/>
+        <p:cNvGrpSpPr/>
+        <p:nvPr/>
+      </p:nvGrpSpPr>
+      <p:grpSpPr>
+        <a:xfrm>
+          <a:off x="0" y="0"/>
+          <a:ext cx="0" cy="0"/>
+          <a:chOff x="0" y="0"/>
+          <a:chExt cx="0" cy="0"/>
+        </a:xfrm>
+      </p:grpSpPr>
+      <p:sp>
+        <p:nvSpPr>
+          <p:cNvPr id="2" name="Header Placeholder 1"/>
+          <p:cNvSpPr>
+            <a:spLocks noGrp="1"/>
+          </p:cNvSpPr>
+          <p:nvPr>
+            <p:ph type="hdr" sz="quarter"/>
+          </p:nvPr>
+        </p:nvSpPr>
+        <p:spPr>
+          <a:xfrm>
+            <a:off x="0" y="0"/>
+            <a:ext cx="2971800" cy="458788"/>
+          </a:xfrm>
+          <a:prstGeom prst="rect">
+            <a:avLst/>
+          </a:prstGeom>
+        </p:spPr>
+        <p:txBody>
+          <a:bodyPr vert="horz" lIns="91440" tIns="45720" rIns="91440" bIns="45720" rtlCol="0"/>
+          <a:lstStyle>
+            <a:lvl1pPr algn="l">
+              <a:defRPr sz="1200"/>
+            </a:lvl1pPr>
+          </a:lstStyle>
+          <a:p>
+            <a:endParaRPr lang="en-US"/>
+          </a:p>
+        </p:txBody>
+      </p:sp>
+      <p:sp>
+        <p:nvSpPr>
+          <p:cNvPr id="3" name="Date Placeholder 2"/>
+          <p:cNvSpPr>
+            <a:spLocks noGrp="1"/>
+          </p:cNvSpPr>
+          <p:nvPr>
+            <p:ph type="dt" idx="1"/>
+          </p:nvPr>
+        </p:nvSpPr>
+        <p:spPr>
+          <a:xfrm>
+            <a:off x="3884613" y="0"/>
+            <a:ext cx="2971800" cy="458788"/>
+          </a:xfrm>
+          <a:prstGeom prst="rect">
+            <a:avLst/>
+          </a:prstGeom>
+        </p:spPr>
+        <p:txBody>
+          <a:bodyPr vert="horz" lIns="91440" tIns="45720" rIns="91440" bIns="45720" rtlCol="0"/>
+          <a:lstStyle>
+            <a:lvl1pPr algn="r">
+              <a:defRPr sz="1200"/>
+            </a:lvl1pPr>
+          </a:lstStyle>
+          <a:p>
+            <a:fld id="{91524035-7B34-EB41-8337-C8AE9E13B159}" type="datetimeFigureOut">
+              <a:rPr lang="en-US" smtClean="0"/>
+              <a:t>9/10/24</a:t>
+            </a:fld>
+            <a:endParaRPr lang="en-US"/>
+          </a:p>
+        </p:txBody>
+      </p:sp>
+      <p:sp>
+        <p:nvSpPr>
+          <p:cNvPr id="4" name="Slide Image Placeholder 3"/>
+          <p:cNvSpPr>
+            <a:spLocks noGrp="1" noRot="1" noChangeAspect="1"/>
+          </p:cNvSpPr>
+          <p:nvPr>
+            <p:ph type="sldImg" idx="2"/>
+          </p:nvPr>
+        </p:nvSpPr>
+        <p:spPr>
+          <a:xfrm>
+            <a:off x="685800" y="1143000"/>
+            <a:ext cx="5486400" cy="3086100"/>
+          </a:xfrm>
+          <a:prstGeom prst="rect">
+            <a:avLst/>
+          </a:prstGeom>
+          <a:noFill/>
+          <a:ln w="12700">
+            <a:solidFill>
+              <a:prstClr val="black"/>
+            </a:solidFill>
+          </a:ln>
+        </p:spPr>
+        <p:txBody>
+          <a:bodyPr vert="horz" lIns="91440" tIns="45720" rIns="91440" bIns="45720" rtlCol="0" anchor="ctr"/>
+          <a:lstStyle/>
+          <a:p>
+            <a:endParaRPr lang="en-US"/>
+          </a:p>
+        </p:txBody>
+      </p:sp>
+      <p:sp>
+        <p:nvSpPr>
+          <p:cNvPr id="5" name="Notes Placeholder 4"/>
+          <p:cNvSpPr>
+            <a:spLocks noGrp="1"/>
+          </p:cNvSpPr>
+          <p:nvPr>
+            <p:ph type="body" sz="quarter" idx="3"/>
+          </p:nvPr>
+        </p:nvSpPr>
+        <p:spPr>
+          <a:xfrm>
+            <a:off x="685800" y="4400550"/>
+            <a:ext cx="5486400" cy="3600450"/>
+          </a:xfrm>
+          <a:prstGeom prst="rect">
+            <a:avLst/>
+          </a:prstGeom>
+        </p:spPr>
+        <p:txBody>
+          <a:bodyPr vert="horz" lIns="91440" tIns="45720" rIns="91440" bIns="45720" rtlCol="0"/>
+          <a:lstStyle/>
+          <a:p>
+            <a:pPr lvl="0"/>
+            <a:r>
+              <a:rPr lang="en-GB"/>
+              <a:t>Click to edit Master text styles</a:t>
+            </a:r>
+          </a:p>
+          <a:p>
+            <a:pPr lvl="1"/>
+            <a:r>
+              <a:rPr lang="en-GB"/>
+              <a:t>Second level</a:t>
+            </a:r>
+          </a:p>
+          <a:p>
+            <a:pPr lvl="2"/>
+            <a:r>
+              <a:rPr lang="en-GB"/>
+              <a:t>Third level</a:t>
+            </a:r>
+          </a:p>
+          <a:p>
+            <a:pPr lvl="3"/>
+            <a:r>
+              <a:rPr lang="en-GB"/>
+              <a:t>Fourth level</a:t>
+            </a:r>
+          </a:p>
+          <a:p>
+            <a:pPr lvl="4"/>
+            <a:r>
+              <a:rPr lang="en-GB"/>
+              <a:t>Fifth level</a:t>
+            </a:r>
+            <a:endParaRPr lang="en-US"/>
+          </a:p>
+        </p:txBody>
+      </p:sp>
+      <p:sp>
+        <p:nvSpPr>
+          <p:cNvPr id="6" name="Footer Placeholder 5"/>
+          <p:cNvSpPr>
+            <a:spLocks noGrp="1"/>
+          </p:cNvSpPr>
+          <p:nvPr>
+            <p:ph type="ftr" sz="quarter" idx="4"/>
+          </p:nvPr>
+        </p:nvSpPr>
+        <p:spPr>
+          <a:xfrm>
+            <a:off x="0" y="8685213"/>
+            <a:ext cx="2971800" cy="458787"/>
+          </a:xfrm>
+          <a:prstGeom prst="rect">
+            <a:avLst/>
+          </a:prstGeom>
+        </p:spPr>
+        <p:txBody>
+          <a:bodyPr vert="horz" lIns="91440" tIns="45720" rIns="91440" bIns="45720" rtlCol="0" anchor="b"/>
+          <a:lstStyle>
+            <a:lvl1pPr algn="l">
+              <a:defRPr sz="1200"/>
+            </a:lvl1pPr>
+          </a:lstStyle>
+          <a:p>
+            <a:endParaRPr lang="en-US"/>
+          </a:p>
+        </p:txBody>
+      </p:sp>
+      <p:sp>
+        <p:nvSpPr>
+          <p:cNvPr id="7" name="Slide Number Placeholder 6"/>
+          <p:cNvSpPr>
+            <a:spLocks noGrp="1"/>
+          </p:cNvSpPr>
+          <p:nvPr>
+            <p:ph type="sldNum" sz="quarter" idx="5"/>
+          </p:nvPr>
+        </p:nvSpPr>
+        <p:spPr>
+          <a:xfrm>
+            <a:off x="3884613" y="8685213"/>
+            <a:ext cx="2971800" cy="458787"/>
+          </a:xfrm>
+          <a:prstGeom prst="rect">
+            <a:avLst/>
+          </a:prstGeom>
+        </p:spPr>
+        <p:txBody>
+          <a:bodyPr vert="horz" lIns="91440" tIns="45720" rIns="91440" bIns="45720" rtlCol="0" anchor="b"/>
+          <a:lstStyle>
+            <a:lvl1pPr algn="r">
+              <a:defRPr sz="1200"/>
+            </a:lvl1pPr>
+          </a:lstStyle>
+          <a:p>
+            <a:fld id="{EE1F7E4D-800B-ED45-ABB3-D484552C2B03}" type="slidenum">
+              <a:rPr lang="en-US" smtClean="0"/>
+              <a:t>‹#›</a:t>
+            </a:fld>
+            <a:endParaRPr lang="en-US"/>
+          </a:p>
+        </p:txBody>
+      </p:sp>
+    </p:spTree>
+    <p:extLst>
+      <p:ext uri="{BB962C8B-B14F-4D97-AF65-F5344CB8AC3E}">
+        <p14:creationId xmlns:p14="http://schemas.microsoft.com/office/powerpoint/2010/main" val="769057734"/>
+      </p:ext>
+    </p:extLst>
+  </p:cSld>
+  <p:clrMap bg1="lt1" tx1="dk1" bg2="lt2" tx2="dk2" accent1="accent1" accent2="accent2" accent3="accent3" accent4="accent4" accent5="accent5" accent6="accent6" hlink="hlink" folHlink="folHlink"/>
+  <p:notesStyle>
+    <a:lvl1pPr marL="0" algn="l" defTabSz="914400" rtl="0" eaLnBrk="1" latinLnBrk="0" hangingPunct="1">
+      <a:defRPr sz="1200" kern="1200">
+        <a:solidFill>
+          <a:schemeClr val="tx1"/>
+        </a:solidFill>
+        <a:latin typeface="+mn-lt"/>
+        <a:ea typeface="+mn-ea"/>
+        <a:cs typeface="+mn-cs"/>
+      </a:defRPr>
+    </a:lvl1pPr>
+    <a:lvl2pPr marL="457200" algn="l" defTabSz="914400" rtl="0" eaLnBrk="1" latinLnBrk="0" hangingPunct="1">
+      <a:defRPr sz="1200" kern="1200">
+        <a:solidFill>
+          <a:schemeClr val="tx1"/>
+        </a:solidFill>
+        <a:latin typeface="+mn-lt"/>
+        <a:ea typeface="+mn-ea"/>
+        <a:cs typeface="+mn-cs"/>
+      </a:defRPr>
+    </a:lvl2pPr>
+    <a:lvl3pPr marL="914400" algn="l" defTabSz="914400" rtl="0" eaLnBrk="1" latinLnBrk="0" hangingPunct="1">
+      <a:defRPr sz="1200" kern="1200">
+        <a:solidFill>
+          <a:schemeClr val="tx1"/>
+        </a:solidFill>
+        <a:latin typeface="+mn-lt"/>
+        <a:ea typeface="+mn-ea"/>
+        <a:cs typeface="+mn-cs"/>
+      </a:defRPr>
+    </a:lvl3pPr>
+    <a:lvl4pPr marL="1371600" algn="l" defTabSz="914400" rtl="0" eaLnBrk="1" latinLnBrk="0" hangingPunct="1">
+      <a:defRPr sz="1200" kern="1200">
+        <a:solidFill>
+          <a:schemeClr val="tx1"/>
+        </a:solidFill>
+        <a:latin typeface="+mn-lt"/>
+        <a:ea typeface="+mn-ea"/>
+        <a:cs typeface="+mn-cs"/>
+      </a:defRPr>
+    </a:lvl4pPr>
+    <a:lvl5pPr marL="1828800" algn="l" defTabSz="914400" rtl="0" eaLnBrk="1" latinLnBrk="0" hangingPunct="1">
+      <a:defRPr sz="1200" kern="1200">
+        <a:solidFill>
+          <a:schemeClr val="tx1"/>
+        </a:solidFill>
+        <a:latin typeface="+mn-lt"/>
+        <a:ea typeface="+mn-ea"/>
+        <a:cs typeface="+mn-cs"/>
+      </a:defRPr>
+    </a:lvl5pPr>
+    <a:lvl6pPr marL="2286000" algn="l" defTabSz="914400" rtl="0" eaLnBrk="1" latinLnBrk="0" hangingPunct="1">
+      <a:defRPr sz="1200" kern="1200">
+        <a:solidFill>
+          <a:schemeClr val="tx1"/>
+        </a:solidFill>
+        <a:latin typeface="+mn-lt"/>
+        <a:ea typeface="+mn-ea"/>
+        <a:cs typeface="+mn-cs"/>
+      </a:defRPr>
+    </a:lvl6pPr>
+    <a:lvl7pPr marL="2743200" algn="l" defTabSz="914400" rtl="0" eaLnBrk="1" latinLnBrk="0" hangingPunct="1">
+      <a:defRPr sz="1200" kern="1200">
+        <a:solidFill>
+          <a:schemeClr val="tx1"/>
+        </a:solidFill>
+        <a:latin typeface="+mn-lt"/>
+        <a:ea typeface="+mn-ea"/>
+        <a:cs typeface="+mn-cs"/>
+      </a:defRPr>
+    </a:lvl7pPr>
+    <a:lvl8pPr marL="3200400" algn="l" defTabSz="914400" rtl="0" eaLnBrk="1" latinLnBrk="0" hangingPunct="1">
+      <a:defRPr sz="1200" kern="1200">
+        <a:solidFill>
+          <a:schemeClr val="tx1"/>
+        </a:solidFill>
+        <a:latin typeface="+mn-lt"/>
+        <a:ea typeface="+mn-ea"/>
+        <a:cs typeface="+mn-cs"/>
+      </a:defRPr>
+    </a:lvl8pPr>
+    <a:lvl9pPr marL="3657600" algn="l" defTabSz="914400" rtl="0" eaLnBrk="1" latinLnBrk="0" hangingPunct="1">
+      <a:defRPr sz="1200" kern="1200">
+        <a:solidFill>
+          <a:schemeClr val="tx1"/>
+        </a:solidFill>
+        <a:latin typeface="+mn-lt"/>
+        <a:ea typeface="+mn-ea"/>
+        <a:cs typeface="+mn-cs"/>
+      </a:defRPr>
+    </a:lvl9pPr>
+  </p:notesStyle>
+</p:notesMaster>
+</file>
+
+<file path=ppt/notesSlides/notesSlide1.xml><?xml version="1.0" encoding="utf-8"?>
+<p:notes xmlns:a="http://schemas.openxmlformats.org/drawingml/2006/main" xmlns:r="http://schemas.openxmlformats.org/officeDocument/2006/relationships" xmlns:p="http://schemas.openxmlformats.org/presentationml/2006/main">
+  <p:cSld>
+    <p:spTree>
+      <p:nvGrpSpPr>
+        <p:cNvPr id="1" name=""/>
+        <p:cNvGrpSpPr/>
+        <p:nvPr/>
+      </p:nvGrpSpPr>
+      <p:grpSpPr>
+        <a:xfrm>
+          <a:off x="0" y="0"/>
+          <a:ext cx="0" cy="0"/>
+          <a:chOff x="0" y="0"/>
+          <a:chExt cx="0" cy="0"/>
+        </a:xfrm>
+      </p:grpSpPr>
+      <p:sp>
+        <p:nvSpPr>
+          <p:cNvPr id="2" name="Slide Image Placeholder 1"/>
+          <p:cNvSpPr>
+            <a:spLocks noGrp="1" noRot="1" noChangeAspect="1"/>
+          </p:cNvSpPr>
+          <p:nvPr>
+            <p:ph type="sldImg"/>
+          </p:nvPr>
+        </p:nvSpPr>
+        <p:spPr/>
+      </p:sp>
+      <p:sp>
+        <p:nvSpPr>
+          <p:cNvPr id="3" name="Notes Placeholder 2"/>
+          <p:cNvSpPr>
+            <a:spLocks noGrp="1"/>
+          </p:cNvSpPr>
+          <p:nvPr>
+            <p:ph type="body" idx="1"/>
+          </p:nvPr>
+        </p:nvSpPr>
+        <p:spPr/>
+        <p:txBody>
+          <a:bodyPr/>
+          <a:lstStyle/>
+          <a:p>
+            <a:endParaRPr lang="en-US" dirty="0"/>
+          </a:p>
+        </p:txBody>
+      </p:sp>
+      <p:sp>
+        <p:nvSpPr>
+          <p:cNvPr id="4" name="Slide Number Placeholder 3"/>
+          <p:cNvSpPr>
+            <a:spLocks noGrp="1"/>
+          </p:cNvSpPr>
+          <p:nvPr>
+            <p:ph type="sldNum" sz="quarter" idx="5"/>
+          </p:nvPr>
+        </p:nvSpPr>
+        <p:spPr/>
+        <p:txBody>
+          <a:bodyPr/>
+          <a:lstStyle/>
+          <a:p>
+            <a:fld id="{EE1F7E4D-800B-ED45-ABB3-D484552C2B03}" type="slidenum">
+              <a:rPr lang="en-US" smtClean="0"/>
+              <a:t>11</a:t>
+            </a:fld>
+            <a:endParaRPr lang="en-US"/>
+          </a:p>
+        </p:txBody>
+      </p:sp>
+    </p:spTree>
+    <p:extLst>
+      <p:ext uri="{BB962C8B-B14F-4D97-AF65-F5344CB8AC3E}">
+        <p14:creationId xmlns:p14="http://schemas.microsoft.com/office/powerpoint/2010/main" val="823021535"/>
+      </p:ext>
+    </p:extLst>
+  </p:cSld>
+  <p:clrMapOvr>
+    <a:masterClrMapping/>
+  </p:clrMapOvr>
+</p:notes>
+</file>
+
 <file path=ppt/slideLayouts/slideLayout1.xml><?xml version="1.0" encoding="utf-8"?>
 <p:sldLayout xmlns:a="http://schemas.openxmlformats.org/drawingml/2006/main" xmlns:r="http://schemas.openxmlformats.org/officeDocument/2006/relationships" xmlns:p="http://schemas.openxmlformats.org/presentationml/2006/main" type="title" preserve="1">
   <p:cSld name="Title Slide">
@@ -285,7 +732,7 @@
           <a:p>
             <a:fld id="{554481C7-0138-F44B-8530-CFF53F765260}" type="datetimeFigureOut">
               <a:rPr lang="en-US" smtClean="0"/>
-              <a:t>9/8/24</a:t>
+              <a:t>9/10/24</a:t>
             </a:fld>
             <a:endParaRPr lang="en-US"/>
           </a:p>
@@ -455,7 +902,7 @@
           <a:p>
             <a:fld id="{554481C7-0138-F44B-8530-CFF53F765260}" type="datetimeFigureOut">
               <a:rPr lang="en-US" smtClean="0"/>
-              <a:t>9/8/24</a:t>
+              <a:t>9/10/24</a:t>
             </a:fld>
             <a:endParaRPr lang="en-US"/>
           </a:p>
@@ -635,7 +1082,7 @@
           <a:p>
             <a:fld id="{554481C7-0138-F44B-8530-CFF53F765260}" type="datetimeFigureOut">
               <a:rPr lang="en-US" smtClean="0"/>
-              <a:t>9/8/24</a:t>
+              <a:t>9/10/24</a:t>
             </a:fld>
             <a:endParaRPr lang="en-US"/>
           </a:p>
@@ -805,7 +1252,7 @@
           <a:p>
             <a:fld id="{554481C7-0138-F44B-8530-CFF53F765260}" type="datetimeFigureOut">
               <a:rPr lang="en-US" smtClean="0"/>
-              <a:t>9/8/24</a:t>
+              <a:t>9/10/24</a:t>
             </a:fld>
             <a:endParaRPr lang="en-US"/>
           </a:p>
@@ -1073,7 +1520,7 @@
           <a:p>
             <a:fld id="{554481C7-0138-F44B-8530-CFF53F765260}" type="datetimeFigureOut">
               <a:rPr lang="en-US" smtClean="0"/>
-              <a:t>9/8/24</a:t>
+              <a:t>9/10/24</a:t>
             </a:fld>
             <a:endParaRPr lang="en-US"/>
           </a:p>
@@ -1305,7 +1752,7 @@
           <a:p>
             <a:fld id="{554481C7-0138-F44B-8530-CFF53F765260}" type="datetimeFigureOut">
               <a:rPr lang="en-US" smtClean="0"/>
-              <a:t>9/8/24</a:t>
+              <a:t>9/10/24</a:t>
             </a:fld>
             <a:endParaRPr lang="en-US"/>
           </a:p>
@@ -1669,7 +2116,7 @@
           <a:p>
             <a:fld id="{554481C7-0138-F44B-8530-CFF53F765260}" type="datetimeFigureOut">
               <a:rPr lang="en-US" smtClean="0"/>
-              <a:t>9/8/24</a:t>
+              <a:t>9/10/24</a:t>
             </a:fld>
             <a:endParaRPr lang="en-US"/>
           </a:p>
@@ -1810,7 +2257,7 @@
           <a:p>
             <a:fld id="{554481C7-0138-F44B-8530-CFF53F765260}" type="datetimeFigureOut">
               <a:rPr lang="en-US" smtClean="0"/>
-              <a:t>9/8/24</a:t>
+              <a:t>9/10/24</a:t>
             </a:fld>
             <a:endParaRPr lang="en-US"/>
           </a:p>
@@ -1905,7 +2352,7 @@
           <a:p>
             <a:fld id="{554481C7-0138-F44B-8530-CFF53F765260}" type="datetimeFigureOut">
               <a:rPr lang="en-US" smtClean="0"/>
-              <a:t>9/8/24</a:t>
+              <a:t>9/10/24</a:t>
             </a:fld>
             <a:endParaRPr lang="en-US"/>
           </a:p>
@@ -2262,7 +2709,7 @@
           <a:p>
             <a:fld id="{554481C7-0138-F44B-8530-CFF53F765260}" type="datetimeFigureOut">
               <a:rPr lang="en-US" smtClean="0"/>
-              <a:t>9/8/24</a:t>
+              <a:t>9/10/24</a:t>
             </a:fld>
             <a:endParaRPr lang="en-US"/>
           </a:p>
@@ -2624,7 +3071,7 @@
           <a:p>
             <a:fld id="{554481C7-0138-F44B-8530-CFF53F765260}" type="datetimeFigureOut">
               <a:rPr lang="en-US" smtClean="0"/>
-              <a:t>9/8/24</a:t>
+              <a:t>9/10/24</a:t>
             </a:fld>
             <a:endParaRPr lang="en-US"/>
           </a:p>
@@ -2866,7 +3313,7 @@
           <a:p>
             <a:fld id="{554481C7-0138-F44B-8530-CFF53F765260}" type="datetimeFigureOut">
               <a:rPr lang="en-US" smtClean="0"/>
-              <a:t>9/8/24</a:t>
+              <a:t>9/10/24</a:t>
             </a:fld>
             <a:endParaRPr lang="en-US"/>
           </a:p>
@@ -4096,13 +4543,8 @@
           <a:p>
             <a:r>
               <a:rPr lang="en-US" dirty="0"/>
-              <a:t>Data Processing </a:t>
-            </a:r>
-            <a:r>
-              <a:rPr lang="en-US" dirty="0" err="1"/>
-              <a:t>Stratergy</a:t>
-            </a:r>
-            <a:endParaRPr lang="en-US" dirty="0"/>
+              <a:t>Transform Section Overview</a:t>
+            </a:r>
           </a:p>
         </p:txBody>
       </p:sp>
@@ -4120,8 +4562,8 @@
         </p:nvSpPr>
         <p:spPr>
           <a:xfrm>
-            <a:off x="513574" y="2024743"/>
-            <a:ext cx="11626516" cy="3139321"/>
+            <a:off x="1314882" y="1800808"/>
+            <a:ext cx="9562233" cy="4247317"/>
           </a:xfrm>
           <a:prstGeom prst="rect">
             <a:avLst/>
@@ -4140,7 +4582,8 @@
                   <a:srgbClr val="0E0E0E"/>
                 </a:solidFill>
                 <a:effectLst/>
-                <a:latin typeface=".SF NS"/>
+                <a:latin typeface="Calibri" panose="020F0502020204030204" pitchFamily="34" charset="0"/>
+                <a:cs typeface="Calibri" panose="020F0502020204030204" pitchFamily="34" charset="0"/>
               </a:rPr>
               <a:t>• </a:t>
             </a:r>
@@ -4150,17 +4593,1334 @@
                   <a:srgbClr val="0E0E0E"/>
                 </a:solidFill>
                 <a:effectLst/>
-                <a:latin typeface=".SF NS"/>
-              </a:rPr>
-              <a:t>Medallion Architecture</a:t>
-            </a:r>
-            <a:r>
-              <a:rPr lang="en-IN" dirty="0">
-                <a:solidFill>
-                  <a:srgbClr val="0E0E0E"/>
-                </a:solidFill>
-                <a:effectLst/>
-                <a:latin typeface=".SF NS"/>
+                <a:latin typeface="Calibri" panose="020F0502020204030204" pitchFamily="34" charset="0"/>
+                <a:cs typeface="Calibri" panose="020F0502020204030204" pitchFamily="34" charset="0"/>
+              </a:rPr>
+              <a:t>Config-Driven Architecture</a:t>
+            </a:r>
+            <a:r>
+              <a:rPr lang="en-IN" dirty="0">
+                <a:solidFill>
+                  <a:srgbClr val="0E0E0E"/>
+                </a:solidFill>
+                <a:effectLst/>
+                <a:latin typeface="Calibri" panose="020F0502020204030204" pitchFamily="34" charset="0"/>
+                <a:cs typeface="Calibri" panose="020F0502020204030204" pitchFamily="34" charset="0"/>
+              </a:rPr>
+              <a:t>: Flexible and scalable ETL pipeline driven by configuration files.</a:t>
+            </a:r>
+          </a:p>
+          <a:p>
+            <a:r>
+              <a:rPr lang="en-IN" dirty="0">
+                <a:solidFill>
+                  <a:srgbClr val="0E0E0E"/>
+                </a:solidFill>
+                <a:effectLst/>
+                <a:latin typeface="Calibri" panose="020F0502020204030204" pitchFamily="34" charset="0"/>
+                <a:cs typeface="Calibri" panose="020F0502020204030204" pitchFamily="34" charset="0"/>
+              </a:rPr>
+              <a:t>• </a:t>
+            </a:r>
+            <a:r>
+              <a:rPr lang="en-IN" b="1" dirty="0">
+                <a:solidFill>
+                  <a:srgbClr val="0E0E0E"/>
+                </a:solidFill>
+                <a:effectLst/>
+                <a:latin typeface="Calibri" panose="020F0502020204030204" pitchFamily="34" charset="0"/>
+                <a:cs typeface="Calibri" panose="020F0502020204030204" pitchFamily="34" charset="0"/>
+              </a:rPr>
+              <a:t>Data Quality &amp; Transformations</a:t>
+            </a:r>
+            <a:r>
+              <a:rPr lang="en-IN" dirty="0">
+                <a:solidFill>
+                  <a:srgbClr val="0E0E0E"/>
+                </a:solidFill>
+                <a:effectLst/>
+                <a:latin typeface="Calibri" panose="020F0502020204030204" pitchFamily="34" charset="0"/>
+                <a:cs typeface="Calibri" panose="020F0502020204030204" pitchFamily="34" charset="0"/>
+              </a:rPr>
+              <a:t>: Applied at multiple stages using Spark SQL and </a:t>
+            </a:r>
+            <a:r>
+              <a:rPr lang="en-IN" dirty="0" err="1">
+                <a:solidFill>
+                  <a:srgbClr val="0E0E0E"/>
+                </a:solidFill>
+                <a:effectLst/>
+                <a:latin typeface="Calibri" panose="020F0502020204030204" pitchFamily="34" charset="0"/>
+                <a:cs typeface="Calibri" panose="020F0502020204030204" pitchFamily="34" charset="0"/>
+              </a:rPr>
+              <a:t>DataFrame</a:t>
+            </a:r>
+            <a:r>
+              <a:rPr lang="en-IN" dirty="0">
+                <a:solidFill>
+                  <a:srgbClr val="0E0E0E"/>
+                </a:solidFill>
+                <a:effectLst/>
+                <a:latin typeface="Calibri" panose="020F0502020204030204" pitchFamily="34" charset="0"/>
+                <a:cs typeface="Calibri" panose="020F0502020204030204" pitchFamily="34" charset="0"/>
+              </a:rPr>
+              <a:t> API.</a:t>
+            </a:r>
+          </a:p>
+          <a:p>
+            <a:r>
+              <a:rPr lang="en-IN" dirty="0">
+                <a:solidFill>
+                  <a:srgbClr val="0E0E0E"/>
+                </a:solidFill>
+                <a:effectLst/>
+                <a:latin typeface="Calibri" panose="020F0502020204030204" pitchFamily="34" charset="0"/>
+                <a:cs typeface="Calibri" panose="020F0502020204030204" pitchFamily="34" charset="0"/>
+              </a:rPr>
+              <a:t>• </a:t>
+            </a:r>
+            <a:r>
+              <a:rPr lang="en-IN" b="1" dirty="0" err="1">
+                <a:solidFill>
+                  <a:srgbClr val="0E0E0E"/>
+                </a:solidFill>
+                <a:effectLst/>
+                <a:latin typeface="Calibri" panose="020F0502020204030204" pitchFamily="34" charset="0"/>
+                <a:cs typeface="Calibri" panose="020F0502020204030204" pitchFamily="34" charset="0"/>
+              </a:rPr>
+              <a:t>Preactions</a:t>
+            </a:r>
+            <a:r>
+              <a:rPr lang="en-IN" b="1" dirty="0">
+                <a:solidFill>
+                  <a:srgbClr val="0E0E0E"/>
+                </a:solidFill>
+                <a:effectLst/>
+                <a:latin typeface="Calibri" panose="020F0502020204030204" pitchFamily="34" charset="0"/>
+                <a:cs typeface="Calibri" panose="020F0502020204030204" pitchFamily="34" charset="0"/>
+              </a:rPr>
+              <a:t> &amp; Redshift Load</a:t>
+            </a:r>
+            <a:r>
+              <a:rPr lang="en-IN" dirty="0">
+                <a:solidFill>
+                  <a:srgbClr val="0E0E0E"/>
+                </a:solidFill>
+                <a:effectLst/>
+                <a:latin typeface="Calibri" panose="020F0502020204030204" pitchFamily="34" charset="0"/>
+                <a:cs typeface="Calibri" panose="020F0502020204030204" pitchFamily="34" charset="0"/>
+              </a:rPr>
+              <a:t>: Truncate staging tables before load using </a:t>
+            </a:r>
+            <a:r>
+              <a:rPr lang="en-IN" dirty="0" err="1">
+                <a:solidFill>
+                  <a:srgbClr val="0E0E0E"/>
+                </a:solidFill>
+                <a:effectLst/>
+                <a:latin typeface="Calibri" panose="020F0502020204030204" pitchFamily="34" charset="0"/>
+                <a:cs typeface="Calibri" panose="020F0502020204030204" pitchFamily="34" charset="0"/>
+              </a:rPr>
+              <a:t>preactions</a:t>
+            </a:r>
+            <a:r>
+              <a:rPr lang="en-IN" dirty="0">
+                <a:solidFill>
+                  <a:srgbClr val="0E0E0E"/>
+                </a:solidFill>
+                <a:effectLst/>
+                <a:latin typeface="Calibri" panose="020F0502020204030204" pitchFamily="34" charset="0"/>
+                <a:cs typeface="Calibri" panose="020F0502020204030204" pitchFamily="34" charset="0"/>
+              </a:rPr>
+              <a:t>.</a:t>
+            </a:r>
+          </a:p>
+          <a:p>
+            <a:r>
+              <a:rPr lang="en-IN" dirty="0">
+                <a:solidFill>
+                  <a:srgbClr val="0E0E0E"/>
+                </a:solidFill>
+                <a:effectLst/>
+                <a:latin typeface="Calibri" panose="020F0502020204030204" pitchFamily="34" charset="0"/>
+                <a:cs typeface="Calibri" panose="020F0502020204030204" pitchFamily="34" charset="0"/>
+              </a:rPr>
+              <a:t>• </a:t>
+            </a:r>
+            <a:r>
+              <a:rPr lang="en-IN" b="1" dirty="0">
+                <a:solidFill>
+                  <a:srgbClr val="0E0E0E"/>
+                </a:solidFill>
+                <a:effectLst/>
+                <a:latin typeface="Calibri" panose="020F0502020204030204" pitchFamily="34" charset="0"/>
+                <a:cs typeface="Calibri" panose="020F0502020204030204" pitchFamily="34" charset="0"/>
+              </a:rPr>
+              <a:t>Error Handling</a:t>
+            </a:r>
+            <a:r>
+              <a:rPr lang="en-IN" dirty="0">
+                <a:solidFill>
+                  <a:srgbClr val="0E0E0E"/>
+                </a:solidFill>
+                <a:effectLst/>
+                <a:latin typeface="Calibri" panose="020F0502020204030204" pitchFamily="34" charset="0"/>
+                <a:cs typeface="Calibri" panose="020F0502020204030204" pitchFamily="34" charset="0"/>
+              </a:rPr>
+              <a:t>: Retry mechanism with exponential backoff for fault tolerance.</a:t>
+            </a:r>
+          </a:p>
+          <a:p>
+            <a:r>
+              <a:rPr lang="en-IN" dirty="0">
+                <a:solidFill>
+                  <a:srgbClr val="0E0E0E"/>
+                </a:solidFill>
+                <a:effectLst/>
+                <a:latin typeface="Calibri" panose="020F0502020204030204" pitchFamily="34" charset="0"/>
+                <a:cs typeface="Calibri" panose="020F0502020204030204" pitchFamily="34" charset="0"/>
+              </a:rPr>
+              <a:t>• </a:t>
+            </a:r>
+            <a:r>
+              <a:rPr lang="en-IN" b="1" dirty="0">
+                <a:solidFill>
+                  <a:srgbClr val="0E0E0E"/>
+                </a:solidFill>
+                <a:effectLst/>
+                <a:latin typeface="Calibri" panose="020F0502020204030204" pitchFamily="34" charset="0"/>
+                <a:cs typeface="Calibri" panose="020F0502020204030204" pitchFamily="34" charset="0"/>
+              </a:rPr>
+              <a:t>Data Quality</a:t>
+            </a:r>
+            <a:r>
+              <a:rPr lang="en-IN" dirty="0">
+                <a:solidFill>
+                  <a:srgbClr val="0E0E0E"/>
+                </a:solidFill>
+                <a:effectLst/>
+                <a:latin typeface="Calibri" panose="020F0502020204030204" pitchFamily="34" charset="0"/>
+                <a:cs typeface="Calibri" panose="020F0502020204030204" pitchFamily="34" charset="0"/>
+              </a:rPr>
+              <a:t>: Null checks, valid date checks, range checks, applied via SQL or </a:t>
+            </a:r>
+            <a:r>
+              <a:rPr lang="en-IN" dirty="0" err="1">
+                <a:solidFill>
+                  <a:srgbClr val="0E0E0E"/>
+                </a:solidFill>
+                <a:effectLst/>
+                <a:latin typeface="Calibri" panose="020F0502020204030204" pitchFamily="34" charset="0"/>
+                <a:cs typeface="Calibri" panose="020F0502020204030204" pitchFamily="34" charset="0"/>
+              </a:rPr>
+              <a:t>DataFrame</a:t>
+            </a:r>
+            <a:r>
+              <a:rPr lang="en-IN" dirty="0">
+                <a:solidFill>
+                  <a:srgbClr val="0E0E0E"/>
+                </a:solidFill>
+                <a:effectLst/>
+                <a:latin typeface="Calibri" panose="020F0502020204030204" pitchFamily="34" charset="0"/>
+                <a:cs typeface="Calibri" panose="020F0502020204030204" pitchFamily="34" charset="0"/>
+              </a:rPr>
+              <a:t> API.</a:t>
+            </a:r>
+          </a:p>
+          <a:p>
+            <a:r>
+              <a:rPr lang="en-IN" dirty="0">
+                <a:solidFill>
+                  <a:srgbClr val="0E0E0E"/>
+                </a:solidFill>
+                <a:effectLst/>
+                <a:latin typeface="Calibri" panose="020F0502020204030204" pitchFamily="34" charset="0"/>
+                <a:cs typeface="Calibri" panose="020F0502020204030204" pitchFamily="34" charset="0"/>
+              </a:rPr>
+              <a:t>• </a:t>
+            </a:r>
+            <a:r>
+              <a:rPr lang="en-IN" b="1" dirty="0">
+                <a:solidFill>
+                  <a:srgbClr val="0E0E0E"/>
+                </a:solidFill>
+                <a:effectLst/>
+                <a:latin typeface="Calibri" panose="020F0502020204030204" pitchFamily="34" charset="0"/>
+                <a:cs typeface="Calibri" panose="020F0502020204030204" pitchFamily="34" charset="0"/>
+              </a:rPr>
+              <a:t>Transformations</a:t>
+            </a:r>
+            <a:r>
+              <a:rPr lang="en-IN" dirty="0">
+                <a:solidFill>
+                  <a:srgbClr val="0E0E0E"/>
+                </a:solidFill>
+                <a:effectLst/>
+                <a:latin typeface="Calibri" panose="020F0502020204030204" pitchFamily="34" charset="0"/>
+                <a:cs typeface="Calibri" panose="020F0502020204030204" pitchFamily="34" charset="0"/>
+              </a:rPr>
+              <a:t>: Enrichment, formatting, derived columns handled using SQL and </a:t>
+            </a:r>
+            <a:r>
+              <a:rPr lang="en-IN" dirty="0" err="1">
+                <a:solidFill>
+                  <a:srgbClr val="0E0E0E"/>
+                </a:solidFill>
+                <a:effectLst/>
+                <a:latin typeface="Calibri" panose="020F0502020204030204" pitchFamily="34" charset="0"/>
+                <a:cs typeface="Calibri" panose="020F0502020204030204" pitchFamily="34" charset="0"/>
+              </a:rPr>
+              <a:t>DataFrame</a:t>
+            </a:r>
+            <a:r>
+              <a:rPr lang="en-IN" dirty="0">
+                <a:solidFill>
+                  <a:srgbClr val="0E0E0E"/>
+                </a:solidFill>
+                <a:effectLst/>
+                <a:latin typeface="Calibri" panose="020F0502020204030204" pitchFamily="34" charset="0"/>
+                <a:cs typeface="Calibri" panose="020F0502020204030204" pitchFamily="34" charset="0"/>
+              </a:rPr>
+              <a:t> API.</a:t>
+            </a:r>
+          </a:p>
+          <a:p>
+            <a:r>
+              <a:rPr lang="en-IN" dirty="0">
+                <a:solidFill>
+                  <a:srgbClr val="0E0E0E"/>
+                </a:solidFill>
+                <a:effectLst/>
+                <a:latin typeface="Calibri" panose="020F0502020204030204" pitchFamily="34" charset="0"/>
+                <a:cs typeface="Calibri" panose="020F0502020204030204" pitchFamily="34" charset="0"/>
+              </a:rPr>
+              <a:t>• </a:t>
+            </a:r>
+            <a:r>
+              <a:rPr lang="en-IN" b="1" dirty="0">
+                <a:solidFill>
+                  <a:srgbClr val="0E0E0E"/>
+                </a:solidFill>
+                <a:effectLst/>
+                <a:latin typeface="Calibri" panose="020F0502020204030204" pitchFamily="34" charset="0"/>
+                <a:cs typeface="Calibri" panose="020F0502020204030204" pitchFamily="34" charset="0"/>
+              </a:rPr>
+              <a:t>Config-Driven Rules</a:t>
+            </a:r>
+            <a:r>
+              <a:rPr lang="en-IN" dirty="0">
+                <a:solidFill>
+                  <a:srgbClr val="0E0E0E"/>
+                </a:solidFill>
+                <a:effectLst/>
+                <a:latin typeface="Calibri" panose="020F0502020204030204" pitchFamily="34" charset="0"/>
+                <a:cs typeface="Calibri" panose="020F0502020204030204" pitchFamily="34" charset="0"/>
+              </a:rPr>
+              <a:t>: Defined in JSON for flexibility, supports different rules for each table.</a:t>
+            </a:r>
+          </a:p>
+          <a:p>
+            <a:r>
+              <a:rPr lang="en-IN" dirty="0">
+                <a:solidFill>
+                  <a:srgbClr val="0E0E0E"/>
+                </a:solidFill>
+                <a:effectLst/>
+                <a:latin typeface="Calibri" panose="020F0502020204030204" pitchFamily="34" charset="0"/>
+                <a:cs typeface="Calibri" panose="020F0502020204030204" pitchFamily="34" charset="0"/>
+              </a:rPr>
+              <a:t>• </a:t>
+            </a:r>
+            <a:r>
+              <a:rPr lang="en-IN" b="1" dirty="0">
+                <a:solidFill>
+                  <a:srgbClr val="0E0E0E"/>
+                </a:solidFill>
+                <a:effectLst/>
+                <a:latin typeface="Calibri" panose="020F0502020204030204" pitchFamily="34" charset="0"/>
+                <a:cs typeface="Calibri" panose="020F0502020204030204" pitchFamily="34" charset="0"/>
+              </a:rPr>
+              <a:t>Truncate &amp; Load</a:t>
+            </a:r>
+            <a:r>
+              <a:rPr lang="en-IN" dirty="0">
+                <a:solidFill>
+                  <a:srgbClr val="0E0E0E"/>
+                </a:solidFill>
+                <a:effectLst/>
+                <a:latin typeface="Calibri" panose="020F0502020204030204" pitchFamily="34" charset="0"/>
+                <a:cs typeface="Calibri" panose="020F0502020204030204" pitchFamily="34" charset="0"/>
+              </a:rPr>
+              <a:t>: Uses </a:t>
+            </a:r>
+            <a:r>
+              <a:rPr lang="en-IN" dirty="0" err="1">
+                <a:solidFill>
+                  <a:srgbClr val="0E0E0E"/>
+                </a:solidFill>
+                <a:effectLst/>
+                <a:latin typeface="Calibri" panose="020F0502020204030204" pitchFamily="34" charset="0"/>
+                <a:cs typeface="Calibri" panose="020F0502020204030204" pitchFamily="34" charset="0"/>
+              </a:rPr>
+              <a:t>preactions</a:t>
+            </a:r>
+            <a:r>
+              <a:rPr lang="en-IN" dirty="0">
+                <a:solidFill>
+                  <a:srgbClr val="0E0E0E"/>
+                </a:solidFill>
+                <a:effectLst/>
+                <a:latin typeface="Calibri" panose="020F0502020204030204" pitchFamily="34" charset="0"/>
+                <a:cs typeface="Calibri" panose="020F0502020204030204" pitchFamily="34" charset="0"/>
+              </a:rPr>
+              <a:t> to truncate tables before load.</a:t>
+            </a:r>
+          </a:p>
+          <a:p>
+            <a:r>
+              <a:rPr lang="en-IN" dirty="0">
+                <a:solidFill>
+                  <a:srgbClr val="0E0E0E"/>
+                </a:solidFill>
+                <a:effectLst/>
+                <a:latin typeface="Calibri" panose="020F0502020204030204" pitchFamily="34" charset="0"/>
+                <a:cs typeface="Calibri" panose="020F0502020204030204" pitchFamily="34" charset="0"/>
+              </a:rPr>
+              <a:t>• </a:t>
+            </a:r>
+            <a:r>
+              <a:rPr lang="en-IN" b="1" dirty="0">
+                <a:solidFill>
+                  <a:srgbClr val="0E0E0E"/>
+                </a:solidFill>
+                <a:effectLst/>
+                <a:latin typeface="Calibri" panose="020F0502020204030204" pitchFamily="34" charset="0"/>
+                <a:cs typeface="Calibri" panose="020F0502020204030204" pitchFamily="34" charset="0"/>
+              </a:rPr>
+              <a:t>DIST &amp; SORT Keys</a:t>
+            </a:r>
+            <a:r>
+              <a:rPr lang="en-IN" dirty="0">
+                <a:solidFill>
+                  <a:srgbClr val="0E0E0E"/>
+                </a:solidFill>
+                <a:effectLst/>
+                <a:latin typeface="Calibri" panose="020F0502020204030204" pitchFamily="34" charset="0"/>
+                <a:cs typeface="Calibri" panose="020F0502020204030204" pitchFamily="34" charset="0"/>
+              </a:rPr>
+              <a:t>: Optimized for query performance based on data access patterns.</a:t>
+            </a:r>
+          </a:p>
+          <a:p>
+            <a:r>
+              <a:rPr lang="en-IN" dirty="0">
+                <a:solidFill>
+                  <a:srgbClr val="0E0E0E"/>
+                </a:solidFill>
+                <a:effectLst/>
+                <a:latin typeface="Calibri" panose="020F0502020204030204" pitchFamily="34" charset="0"/>
+                <a:cs typeface="Calibri" panose="020F0502020204030204" pitchFamily="34" charset="0"/>
+              </a:rPr>
+              <a:t>• </a:t>
+            </a:r>
+            <a:r>
+              <a:rPr lang="en-IN" b="1" dirty="0">
+                <a:solidFill>
+                  <a:srgbClr val="0E0E0E"/>
+                </a:solidFill>
+                <a:effectLst/>
+                <a:latin typeface="Calibri" panose="020F0502020204030204" pitchFamily="34" charset="0"/>
+                <a:cs typeface="Calibri" panose="020F0502020204030204" pitchFamily="34" charset="0"/>
+              </a:rPr>
+              <a:t>S3 Temp Directory</a:t>
+            </a:r>
+            <a:r>
+              <a:rPr lang="en-IN" dirty="0">
+                <a:solidFill>
+                  <a:srgbClr val="0E0E0E"/>
+                </a:solidFill>
+                <a:effectLst/>
+                <a:latin typeface="Calibri" panose="020F0502020204030204" pitchFamily="34" charset="0"/>
+                <a:cs typeface="Calibri" panose="020F0502020204030204" pitchFamily="34" charset="0"/>
+              </a:rPr>
+              <a:t>: Leveraged for efficient data transfer to Redshift.</a:t>
+            </a:r>
+          </a:p>
+          <a:p>
+            <a:r>
+              <a:rPr lang="en-IN" dirty="0">
+                <a:solidFill>
+                  <a:srgbClr val="0E0E0E"/>
+                </a:solidFill>
+                <a:effectLst/>
+                <a:latin typeface="Calibri" panose="020F0502020204030204" pitchFamily="34" charset="0"/>
+                <a:cs typeface="Calibri" panose="020F0502020204030204" pitchFamily="34" charset="0"/>
+              </a:rPr>
+              <a:t>• </a:t>
+            </a:r>
+            <a:r>
+              <a:rPr lang="en-IN" b="1" dirty="0">
+                <a:solidFill>
+                  <a:srgbClr val="0E0E0E"/>
+                </a:solidFill>
+                <a:effectLst/>
+                <a:latin typeface="Calibri" panose="020F0502020204030204" pitchFamily="34" charset="0"/>
+                <a:cs typeface="Calibri" panose="020F0502020204030204" pitchFamily="34" charset="0"/>
+              </a:rPr>
+              <a:t>Retry Mechanism</a:t>
+            </a:r>
+            <a:r>
+              <a:rPr lang="en-IN" dirty="0">
+                <a:solidFill>
+                  <a:srgbClr val="0E0E0E"/>
+                </a:solidFill>
+                <a:effectLst/>
+                <a:latin typeface="Calibri" panose="020F0502020204030204" pitchFamily="34" charset="0"/>
+                <a:cs typeface="Calibri" panose="020F0502020204030204" pitchFamily="34" charset="0"/>
+              </a:rPr>
+              <a:t>: Retries up to 3 times with exponential backoff in case of failure.</a:t>
+            </a:r>
+          </a:p>
+          <a:p>
+            <a:r>
+              <a:rPr lang="en-IN" dirty="0">
+                <a:solidFill>
+                  <a:srgbClr val="0E0E0E"/>
+                </a:solidFill>
+                <a:effectLst/>
+                <a:latin typeface="Calibri" panose="020F0502020204030204" pitchFamily="34" charset="0"/>
+                <a:cs typeface="Calibri" panose="020F0502020204030204" pitchFamily="34" charset="0"/>
+              </a:rPr>
+              <a:t>• </a:t>
+            </a:r>
+            <a:r>
+              <a:rPr lang="en-IN" b="1" dirty="0">
+                <a:solidFill>
+                  <a:srgbClr val="0E0E0E"/>
+                </a:solidFill>
+                <a:effectLst/>
+                <a:latin typeface="Calibri" panose="020F0502020204030204" pitchFamily="34" charset="0"/>
+                <a:cs typeface="Calibri" panose="020F0502020204030204" pitchFamily="34" charset="0"/>
+              </a:rPr>
+              <a:t>CloudWatch Monitoring</a:t>
+            </a:r>
+            <a:r>
+              <a:rPr lang="en-IN" dirty="0">
+                <a:solidFill>
+                  <a:srgbClr val="0E0E0E"/>
+                </a:solidFill>
+                <a:effectLst/>
+                <a:latin typeface="Calibri" panose="020F0502020204030204" pitchFamily="34" charset="0"/>
+                <a:cs typeface="Calibri" panose="020F0502020204030204" pitchFamily="34" charset="0"/>
+              </a:rPr>
+              <a:t>: Logs and alerts set up for real-time error tracking and troubleshooting.</a:t>
+            </a:r>
+          </a:p>
+          <a:p>
+            <a:r>
+              <a:rPr lang="en-IN" dirty="0">
+                <a:solidFill>
+                  <a:srgbClr val="0E0E0E"/>
+                </a:solidFill>
+                <a:effectLst/>
+                <a:latin typeface="Calibri" panose="020F0502020204030204" pitchFamily="34" charset="0"/>
+                <a:cs typeface="Calibri" panose="020F0502020204030204" pitchFamily="34" charset="0"/>
+              </a:rPr>
+              <a:t>• </a:t>
+            </a:r>
+            <a:r>
+              <a:rPr lang="en-IN" b="1" dirty="0">
+                <a:solidFill>
+                  <a:srgbClr val="0E0E0E"/>
+                </a:solidFill>
+                <a:effectLst/>
+                <a:latin typeface="Calibri" panose="020F0502020204030204" pitchFamily="34" charset="0"/>
+                <a:cs typeface="Calibri" panose="020F0502020204030204" pitchFamily="34" charset="0"/>
+              </a:rPr>
+              <a:t>Auto Scaling</a:t>
+            </a:r>
+            <a:r>
+              <a:rPr lang="en-IN" dirty="0">
+                <a:solidFill>
+                  <a:srgbClr val="0E0E0E"/>
+                </a:solidFill>
+                <a:effectLst/>
+                <a:latin typeface="Calibri" panose="020F0502020204030204" pitchFamily="34" charset="0"/>
+                <a:cs typeface="Calibri" panose="020F0502020204030204" pitchFamily="34" charset="0"/>
+              </a:rPr>
+              <a:t>: Glue and Redshift both auto-scale to handle data at Amazon scale.</a:t>
+            </a:r>
+          </a:p>
+          <a:p>
+            <a:endParaRPr lang="en-IN" dirty="0">
+              <a:solidFill>
+                <a:srgbClr val="0E0E0E"/>
+              </a:solidFill>
+              <a:effectLst/>
+              <a:latin typeface="Calibri" panose="020F0502020204030204" pitchFamily="34" charset="0"/>
+              <a:cs typeface="Calibri" panose="020F0502020204030204" pitchFamily="34" charset="0"/>
+            </a:endParaRPr>
+          </a:p>
+          <a:p>
+            <a:endParaRPr lang="en-IN" dirty="0">
+              <a:solidFill>
+                <a:srgbClr val="0E0E0E"/>
+              </a:solidFill>
+              <a:effectLst/>
+              <a:latin typeface="Calibri" panose="020F0502020204030204" pitchFamily="34" charset="0"/>
+              <a:cs typeface="Calibri" panose="020F0502020204030204" pitchFamily="34" charset="0"/>
+            </a:endParaRPr>
+          </a:p>
+        </p:txBody>
+      </p:sp>
+    </p:spTree>
+    <p:extLst>
+      <p:ext uri="{BB962C8B-B14F-4D97-AF65-F5344CB8AC3E}">
+        <p14:creationId xmlns:p14="http://schemas.microsoft.com/office/powerpoint/2010/main" val="479891700"/>
+      </p:ext>
+    </p:extLst>
+  </p:cSld>
+  <p:clrMapOvr>
+    <a:masterClrMapping/>
+  </p:clrMapOvr>
+</p:sld>
+</file>
+
+<file path=ppt/slides/slide12.xml><?xml version="1.0" encoding="utf-8"?>
+<p:sld xmlns:a="http://schemas.openxmlformats.org/drawingml/2006/main" xmlns:r="http://schemas.openxmlformats.org/officeDocument/2006/relationships" xmlns:p="http://schemas.openxmlformats.org/presentationml/2006/main">
+  <p:cSld>
+    <p:spTree>
+      <p:nvGrpSpPr>
+        <p:cNvPr id="1" name=""/>
+        <p:cNvGrpSpPr/>
+        <p:nvPr/>
+      </p:nvGrpSpPr>
+      <p:grpSpPr>
+        <a:xfrm>
+          <a:off x="0" y="0"/>
+          <a:ext cx="0" cy="0"/>
+          <a:chOff x="0" y="0"/>
+          <a:chExt cx="0" cy="0"/>
+        </a:xfrm>
+      </p:grpSpPr>
+      <p:sp>
+        <p:nvSpPr>
+          <p:cNvPr id="2" name="Title 1">
+            <a:extLst>
+              <a:ext uri="{FF2B5EF4-FFF2-40B4-BE49-F238E27FC236}">
+                <a16:creationId xmlns:a16="http://schemas.microsoft.com/office/drawing/2014/main" id="{2018441C-667F-E673-8B41-89F0D0960C5C}"/>
+              </a:ext>
+            </a:extLst>
+          </p:cNvPr>
+          <p:cNvSpPr>
+            <a:spLocks noGrp="1"/>
+          </p:cNvSpPr>
+          <p:nvPr>
+            <p:ph type="title"/>
+          </p:nvPr>
+        </p:nvSpPr>
+        <p:spPr>
+          <a:xfrm>
+            <a:off x="2231135" y="591468"/>
+            <a:ext cx="7729728" cy="1188720"/>
+          </a:xfrm>
+        </p:spPr>
+        <p:txBody>
+          <a:bodyPr/>
+          <a:lstStyle/>
+          <a:p>
+            <a:r>
+              <a:rPr lang="en-US" dirty="0"/>
+              <a:t>Security and best practices</a:t>
+            </a:r>
+          </a:p>
+        </p:txBody>
+      </p:sp>
+      <p:sp>
+        <p:nvSpPr>
+          <p:cNvPr id="3" name="TextBox 2">
+            <a:extLst>
+              <a:ext uri="{FF2B5EF4-FFF2-40B4-BE49-F238E27FC236}">
+                <a16:creationId xmlns:a16="http://schemas.microsoft.com/office/drawing/2014/main" id="{8FD5D5EC-1EE5-D5B1-9A56-CFDADA861B16}"/>
+              </a:ext>
+            </a:extLst>
+          </p:cNvPr>
+          <p:cNvSpPr txBox="1"/>
+          <p:nvPr/>
+        </p:nvSpPr>
+        <p:spPr>
+          <a:xfrm>
+            <a:off x="1234380" y="2565918"/>
+            <a:ext cx="9723239" cy="2031325"/>
+          </a:xfrm>
+          <a:prstGeom prst="rect">
+            <a:avLst/>
+          </a:prstGeom>
+          <a:noFill/>
+        </p:spPr>
+        <p:txBody>
+          <a:bodyPr wrap="none" rtlCol="0">
+            <a:spAutoFit/>
+          </a:bodyPr>
+          <a:lstStyle/>
+          <a:p>
+            <a:r>
+              <a:rPr lang="en-IN" dirty="0">
+                <a:solidFill>
+                  <a:srgbClr val="0E0E0E"/>
+                </a:solidFill>
+                <a:effectLst/>
+                <a:latin typeface="Calibri" panose="020F0502020204030204" pitchFamily="34" charset="0"/>
+                <a:cs typeface="Calibri" panose="020F0502020204030204" pitchFamily="34" charset="0"/>
+              </a:rPr>
+              <a:t>• </a:t>
+            </a:r>
+            <a:r>
+              <a:rPr lang="en-IN" b="1" dirty="0">
+                <a:solidFill>
+                  <a:srgbClr val="0E0E0E"/>
+                </a:solidFill>
+                <a:effectLst/>
+                <a:latin typeface="Calibri" panose="020F0502020204030204" pitchFamily="34" charset="0"/>
+                <a:cs typeface="Calibri" panose="020F0502020204030204" pitchFamily="34" charset="0"/>
+              </a:rPr>
+              <a:t>IAM Roles</a:t>
+            </a:r>
+            <a:r>
+              <a:rPr lang="en-IN" dirty="0">
+                <a:solidFill>
+                  <a:srgbClr val="0E0E0E"/>
+                </a:solidFill>
+                <a:effectLst/>
+                <a:latin typeface="Calibri" panose="020F0502020204030204" pitchFamily="34" charset="0"/>
+                <a:cs typeface="Calibri" panose="020F0502020204030204" pitchFamily="34" charset="0"/>
+              </a:rPr>
+              <a:t>: Follows least-privilege principle, securing access to S3, Redshift, and Glue.</a:t>
+            </a:r>
+          </a:p>
+          <a:p>
+            <a:r>
+              <a:rPr lang="en-IN" dirty="0">
+                <a:solidFill>
+                  <a:srgbClr val="0E0E0E"/>
+                </a:solidFill>
+                <a:effectLst/>
+                <a:latin typeface="Calibri" panose="020F0502020204030204" pitchFamily="34" charset="0"/>
+                <a:cs typeface="Calibri" panose="020F0502020204030204" pitchFamily="34" charset="0"/>
+              </a:rPr>
+              <a:t>• </a:t>
+            </a:r>
+            <a:r>
+              <a:rPr lang="en-IN" b="1" dirty="0">
+                <a:solidFill>
+                  <a:srgbClr val="0E0E0E"/>
+                </a:solidFill>
+                <a:effectLst/>
+                <a:latin typeface="Calibri" panose="020F0502020204030204" pitchFamily="34" charset="0"/>
+                <a:cs typeface="Calibri" panose="020F0502020204030204" pitchFamily="34" charset="0"/>
+              </a:rPr>
+              <a:t>Encryption</a:t>
+            </a:r>
+            <a:r>
+              <a:rPr lang="en-IN" dirty="0">
+                <a:solidFill>
+                  <a:srgbClr val="0E0E0E"/>
+                </a:solidFill>
+                <a:effectLst/>
+                <a:latin typeface="Calibri" panose="020F0502020204030204" pitchFamily="34" charset="0"/>
+                <a:cs typeface="Calibri" panose="020F0502020204030204" pitchFamily="34" charset="0"/>
+              </a:rPr>
+              <a:t>: Data encrypted at rest (S3, Redshift) with server-side encryption.</a:t>
+            </a:r>
+          </a:p>
+          <a:p>
+            <a:r>
+              <a:rPr lang="en-IN" dirty="0">
+                <a:solidFill>
+                  <a:srgbClr val="0E0E0E"/>
+                </a:solidFill>
+                <a:effectLst/>
+                <a:latin typeface="Calibri" panose="020F0502020204030204" pitchFamily="34" charset="0"/>
+                <a:cs typeface="Calibri" panose="020F0502020204030204" pitchFamily="34" charset="0"/>
+              </a:rPr>
+              <a:t>• </a:t>
+            </a:r>
+            <a:r>
+              <a:rPr lang="en-IN" b="1" dirty="0">
+                <a:solidFill>
+                  <a:srgbClr val="0E0E0E"/>
+                </a:solidFill>
+                <a:effectLst/>
+                <a:latin typeface="Calibri" panose="020F0502020204030204" pitchFamily="34" charset="0"/>
+                <a:cs typeface="Calibri" panose="020F0502020204030204" pitchFamily="34" charset="0"/>
+              </a:rPr>
+              <a:t>S3 Lifecycle Policies</a:t>
+            </a:r>
+            <a:r>
+              <a:rPr lang="en-IN" dirty="0">
+                <a:solidFill>
+                  <a:srgbClr val="0E0E0E"/>
+                </a:solidFill>
+                <a:effectLst/>
+                <a:latin typeface="Calibri" panose="020F0502020204030204" pitchFamily="34" charset="0"/>
+                <a:cs typeface="Calibri" panose="020F0502020204030204" pitchFamily="34" charset="0"/>
+              </a:rPr>
+              <a:t>: Automated archival and deletion of raw DMS files after processing.</a:t>
+            </a:r>
+          </a:p>
+          <a:p>
+            <a:r>
+              <a:rPr lang="en-IN" dirty="0">
+                <a:solidFill>
+                  <a:srgbClr val="0E0E0E"/>
+                </a:solidFill>
+                <a:effectLst/>
+                <a:latin typeface="Calibri" panose="020F0502020204030204" pitchFamily="34" charset="0"/>
+                <a:cs typeface="Calibri" panose="020F0502020204030204" pitchFamily="34" charset="0"/>
+              </a:rPr>
+              <a:t>• </a:t>
+            </a:r>
+            <a:r>
+              <a:rPr lang="en-IN" b="1" dirty="0">
+                <a:solidFill>
+                  <a:srgbClr val="0E0E0E"/>
+                </a:solidFill>
+                <a:effectLst/>
+                <a:latin typeface="Calibri" panose="020F0502020204030204" pitchFamily="34" charset="0"/>
+                <a:cs typeface="Calibri" panose="020F0502020204030204" pitchFamily="34" charset="0"/>
+              </a:rPr>
+              <a:t>Parallelism &amp; Memory</a:t>
+            </a:r>
+            <a:r>
+              <a:rPr lang="en-IN" dirty="0">
+                <a:solidFill>
+                  <a:srgbClr val="0E0E0E"/>
+                </a:solidFill>
+                <a:effectLst/>
+                <a:latin typeface="Calibri" panose="020F0502020204030204" pitchFamily="34" charset="0"/>
+                <a:cs typeface="Calibri" panose="020F0502020204030204" pitchFamily="34" charset="0"/>
+              </a:rPr>
+              <a:t>: Optimized Spark configurations to handle large data volumes efficiently.</a:t>
+            </a:r>
+          </a:p>
+          <a:p>
+            <a:r>
+              <a:rPr lang="en-IN" dirty="0">
+                <a:solidFill>
+                  <a:srgbClr val="0E0E0E"/>
+                </a:solidFill>
+                <a:effectLst/>
+                <a:latin typeface="Calibri" panose="020F0502020204030204" pitchFamily="34" charset="0"/>
+                <a:cs typeface="Calibri" panose="020F0502020204030204" pitchFamily="34" charset="0"/>
+              </a:rPr>
+              <a:t>• </a:t>
+            </a:r>
+            <a:r>
+              <a:rPr lang="en-IN" b="1" dirty="0">
+                <a:solidFill>
+                  <a:srgbClr val="0E0E0E"/>
+                </a:solidFill>
+                <a:effectLst/>
+                <a:latin typeface="Calibri" panose="020F0502020204030204" pitchFamily="34" charset="0"/>
+                <a:cs typeface="Calibri" panose="020F0502020204030204" pitchFamily="34" charset="0"/>
+              </a:rPr>
+              <a:t>Partitioning &amp; File Size</a:t>
+            </a:r>
+            <a:r>
+              <a:rPr lang="en-IN" dirty="0">
+                <a:solidFill>
+                  <a:srgbClr val="0E0E0E"/>
+                </a:solidFill>
+                <a:effectLst/>
+                <a:latin typeface="Calibri" panose="020F0502020204030204" pitchFamily="34" charset="0"/>
+                <a:cs typeface="Calibri" panose="020F0502020204030204" pitchFamily="34" charset="0"/>
+              </a:rPr>
+              <a:t>: Parquet files partitioned by business keys, ideal size 128MB - 1GB.</a:t>
+            </a:r>
+          </a:p>
+          <a:p>
+            <a:r>
+              <a:rPr lang="en-IN" dirty="0">
+                <a:solidFill>
+                  <a:srgbClr val="0E0E0E"/>
+                </a:solidFill>
+                <a:effectLst/>
+                <a:latin typeface="Calibri" panose="020F0502020204030204" pitchFamily="34" charset="0"/>
+                <a:cs typeface="Calibri" panose="020F0502020204030204" pitchFamily="34" charset="0"/>
+              </a:rPr>
+              <a:t>• </a:t>
+            </a:r>
+            <a:r>
+              <a:rPr lang="en-IN" b="1" dirty="0">
+                <a:solidFill>
+                  <a:srgbClr val="0E0E0E"/>
+                </a:solidFill>
+                <a:effectLst/>
+                <a:latin typeface="Calibri" panose="020F0502020204030204" pitchFamily="34" charset="0"/>
+                <a:cs typeface="Calibri" panose="020F0502020204030204" pitchFamily="34" charset="0"/>
+              </a:rPr>
+              <a:t>Redshift Query Optimization</a:t>
+            </a:r>
+            <a:r>
+              <a:rPr lang="en-IN" dirty="0">
+                <a:solidFill>
+                  <a:srgbClr val="0E0E0E"/>
+                </a:solidFill>
+                <a:effectLst/>
+                <a:latin typeface="Calibri" panose="020F0502020204030204" pitchFamily="34" charset="0"/>
+                <a:cs typeface="Calibri" panose="020F0502020204030204" pitchFamily="34" charset="0"/>
+              </a:rPr>
+              <a:t>: Concurrency scaling and SORT/DIST key optimizations for fast queries.</a:t>
+            </a:r>
+          </a:p>
+          <a:p>
+            <a:endParaRPr lang="en-US" dirty="0">
+              <a:latin typeface="Calibri" panose="020F0502020204030204" pitchFamily="34" charset="0"/>
+              <a:cs typeface="Calibri" panose="020F0502020204030204" pitchFamily="34" charset="0"/>
+            </a:endParaRPr>
+          </a:p>
+        </p:txBody>
+      </p:sp>
+    </p:spTree>
+    <p:extLst>
+      <p:ext uri="{BB962C8B-B14F-4D97-AF65-F5344CB8AC3E}">
+        <p14:creationId xmlns:p14="http://schemas.microsoft.com/office/powerpoint/2010/main" val="767178515"/>
+      </p:ext>
+    </p:extLst>
+  </p:cSld>
+  <p:clrMapOvr>
+    <a:masterClrMapping/>
+  </p:clrMapOvr>
+</p:sld>
+</file>
+
+<file path=ppt/slides/slide13.xml><?xml version="1.0" encoding="utf-8"?>
+<p:sld xmlns:a="http://schemas.openxmlformats.org/drawingml/2006/main" xmlns:r="http://schemas.openxmlformats.org/officeDocument/2006/relationships" xmlns:p="http://schemas.openxmlformats.org/presentationml/2006/main">
+  <p:cSld>
+    <p:spTree>
+      <p:nvGrpSpPr>
+        <p:cNvPr id="1" name=""/>
+        <p:cNvGrpSpPr/>
+        <p:nvPr/>
+      </p:nvGrpSpPr>
+      <p:grpSpPr>
+        <a:xfrm>
+          <a:off x="0" y="0"/>
+          <a:ext cx="0" cy="0"/>
+          <a:chOff x="0" y="0"/>
+          <a:chExt cx="0" cy="0"/>
+        </a:xfrm>
+      </p:grpSpPr>
+      <p:sp>
+        <p:nvSpPr>
+          <p:cNvPr id="2" name="Title 1">
+            <a:extLst>
+              <a:ext uri="{FF2B5EF4-FFF2-40B4-BE49-F238E27FC236}">
+                <a16:creationId xmlns:a16="http://schemas.microsoft.com/office/drawing/2014/main" id="{922050FD-C17E-F7EB-A5A4-CB1B6E29B8FE}"/>
+              </a:ext>
+            </a:extLst>
+          </p:cNvPr>
+          <p:cNvSpPr>
+            <a:spLocks noGrp="1"/>
+          </p:cNvSpPr>
+          <p:nvPr>
+            <p:ph type="title"/>
+          </p:nvPr>
+        </p:nvSpPr>
+        <p:spPr>
+          <a:xfrm>
+            <a:off x="2231136" y="479501"/>
+            <a:ext cx="7729728" cy="1188720"/>
+          </a:xfrm>
+        </p:spPr>
+        <p:txBody>
+          <a:bodyPr/>
+          <a:lstStyle/>
+          <a:p>
+            <a:r>
+              <a:rPr lang="en-US" dirty="0"/>
+              <a:t>LOAD SECTION OVERVIEW</a:t>
+            </a:r>
+          </a:p>
+        </p:txBody>
+      </p:sp>
+      <p:sp>
+        <p:nvSpPr>
+          <p:cNvPr id="3" name="TextBox 2">
+            <a:extLst>
+              <a:ext uri="{FF2B5EF4-FFF2-40B4-BE49-F238E27FC236}">
+                <a16:creationId xmlns:a16="http://schemas.microsoft.com/office/drawing/2014/main" id="{69A7CE9B-DA04-A3DD-1E6D-F0C7BDCB311E}"/>
+              </a:ext>
+            </a:extLst>
+          </p:cNvPr>
+          <p:cNvSpPr txBox="1"/>
+          <p:nvPr/>
+        </p:nvSpPr>
+        <p:spPr>
+          <a:xfrm>
+            <a:off x="1159744" y="1903445"/>
+            <a:ext cx="9872511" cy="5078313"/>
+          </a:xfrm>
+          <a:prstGeom prst="rect">
+            <a:avLst/>
+          </a:prstGeom>
+          <a:noFill/>
+        </p:spPr>
+        <p:txBody>
+          <a:bodyPr wrap="none" rtlCol="0">
+            <a:spAutoFit/>
+          </a:bodyPr>
+          <a:lstStyle/>
+          <a:p>
+            <a:r>
+              <a:rPr lang="en-IN" dirty="0">
+                <a:solidFill>
+                  <a:srgbClr val="0E0E0E"/>
+                </a:solidFill>
+                <a:effectLst/>
+                <a:latin typeface="Calibri" panose="020F0502020204030204" pitchFamily="34" charset="0"/>
+                <a:cs typeface="Calibri" panose="020F0502020204030204" pitchFamily="34" charset="0"/>
+              </a:rPr>
+              <a:t>• Transition from staging to dimensions and facts in Redshift.</a:t>
+            </a:r>
+          </a:p>
+          <a:p>
+            <a:r>
+              <a:rPr lang="en-IN" dirty="0">
+                <a:solidFill>
+                  <a:srgbClr val="0E0E0E"/>
+                </a:solidFill>
+                <a:effectLst/>
+                <a:latin typeface="Calibri" panose="020F0502020204030204" pitchFamily="34" charset="0"/>
+                <a:cs typeface="Calibri" panose="020F0502020204030204" pitchFamily="34" charset="0"/>
+              </a:rPr>
+              <a:t>• Two types of operations:</a:t>
+            </a:r>
+          </a:p>
+          <a:p>
+            <a:r>
+              <a:rPr lang="en-IN" dirty="0">
+                <a:solidFill>
+                  <a:srgbClr val="0E0E0E"/>
+                </a:solidFill>
+                <a:effectLst/>
+                <a:latin typeface="Calibri" panose="020F0502020204030204" pitchFamily="34" charset="0"/>
+                <a:cs typeface="Calibri" panose="020F0502020204030204" pitchFamily="34" charset="0"/>
+              </a:rPr>
+              <a:t>	1. </a:t>
+            </a:r>
+            <a:r>
+              <a:rPr lang="en-IN" b="1" dirty="0">
+                <a:solidFill>
+                  <a:srgbClr val="0E0E0E"/>
+                </a:solidFill>
+                <a:effectLst/>
+                <a:latin typeface="Calibri" panose="020F0502020204030204" pitchFamily="34" charset="0"/>
+                <a:cs typeface="Calibri" panose="020F0502020204030204" pitchFamily="34" charset="0"/>
+              </a:rPr>
+              <a:t>Append-only</a:t>
+            </a:r>
+            <a:r>
+              <a:rPr lang="en-IN" dirty="0">
+                <a:solidFill>
+                  <a:srgbClr val="0E0E0E"/>
+                </a:solidFill>
+                <a:effectLst/>
+                <a:latin typeface="Calibri" panose="020F0502020204030204" pitchFamily="34" charset="0"/>
+                <a:cs typeface="Calibri" panose="020F0502020204030204" pitchFamily="34" charset="0"/>
+              </a:rPr>
+              <a:t> for Fact Tables</a:t>
+            </a:r>
+          </a:p>
+          <a:p>
+            <a:r>
+              <a:rPr lang="en-IN" dirty="0">
+                <a:solidFill>
+                  <a:srgbClr val="0E0E0E"/>
+                </a:solidFill>
+                <a:effectLst/>
+                <a:latin typeface="Calibri" panose="020F0502020204030204" pitchFamily="34" charset="0"/>
+                <a:cs typeface="Calibri" panose="020F0502020204030204" pitchFamily="34" charset="0"/>
+              </a:rPr>
+              <a:t>	2. </a:t>
+            </a:r>
+            <a:r>
+              <a:rPr lang="en-IN" b="1" dirty="0">
+                <a:solidFill>
+                  <a:srgbClr val="0E0E0E"/>
+                </a:solidFill>
+                <a:effectLst/>
+                <a:latin typeface="Calibri" panose="020F0502020204030204" pitchFamily="34" charset="0"/>
+                <a:cs typeface="Calibri" panose="020F0502020204030204" pitchFamily="34" charset="0"/>
+              </a:rPr>
+              <a:t>SCD Type 2</a:t>
+            </a:r>
+            <a:r>
+              <a:rPr lang="en-IN" dirty="0">
+                <a:solidFill>
+                  <a:srgbClr val="0E0E0E"/>
+                </a:solidFill>
+                <a:effectLst/>
+                <a:latin typeface="Calibri" panose="020F0502020204030204" pitchFamily="34" charset="0"/>
+                <a:cs typeface="Calibri" panose="020F0502020204030204" pitchFamily="34" charset="0"/>
+              </a:rPr>
+              <a:t> for Dimension Tables.</a:t>
+            </a:r>
+          </a:p>
+          <a:p>
+            <a:r>
+              <a:rPr lang="en-IN" dirty="0">
+                <a:solidFill>
+                  <a:srgbClr val="0E0E0E"/>
+                </a:solidFill>
+                <a:effectLst/>
+                <a:latin typeface="Calibri" panose="020F0502020204030204" pitchFamily="34" charset="0"/>
+                <a:cs typeface="Calibri" panose="020F0502020204030204" pitchFamily="34" charset="0"/>
+              </a:rPr>
+              <a:t>• Ensuring no data duplication during failure scenarios.</a:t>
+            </a:r>
+          </a:p>
+          <a:p>
+            <a:r>
+              <a:rPr lang="en-IN" dirty="0">
+                <a:solidFill>
+                  <a:srgbClr val="0E0E0E"/>
+                </a:solidFill>
+                <a:effectLst/>
+                <a:latin typeface="Calibri" panose="020F0502020204030204" pitchFamily="34" charset="0"/>
+                <a:cs typeface="Calibri" panose="020F0502020204030204" pitchFamily="34" charset="0"/>
+              </a:rPr>
+              <a:t>• Use of </a:t>
+            </a:r>
+            <a:r>
+              <a:rPr lang="en-IN" b="1" dirty="0">
+                <a:solidFill>
+                  <a:srgbClr val="0E0E0E"/>
+                </a:solidFill>
+                <a:effectLst/>
+                <a:latin typeface="Calibri" panose="020F0502020204030204" pitchFamily="34" charset="0"/>
+                <a:cs typeface="Calibri" panose="020F0502020204030204" pitchFamily="34" charset="0"/>
+              </a:rPr>
+              <a:t>merge operations</a:t>
+            </a:r>
+            <a:r>
+              <a:rPr lang="en-IN" dirty="0">
+                <a:solidFill>
+                  <a:srgbClr val="0E0E0E"/>
+                </a:solidFill>
+                <a:effectLst/>
+                <a:latin typeface="Calibri" panose="020F0502020204030204" pitchFamily="34" charset="0"/>
+                <a:cs typeface="Calibri" panose="020F0502020204030204" pitchFamily="34" charset="0"/>
+              </a:rPr>
+              <a:t> in Redshift for SCD Type 2 logic.</a:t>
+            </a:r>
+          </a:p>
+          <a:p>
+            <a:r>
+              <a:rPr lang="en-IN" dirty="0">
+                <a:solidFill>
+                  <a:srgbClr val="0E0E0E"/>
+                </a:solidFill>
+                <a:effectLst/>
+                <a:latin typeface="Calibri" panose="020F0502020204030204" pitchFamily="34" charset="0"/>
+                <a:cs typeface="Calibri" panose="020F0502020204030204" pitchFamily="34" charset="0"/>
+              </a:rPr>
+              <a:t>• Utilize </a:t>
+            </a:r>
+            <a:r>
+              <a:rPr lang="en-IN" b="1" dirty="0">
+                <a:solidFill>
+                  <a:srgbClr val="0E0E0E"/>
+                </a:solidFill>
+                <a:effectLst/>
+                <a:latin typeface="Calibri" panose="020F0502020204030204" pitchFamily="34" charset="0"/>
+                <a:cs typeface="Calibri" panose="020F0502020204030204" pitchFamily="34" charset="0"/>
+              </a:rPr>
+              <a:t>SCD Type 2</a:t>
+            </a:r>
+            <a:r>
+              <a:rPr lang="en-IN" dirty="0">
+                <a:solidFill>
+                  <a:srgbClr val="0E0E0E"/>
+                </a:solidFill>
+                <a:effectLst/>
+                <a:latin typeface="Calibri" panose="020F0502020204030204" pitchFamily="34" charset="0"/>
+                <a:cs typeface="Calibri" panose="020F0502020204030204" pitchFamily="34" charset="0"/>
+              </a:rPr>
+              <a:t> to track historical changes in dimensions.</a:t>
+            </a:r>
+          </a:p>
+          <a:p>
+            <a:r>
+              <a:rPr lang="en-IN" dirty="0">
+                <a:solidFill>
+                  <a:srgbClr val="0E0E0E"/>
+                </a:solidFill>
+                <a:effectLst/>
+                <a:latin typeface="Calibri" panose="020F0502020204030204" pitchFamily="34" charset="0"/>
+                <a:cs typeface="Calibri" panose="020F0502020204030204" pitchFamily="34" charset="0"/>
+              </a:rPr>
+              <a:t>• Use Redshift’s MERGE statement for updates:</a:t>
+            </a:r>
+          </a:p>
+          <a:p>
+            <a:r>
+              <a:rPr lang="en-IN" dirty="0">
+                <a:solidFill>
+                  <a:srgbClr val="0E0E0E"/>
+                </a:solidFill>
+                <a:effectLst/>
+                <a:latin typeface="Calibri" panose="020F0502020204030204" pitchFamily="34" charset="0"/>
+                <a:cs typeface="Calibri" panose="020F0502020204030204" pitchFamily="34" charset="0"/>
+              </a:rPr>
+              <a:t>• </a:t>
+            </a:r>
+            <a:r>
+              <a:rPr lang="en-IN" b="1" dirty="0">
+                <a:solidFill>
+                  <a:srgbClr val="0E0E0E"/>
+                </a:solidFill>
+                <a:effectLst/>
+                <a:latin typeface="Calibri" panose="020F0502020204030204" pitchFamily="34" charset="0"/>
+                <a:cs typeface="Calibri" panose="020F0502020204030204" pitchFamily="34" charset="0"/>
+              </a:rPr>
+              <a:t>Matched Rows (Update)</a:t>
+            </a:r>
+            <a:r>
+              <a:rPr lang="en-IN" dirty="0">
+                <a:solidFill>
+                  <a:srgbClr val="0E0E0E"/>
+                </a:solidFill>
+                <a:effectLst/>
+                <a:latin typeface="Calibri" panose="020F0502020204030204" pitchFamily="34" charset="0"/>
+                <a:cs typeface="Calibri" panose="020F0502020204030204" pitchFamily="34" charset="0"/>
+              </a:rPr>
+              <a:t>: Close the current record (</a:t>
+            </a:r>
+            <a:r>
+              <a:rPr lang="en-IN" dirty="0" err="1">
+                <a:solidFill>
+                  <a:srgbClr val="0E0E0E"/>
+                </a:solidFill>
+                <a:effectLst/>
+                <a:latin typeface="Calibri" panose="020F0502020204030204" pitchFamily="34" charset="0"/>
+                <a:cs typeface="Calibri" panose="020F0502020204030204" pitchFamily="34" charset="0"/>
+              </a:rPr>
+              <a:t>is_current_record</a:t>
+            </a:r>
+            <a:r>
+              <a:rPr lang="en-IN" dirty="0">
+                <a:solidFill>
+                  <a:srgbClr val="0E0E0E"/>
+                </a:solidFill>
+                <a:effectLst/>
+                <a:latin typeface="Calibri" panose="020F0502020204030204" pitchFamily="34" charset="0"/>
+                <a:cs typeface="Calibri" panose="020F0502020204030204" pitchFamily="34" charset="0"/>
+              </a:rPr>
+              <a:t> = False) and set the expiry date.</a:t>
+            </a:r>
+          </a:p>
+          <a:p>
+            <a:r>
+              <a:rPr lang="en-IN" dirty="0">
+                <a:solidFill>
+                  <a:srgbClr val="0E0E0E"/>
+                </a:solidFill>
+                <a:effectLst/>
+                <a:latin typeface="Calibri" panose="020F0502020204030204" pitchFamily="34" charset="0"/>
+                <a:cs typeface="Calibri" panose="020F0502020204030204" pitchFamily="34" charset="0"/>
+              </a:rPr>
+              <a:t>• </a:t>
+            </a:r>
+            <a:r>
+              <a:rPr lang="en-IN" b="1" dirty="0">
+                <a:solidFill>
+                  <a:srgbClr val="0E0E0E"/>
+                </a:solidFill>
+                <a:effectLst/>
+                <a:latin typeface="Calibri" panose="020F0502020204030204" pitchFamily="34" charset="0"/>
+                <a:cs typeface="Calibri" panose="020F0502020204030204" pitchFamily="34" charset="0"/>
+              </a:rPr>
+              <a:t>Unmatched Rows (Insert)</a:t>
+            </a:r>
+            <a:r>
+              <a:rPr lang="en-IN" dirty="0">
+                <a:solidFill>
+                  <a:srgbClr val="0E0E0E"/>
+                </a:solidFill>
+                <a:effectLst/>
+                <a:latin typeface="Calibri" panose="020F0502020204030204" pitchFamily="34" charset="0"/>
+                <a:cs typeface="Calibri" panose="020F0502020204030204" pitchFamily="34" charset="0"/>
+              </a:rPr>
+              <a:t>: Insert new records with a start date and </a:t>
+            </a:r>
+            <a:r>
+              <a:rPr lang="en-IN" dirty="0" err="1">
+                <a:solidFill>
+                  <a:srgbClr val="0E0E0E"/>
+                </a:solidFill>
+                <a:effectLst/>
+                <a:latin typeface="Calibri" panose="020F0502020204030204" pitchFamily="34" charset="0"/>
+                <a:cs typeface="Calibri" panose="020F0502020204030204" pitchFamily="34" charset="0"/>
+              </a:rPr>
+              <a:t>is_current_record</a:t>
+            </a:r>
+            <a:r>
+              <a:rPr lang="en-IN" dirty="0">
+                <a:solidFill>
+                  <a:srgbClr val="0E0E0E"/>
+                </a:solidFill>
+                <a:effectLst/>
+                <a:latin typeface="Calibri" panose="020F0502020204030204" pitchFamily="34" charset="0"/>
+                <a:cs typeface="Calibri" panose="020F0502020204030204" pitchFamily="34" charset="0"/>
+              </a:rPr>
+              <a:t> = True.</a:t>
+            </a:r>
+          </a:p>
+          <a:p>
+            <a:r>
+              <a:rPr lang="en-IN" dirty="0">
+                <a:solidFill>
+                  <a:srgbClr val="0E0E0E"/>
+                </a:solidFill>
+                <a:effectLst/>
+                <a:latin typeface="Calibri" panose="020F0502020204030204" pitchFamily="34" charset="0"/>
+                <a:cs typeface="Calibri" panose="020F0502020204030204" pitchFamily="34" charset="0"/>
+              </a:rPr>
+              <a:t>• Handle CDC flags (I/U/D) from the staging layer.</a:t>
+            </a:r>
+          </a:p>
+          <a:p>
+            <a:r>
+              <a:rPr lang="en-IN" dirty="0">
+                <a:solidFill>
+                  <a:srgbClr val="0E0E0E"/>
+                </a:solidFill>
+                <a:effectLst/>
+                <a:latin typeface="Calibri" panose="020F0502020204030204" pitchFamily="34" charset="0"/>
+                <a:cs typeface="Calibri" panose="020F0502020204030204" pitchFamily="34" charset="0"/>
+              </a:rPr>
+              <a:t>• Fact tables are </a:t>
+            </a:r>
+            <a:r>
+              <a:rPr lang="en-IN" b="1" dirty="0">
+                <a:solidFill>
+                  <a:srgbClr val="0E0E0E"/>
+                </a:solidFill>
+                <a:effectLst/>
+                <a:latin typeface="Calibri" panose="020F0502020204030204" pitchFamily="34" charset="0"/>
+                <a:cs typeface="Calibri" panose="020F0502020204030204" pitchFamily="34" charset="0"/>
+              </a:rPr>
+              <a:t>append-only</a:t>
+            </a:r>
+            <a:r>
+              <a:rPr lang="en-IN" dirty="0">
+                <a:solidFill>
+                  <a:srgbClr val="0E0E0E"/>
+                </a:solidFill>
+                <a:effectLst/>
+                <a:latin typeface="Calibri" panose="020F0502020204030204" pitchFamily="34" charset="0"/>
+                <a:cs typeface="Calibri" panose="020F0502020204030204" pitchFamily="34" charset="0"/>
               </a:rPr>
               <a:t>:</a:t>
             </a:r>
@@ -4172,95 +5932,154 @@
                   <a:srgbClr val="0E0E0E"/>
                 </a:solidFill>
                 <a:effectLst/>
-                <a:latin typeface=".SF NS"/>
-              </a:rPr>
-              <a:t>	• </a:t>
-            </a:r>
-            <a:r>
-              <a:rPr lang="en-IN" b="1" dirty="0">
-                <a:solidFill>
-                  <a:srgbClr val="0E0E0E"/>
-                </a:solidFill>
-                <a:effectLst/>
-                <a:latin typeface=".SF NS"/>
-              </a:rPr>
-              <a:t>Bronze (S3)</a:t>
-            </a:r>
-            <a:r>
-              <a:rPr lang="en-IN" dirty="0">
-                <a:solidFill>
-                  <a:srgbClr val="0E0E0E"/>
-                </a:solidFill>
-                <a:effectLst/>
-                <a:latin typeface=".SF NS"/>
-              </a:rPr>
-              <a:t>: Stores raw data from DMS CDC.</a:t>
-            </a:r>
-          </a:p>
-          <a:p>
-            <a:r>
-              <a:rPr lang="en-IN" dirty="0">
-                <a:solidFill>
-                  <a:srgbClr val="0E0E0E"/>
-                </a:solidFill>
-                <a:effectLst/>
-                <a:latin typeface=".SF NS"/>
-              </a:rPr>
-              <a:t>	• </a:t>
-            </a:r>
-            <a:r>
-              <a:rPr lang="en-IN" b="1" dirty="0">
-                <a:solidFill>
-                  <a:srgbClr val="0E0E0E"/>
-                </a:solidFill>
-                <a:effectLst/>
-                <a:latin typeface=".SF NS"/>
-              </a:rPr>
-              <a:t>Silver (S3)</a:t>
-            </a:r>
-            <a:r>
-              <a:rPr lang="en-IN" dirty="0">
-                <a:solidFill>
-                  <a:srgbClr val="0E0E0E"/>
-                </a:solidFill>
-                <a:effectLst/>
-                <a:latin typeface=".SF NS"/>
-              </a:rPr>
-              <a:t>: Data quality checks, cleansing, and transformations using AWS Glue.</a:t>
-            </a:r>
-          </a:p>
-          <a:p>
-            <a:r>
-              <a:rPr lang="en-IN" dirty="0">
-                <a:solidFill>
-                  <a:srgbClr val="0E0E0E"/>
-                </a:solidFill>
-                <a:effectLst/>
-                <a:latin typeface=".SF NS"/>
-              </a:rPr>
-              <a:t>	• </a:t>
-            </a:r>
-            <a:r>
-              <a:rPr lang="en-IN" b="1" dirty="0">
-                <a:solidFill>
-                  <a:srgbClr val="0E0E0E"/>
-                </a:solidFill>
-                <a:effectLst/>
-                <a:latin typeface=".SF NS"/>
-              </a:rPr>
-              <a:t>Gold (Redshift)</a:t>
-            </a:r>
-            <a:r>
-              <a:rPr lang="en-IN" dirty="0">
-                <a:solidFill>
-                  <a:srgbClr val="0E0E0E"/>
-                </a:solidFill>
-                <a:effectLst/>
-                <a:latin typeface=".SF NS"/>
-              </a:rPr>
-              <a:t>: Final enriched data for analytics and reporting.</a:t>
-            </a:r>
-          </a:p>
+                <a:latin typeface="Calibri" panose="020F0502020204030204" pitchFamily="34" charset="0"/>
+                <a:cs typeface="Calibri" panose="020F0502020204030204" pitchFamily="34" charset="0"/>
+              </a:rPr>
+              <a:t>• Load new transactions without updating existing records.</a:t>
+            </a:r>
+          </a:p>
+          <a:p>
+            <a:r>
+              <a:rPr lang="en-IN" dirty="0">
+                <a:solidFill>
+                  <a:srgbClr val="0E0E0E"/>
+                </a:solidFill>
+                <a:effectLst/>
+                <a:latin typeface="Calibri" panose="020F0502020204030204" pitchFamily="34" charset="0"/>
+                <a:cs typeface="Calibri" panose="020F0502020204030204" pitchFamily="34" charset="0"/>
+              </a:rPr>
+              <a:t>• Pre-actions ensure no duplicates in the case of job retries:</a:t>
+            </a:r>
+          </a:p>
+          <a:p>
+            <a:r>
+              <a:rPr lang="en-IN" dirty="0">
+                <a:solidFill>
+                  <a:srgbClr val="0E0E0E"/>
+                </a:solidFill>
+                <a:effectLst/>
+                <a:latin typeface="Calibri" panose="020F0502020204030204" pitchFamily="34" charset="0"/>
+                <a:cs typeface="Calibri" panose="020F0502020204030204" pitchFamily="34" charset="0"/>
+              </a:rPr>
+              <a:t>• Delete any partial records before reloading.</a:t>
+            </a:r>
+          </a:p>
+          <a:p>
+            <a:r>
+              <a:rPr lang="en-IN" dirty="0">
+                <a:solidFill>
+                  <a:srgbClr val="0E0E0E"/>
+                </a:solidFill>
+                <a:effectLst/>
+                <a:latin typeface="Calibri" panose="020F0502020204030204" pitchFamily="34" charset="0"/>
+                <a:cs typeface="Calibri" panose="020F0502020204030204" pitchFamily="34" charset="0"/>
+              </a:rPr>
+              <a:t>• Use of optimized sorting and distribution keys for query performance.</a:t>
+            </a:r>
+          </a:p>
+          <a:p>
+            <a:endParaRPr lang="en-IN" dirty="0">
+              <a:solidFill>
+                <a:srgbClr val="0E0E0E"/>
+              </a:solidFill>
+              <a:effectLst/>
+              <a:latin typeface="Calibri" panose="020F0502020204030204" pitchFamily="34" charset="0"/>
+              <a:cs typeface="Calibri" panose="020F0502020204030204" pitchFamily="34" charset="0"/>
+            </a:endParaRPr>
+          </a:p>
+          <a:p>
+            <a:endParaRPr lang="en-US" dirty="0">
+              <a:latin typeface="Calibri" panose="020F0502020204030204" pitchFamily="34" charset="0"/>
+              <a:cs typeface="Calibri" panose="020F0502020204030204" pitchFamily="34" charset="0"/>
+            </a:endParaRPr>
+          </a:p>
+        </p:txBody>
+      </p:sp>
+    </p:spTree>
+    <p:extLst>
+      <p:ext uri="{BB962C8B-B14F-4D97-AF65-F5344CB8AC3E}">
+        <p14:creationId xmlns:p14="http://schemas.microsoft.com/office/powerpoint/2010/main" val="916519542"/>
+      </p:ext>
+    </p:extLst>
+  </p:cSld>
+  <p:clrMapOvr>
+    <a:masterClrMapping/>
+  </p:clrMapOvr>
+</p:sld>
+</file>
+
+<file path=ppt/slides/slide14.xml><?xml version="1.0" encoding="utf-8"?>
+<p:sld xmlns:a="http://schemas.openxmlformats.org/drawingml/2006/main" xmlns:r="http://schemas.openxmlformats.org/officeDocument/2006/relationships" xmlns:p="http://schemas.openxmlformats.org/presentationml/2006/main">
+  <p:cSld>
+    <p:spTree>
+      <p:nvGrpSpPr>
+        <p:cNvPr id="1" name=""/>
+        <p:cNvGrpSpPr/>
+        <p:nvPr/>
+      </p:nvGrpSpPr>
+      <p:grpSpPr>
+        <a:xfrm>
+          <a:off x="0" y="0"/>
+          <a:ext cx="0" cy="0"/>
+          <a:chOff x="0" y="0"/>
+          <a:chExt cx="0" cy="0"/>
+        </a:xfrm>
+      </p:grpSpPr>
+      <p:sp>
+        <p:nvSpPr>
+          <p:cNvPr id="2" name="Title 1">
+            <a:extLst>
+              <a:ext uri="{FF2B5EF4-FFF2-40B4-BE49-F238E27FC236}">
+                <a16:creationId xmlns:a16="http://schemas.microsoft.com/office/drawing/2014/main" id="{AD567E25-FBDF-3D6A-9B99-5A53A24BFFEE}"/>
+              </a:ext>
+            </a:extLst>
+          </p:cNvPr>
+          <p:cNvSpPr>
+            <a:spLocks noGrp="1"/>
+          </p:cNvSpPr>
+          <p:nvPr>
+            <p:ph type="title"/>
+          </p:nvPr>
+        </p:nvSpPr>
+        <p:spPr/>
+        <p:txBody>
+          <a:bodyPr/>
+          <a:lstStyle/>
+          <a:p>
+            <a:r>
+              <a:rPr lang="en-US" dirty="0"/>
+              <a:t>BEST PRACTICES</a:t>
+            </a:r>
+          </a:p>
+        </p:txBody>
+      </p:sp>
+      <p:sp>
+        <p:nvSpPr>
+          <p:cNvPr id="3" name="TextBox 2">
+            <a:extLst>
+              <a:ext uri="{FF2B5EF4-FFF2-40B4-BE49-F238E27FC236}">
+                <a16:creationId xmlns:a16="http://schemas.microsoft.com/office/drawing/2014/main" id="{F7BE859D-0B82-A6D6-14AA-21EB38867BD8}"/>
+              </a:ext>
+            </a:extLst>
+          </p:cNvPr>
+          <p:cNvSpPr txBox="1"/>
+          <p:nvPr/>
+        </p:nvSpPr>
+        <p:spPr>
+          <a:xfrm>
+            <a:off x="1542349" y="2593910"/>
+            <a:ext cx="9107301" cy="3139321"/>
+          </a:xfrm>
+          <a:prstGeom prst="rect">
+            <a:avLst/>
+          </a:prstGeom>
+          <a:noFill/>
+        </p:spPr>
+        <p:txBody>
+          <a:bodyPr wrap="none" rtlCol="0">
+            <a:spAutoFit/>
+          </a:bodyPr>
+          <a:lstStyle/>
           <a:p>
             <a:r>
               <a:rPr lang="en-IN" dirty="0">
@@ -4273,15 +6092,946 @@
               <a:t>• </a:t>
             </a:r>
             <a:r>
-              <a:rPr lang="en-IN" b="1" dirty="0">
-                <a:solidFill>
-                  <a:srgbClr val="0E0E0E"/>
-                </a:solidFill>
-                <a:effectLst/>
-                <a:latin typeface=".SF NS"/>
-              </a:rPr>
-              <a:t>Why Medallion?</a:t>
-            </a:r>
+              <a:rPr lang="en-IN" b="1" dirty="0" err="1">
+                <a:solidFill>
+                  <a:srgbClr val="0E0E0E"/>
+                </a:solidFill>
+                <a:effectLst/>
+                <a:latin typeface=".SF NS"/>
+              </a:rPr>
+              <a:t>Preactions</a:t>
+            </a:r>
+            <a:r>
+              <a:rPr lang="en-IN" b="1" dirty="0">
+                <a:solidFill>
+                  <a:srgbClr val="0E0E0E"/>
+                </a:solidFill>
+                <a:effectLst/>
+                <a:latin typeface=".SF NS"/>
+              </a:rPr>
+              <a:t>/</a:t>
+            </a:r>
+            <a:r>
+              <a:rPr lang="en-IN" b="1" dirty="0" err="1">
+                <a:solidFill>
+                  <a:srgbClr val="0E0E0E"/>
+                </a:solidFill>
+                <a:effectLst/>
+                <a:latin typeface=".SF NS"/>
+              </a:rPr>
+              <a:t>Postactions</a:t>
+            </a:r>
+            <a:r>
+              <a:rPr lang="en-IN" dirty="0">
+                <a:solidFill>
+                  <a:srgbClr val="0E0E0E"/>
+                </a:solidFill>
+                <a:effectLst/>
+                <a:latin typeface=".SF NS"/>
+              </a:rPr>
+              <a:t>:</a:t>
+            </a:r>
+          </a:p>
+          <a:p>
+            <a:r>
+              <a:rPr lang="en-IN" dirty="0">
+                <a:solidFill>
+                  <a:srgbClr val="0E0E0E"/>
+                </a:solidFill>
+                <a:effectLst/>
+                <a:latin typeface=".SF NS"/>
+              </a:rPr>
+              <a:t>• </a:t>
+            </a:r>
+            <a:r>
+              <a:rPr lang="en-IN" dirty="0" err="1">
+                <a:solidFill>
+                  <a:srgbClr val="0E0E0E"/>
+                </a:solidFill>
+                <a:effectLst/>
+                <a:latin typeface=".SF NS"/>
+              </a:rPr>
+              <a:t>Preactions</a:t>
+            </a:r>
+            <a:r>
+              <a:rPr lang="en-IN" dirty="0">
+                <a:solidFill>
+                  <a:srgbClr val="0E0E0E"/>
+                </a:solidFill>
+                <a:effectLst/>
+                <a:latin typeface=".SF NS"/>
+              </a:rPr>
+              <a:t>: Truncate stage tables or clean up partial loads.</a:t>
+            </a:r>
+          </a:p>
+          <a:p>
+            <a:r>
+              <a:rPr lang="en-IN" dirty="0">
+                <a:solidFill>
+                  <a:srgbClr val="0E0E0E"/>
+                </a:solidFill>
+                <a:effectLst/>
+                <a:latin typeface=".SF NS"/>
+              </a:rPr>
+              <a:t>• </a:t>
+            </a:r>
+            <a:r>
+              <a:rPr lang="en-IN" dirty="0" err="1">
+                <a:solidFill>
+                  <a:srgbClr val="0E0E0E"/>
+                </a:solidFill>
+                <a:effectLst/>
+                <a:latin typeface=".SF NS"/>
+              </a:rPr>
+              <a:t>Postactions</a:t>
+            </a:r>
+            <a:r>
+              <a:rPr lang="en-IN" dirty="0">
+                <a:solidFill>
+                  <a:srgbClr val="0E0E0E"/>
+                </a:solidFill>
+                <a:effectLst/>
+                <a:latin typeface=".SF NS"/>
+              </a:rPr>
+              <a:t>: Maintain metadata (e.g., audit logs).</a:t>
+            </a:r>
+          </a:p>
+          <a:p>
+            <a:r>
+              <a:rPr lang="en-IN" dirty="0">
+                <a:solidFill>
+                  <a:srgbClr val="0E0E0E"/>
+                </a:solidFill>
+                <a:effectLst/>
+                <a:latin typeface=".SF NS"/>
+              </a:rPr>
+              <a:t>• </a:t>
+            </a:r>
+            <a:r>
+              <a:rPr lang="en-IN" b="1" dirty="0">
+                <a:solidFill>
+                  <a:srgbClr val="0E0E0E"/>
+                </a:solidFill>
+                <a:effectLst/>
+                <a:latin typeface=".SF NS"/>
+              </a:rPr>
+              <a:t>Batching and Parallelism</a:t>
+            </a:r>
+            <a:r>
+              <a:rPr lang="en-IN" dirty="0">
+                <a:solidFill>
+                  <a:srgbClr val="0E0E0E"/>
+                </a:solidFill>
+                <a:effectLst/>
+                <a:latin typeface=".SF NS"/>
+              </a:rPr>
+              <a:t>: Efficient batch processing and parallel writes to Redshift.</a:t>
+            </a:r>
+          </a:p>
+          <a:p>
+            <a:r>
+              <a:rPr lang="en-IN" dirty="0">
+                <a:solidFill>
+                  <a:srgbClr val="0E0E0E"/>
+                </a:solidFill>
+                <a:effectLst/>
+                <a:latin typeface=".SF NS"/>
+              </a:rPr>
+              <a:t>• </a:t>
+            </a:r>
+            <a:r>
+              <a:rPr lang="en-IN" b="1" dirty="0">
+                <a:solidFill>
+                  <a:srgbClr val="0E0E0E"/>
+                </a:solidFill>
+                <a:effectLst/>
+                <a:latin typeface=".SF NS"/>
+              </a:rPr>
+              <a:t>Compression and Encoding</a:t>
+            </a:r>
+            <a:r>
+              <a:rPr lang="en-IN" dirty="0">
+                <a:solidFill>
+                  <a:srgbClr val="0E0E0E"/>
+                </a:solidFill>
+                <a:effectLst/>
+                <a:latin typeface=".SF NS"/>
+              </a:rPr>
+              <a:t>: Use of </a:t>
+            </a:r>
+            <a:r>
+              <a:rPr lang="en-IN" dirty="0">
+                <a:solidFill>
+                  <a:srgbClr val="0E0E0E"/>
+                </a:solidFill>
+                <a:effectLst/>
+                <a:latin typeface=".AppleSystemUIFontMonospaced"/>
+              </a:rPr>
+              <a:t>ZSTD</a:t>
+            </a:r>
+            <a:r>
+              <a:rPr lang="en-IN" dirty="0">
+                <a:solidFill>
+                  <a:srgbClr val="0E0E0E"/>
+                </a:solidFill>
+                <a:effectLst/>
+                <a:latin typeface=".SF NS"/>
+              </a:rPr>
+              <a:t> for optimal storage and performance.</a:t>
+            </a:r>
+          </a:p>
+          <a:p>
+            <a:r>
+              <a:rPr lang="en-IN" dirty="0">
+                <a:solidFill>
+                  <a:srgbClr val="0E0E0E"/>
+                </a:solidFill>
+                <a:effectLst/>
+                <a:latin typeface=".SF NS"/>
+              </a:rPr>
+              <a:t>• </a:t>
+            </a:r>
+            <a:r>
+              <a:rPr lang="en-IN" b="1" dirty="0">
+                <a:solidFill>
+                  <a:srgbClr val="0E0E0E"/>
+                </a:solidFill>
+                <a:effectLst/>
+                <a:latin typeface=".SF NS"/>
+              </a:rPr>
+              <a:t>Error Handling and Idempotency</a:t>
+            </a:r>
+            <a:r>
+              <a:rPr lang="en-IN" dirty="0">
+                <a:solidFill>
+                  <a:srgbClr val="0E0E0E"/>
+                </a:solidFill>
+                <a:effectLst/>
+                <a:latin typeface=".SF NS"/>
+              </a:rPr>
+              <a:t>: Ensure the load process can be restarted without data loss.</a:t>
+            </a:r>
+          </a:p>
+          <a:p>
+            <a:r>
+              <a:rPr lang="en-IN" dirty="0">
+                <a:solidFill>
+                  <a:srgbClr val="0E0E0E"/>
+                </a:solidFill>
+                <a:effectLst/>
+                <a:latin typeface=".SF NS"/>
+              </a:rPr>
+              <a:t>• </a:t>
+            </a:r>
+            <a:r>
+              <a:rPr lang="en-IN" b="1" dirty="0">
+                <a:solidFill>
+                  <a:srgbClr val="0E0E0E"/>
+                </a:solidFill>
+                <a:effectLst/>
+                <a:latin typeface=".SF NS"/>
+              </a:rPr>
+              <a:t>Distribution Style</a:t>
+            </a:r>
+            <a:r>
+              <a:rPr lang="en-IN" dirty="0">
+                <a:solidFill>
+                  <a:srgbClr val="0E0E0E"/>
+                </a:solidFill>
+                <a:effectLst/>
+                <a:latin typeface=".SF NS"/>
+              </a:rPr>
+              <a:t>: Used </a:t>
+            </a:r>
+            <a:r>
+              <a:rPr lang="en-IN" b="1" dirty="0">
+                <a:solidFill>
+                  <a:srgbClr val="0E0E0E"/>
+                </a:solidFill>
+                <a:effectLst/>
+                <a:latin typeface=".SF NS"/>
+              </a:rPr>
+              <a:t>KEY</a:t>
+            </a:r>
+            <a:r>
+              <a:rPr lang="en-IN" dirty="0">
+                <a:solidFill>
+                  <a:srgbClr val="0E0E0E"/>
+                </a:solidFill>
+                <a:effectLst/>
+                <a:latin typeface=".SF NS"/>
+              </a:rPr>
+              <a:t> for dimensions and </a:t>
+            </a:r>
+            <a:r>
+              <a:rPr lang="en-IN" b="1" dirty="0">
+                <a:solidFill>
+                  <a:srgbClr val="0E0E0E"/>
+                </a:solidFill>
+                <a:effectLst/>
+                <a:latin typeface=".SF NS"/>
+              </a:rPr>
+              <a:t>EVEN</a:t>
+            </a:r>
+            <a:r>
+              <a:rPr lang="en-IN" dirty="0">
+                <a:solidFill>
+                  <a:srgbClr val="0E0E0E"/>
+                </a:solidFill>
+                <a:effectLst/>
+                <a:latin typeface=".SF NS"/>
+              </a:rPr>
+              <a:t> for staging tables.</a:t>
+            </a:r>
+          </a:p>
+          <a:p>
+            <a:r>
+              <a:rPr lang="en-IN" dirty="0">
+                <a:solidFill>
+                  <a:srgbClr val="0E0E0E"/>
+                </a:solidFill>
+                <a:effectLst/>
+                <a:latin typeface=".SF NS"/>
+              </a:rPr>
+              <a:t>• </a:t>
+            </a:r>
+            <a:r>
+              <a:rPr lang="en-IN" b="1" dirty="0">
+                <a:solidFill>
+                  <a:srgbClr val="0E0E0E"/>
+                </a:solidFill>
+                <a:effectLst/>
+                <a:latin typeface=".SF NS"/>
+              </a:rPr>
+              <a:t>Sort Keys</a:t>
+            </a:r>
+            <a:r>
+              <a:rPr lang="en-IN" dirty="0">
+                <a:solidFill>
+                  <a:srgbClr val="0E0E0E"/>
+                </a:solidFill>
+                <a:effectLst/>
+                <a:latin typeface=".SF NS"/>
+              </a:rPr>
+              <a:t>: Optimized for common query patterns (e.g., </a:t>
+            </a:r>
+            <a:r>
+              <a:rPr lang="en-IN" dirty="0" err="1">
+                <a:solidFill>
+                  <a:srgbClr val="0E0E0E"/>
+                </a:solidFill>
+                <a:effectLst/>
+                <a:latin typeface=".AppleSystemUIFontMonospaced"/>
+              </a:rPr>
+              <a:t>date_id</a:t>
+            </a:r>
+            <a:r>
+              <a:rPr lang="en-IN" dirty="0">
+                <a:solidFill>
+                  <a:srgbClr val="0E0E0E"/>
+                </a:solidFill>
+                <a:effectLst/>
+                <a:latin typeface=".SF NS"/>
+              </a:rPr>
+              <a:t>).</a:t>
+            </a:r>
+          </a:p>
+          <a:p>
+            <a:r>
+              <a:rPr lang="en-IN" dirty="0">
+                <a:solidFill>
+                  <a:srgbClr val="0E0E0E"/>
+                </a:solidFill>
+                <a:effectLst/>
+                <a:latin typeface=".SF NS"/>
+              </a:rPr>
+              <a:t>• </a:t>
+            </a:r>
+            <a:r>
+              <a:rPr lang="en-IN" b="1" dirty="0">
+                <a:solidFill>
+                  <a:srgbClr val="0E0E0E"/>
+                </a:solidFill>
+                <a:effectLst/>
+                <a:latin typeface=".SF NS"/>
+              </a:rPr>
+              <a:t>Concurrency</a:t>
+            </a:r>
+            <a:r>
+              <a:rPr lang="en-IN" dirty="0">
+                <a:solidFill>
+                  <a:srgbClr val="0E0E0E"/>
+                </a:solidFill>
+                <a:effectLst/>
+                <a:latin typeface=".SF NS"/>
+              </a:rPr>
+              <a:t>: Parallel writes to different fact tables to maximize throughput.</a:t>
+            </a:r>
+          </a:p>
+          <a:p>
+            <a:r>
+              <a:rPr lang="en-IN" dirty="0">
+                <a:solidFill>
+                  <a:srgbClr val="0E0E0E"/>
+                </a:solidFill>
+                <a:effectLst/>
+                <a:latin typeface=".SF NS"/>
+              </a:rPr>
+              <a:t>• </a:t>
+            </a:r>
+            <a:r>
+              <a:rPr lang="en-IN" b="1" dirty="0">
+                <a:solidFill>
+                  <a:srgbClr val="0E0E0E"/>
+                </a:solidFill>
+                <a:effectLst/>
+                <a:latin typeface=".SF NS"/>
+              </a:rPr>
+              <a:t>Monitoring and Alerting</a:t>
+            </a:r>
+            <a:r>
+              <a:rPr lang="en-IN" dirty="0">
+                <a:solidFill>
+                  <a:srgbClr val="0E0E0E"/>
+                </a:solidFill>
+                <a:effectLst/>
+                <a:latin typeface=".SF NS"/>
+              </a:rPr>
+              <a:t>: Use </a:t>
+            </a:r>
+            <a:r>
+              <a:rPr lang="en-IN" b="1" dirty="0">
+                <a:solidFill>
+                  <a:srgbClr val="0E0E0E"/>
+                </a:solidFill>
+                <a:effectLst/>
+                <a:latin typeface=".SF NS"/>
+              </a:rPr>
+              <a:t>CloudWatch</a:t>
+            </a:r>
+            <a:r>
+              <a:rPr lang="en-IN" dirty="0">
+                <a:solidFill>
+                  <a:srgbClr val="0E0E0E"/>
+                </a:solidFill>
+                <a:effectLst/>
+                <a:latin typeface=".SF NS"/>
+              </a:rPr>
+              <a:t> to monitor Glue jobs and Redshift queries.</a:t>
+            </a:r>
+          </a:p>
+          <a:p>
+            <a:endParaRPr lang="en-US" dirty="0"/>
+          </a:p>
+        </p:txBody>
+      </p:sp>
+    </p:spTree>
+    <p:extLst>
+      <p:ext uri="{BB962C8B-B14F-4D97-AF65-F5344CB8AC3E}">
+        <p14:creationId xmlns:p14="http://schemas.microsoft.com/office/powerpoint/2010/main" val="119806518"/>
+      </p:ext>
+    </p:extLst>
+  </p:cSld>
+  <p:clrMapOvr>
+    <a:masterClrMapping/>
+  </p:clrMapOvr>
+</p:sld>
+</file>
+
+<file path=ppt/slides/slide15.xml><?xml version="1.0" encoding="utf-8"?>
+<p:sld xmlns:a="http://schemas.openxmlformats.org/drawingml/2006/main" xmlns:r="http://schemas.openxmlformats.org/officeDocument/2006/relationships" xmlns:p="http://schemas.openxmlformats.org/presentationml/2006/main">
+  <p:cSld>
+    <p:spTree>
+      <p:nvGrpSpPr>
+        <p:cNvPr id="1" name=""/>
+        <p:cNvGrpSpPr/>
+        <p:nvPr/>
+      </p:nvGrpSpPr>
+      <p:grpSpPr>
+        <a:xfrm>
+          <a:off x="0" y="0"/>
+          <a:ext cx="0" cy="0"/>
+          <a:chOff x="0" y="0"/>
+          <a:chExt cx="0" cy="0"/>
+        </a:xfrm>
+      </p:grpSpPr>
+      <p:sp>
+        <p:nvSpPr>
+          <p:cNvPr id="2" name="Title 1">
+            <a:extLst>
+              <a:ext uri="{FF2B5EF4-FFF2-40B4-BE49-F238E27FC236}">
+                <a16:creationId xmlns:a16="http://schemas.microsoft.com/office/drawing/2014/main" id="{10F6DED0-A15F-3FE7-E2D2-BD6AD7FDC92E}"/>
+              </a:ext>
+            </a:extLst>
+          </p:cNvPr>
+          <p:cNvSpPr>
+            <a:spLocks noGrp="1"/>
+          </p:cNvSpPr>
+          <p:nvPr>
+            <p:ph type="title"/>
+          </p:nvPr>
+        </p:nvSpPr>
+        <p:spPr>
+          <a:xfrm>
+            <a:off x="2231136" y="684773"/>
+            <a:ext cx="7729728" cy="1188720"/>
+          </a:xfrm>
+        </p:spPr>
+        <p:txBody>
+          <a:bodyPr/>
+          <a:lstStyle/>
+          <a:p>
+            <a:r>
+              <a:rPr lang="en-US" dirty="0"/>
+              <a:t>MONITORING,ALERTING and ORCHESTRATION</a:t>
+            </a:r>
+          </a:p>
+        </p:txBody>
+      </p:sp>
+      <p:sp>
+        <p:nvSpPr>
+          <p:cNvPr id="3" name="TextBox 2">
+            <a:extLst>
+              <a:ext uri="{FF2B5EF4-FFF2-40B4-BE49-F238E27FC236}">
+                <a16:creationId xmlns:a16="http://schemas.microsoft.com/office/drawing/2014/main" id="{0E859F67-AEBD-AA12-804E-8B6637A75C81}"/>
+              </a:ext>
+            </a:extLst>
+          </p:cNvPr>
+          <p:cNvSpPr txBox="1"/>
+          <p:nvPr/>
+        </p:nvSpPr>
+        <p:spPr>
+          <a:xfrm>
+            <a:off x="881531" y="2379306"/>
+            <a:ext cx="11084509" cy="4247317"/>
+          </a:xfrm>
+          <a:prstGeom prst="rect">
+            <a:avLst/>
+          </a:prstGeom>
+          <a:noFill/>
+        </p:spPr>
+        <p:txBody>
+          <a:bodyPr wrap="none" rtlCol="0">
+            <a:spAutoFit/>
+          </a:bodyPr>
+          <a:lstStyle/>
+          <a:p>
+            <a:r>
+              <a:rPr lang="en-IN" dirty="0">
+                <a:solidFill>
+                  <a:srgbClr val="0E0E0E"/>
+                </a:solidFill>
+                <a:effectLst/>
+                <a:latin typeface=".SF NS"/>
+              </a:rPr>
+              <a:t>• </a:t>
+            </a:r>
+            <a:r>
+              <a:rPr lang="en-IN" b="1" dirty="0">
+                <a:solidFill>
+                  <a:srgbClr val="0E0E0E"/>
+                </a:solidFill>
+                <a:effectLst/>
+                <a:latin typeface=".SF NS"/>
+              </a:rPr>
+              <a:t>Monitoring</a:t>
+            </a:r>
+            <a:r>
+              <a:rPr lang="en-IN" dirty="0">
+                <a:solidFill>
+                  <a:srgbClr val="0E0E0E"/>
+                </a:solidFill>
+                <a:effectLst/>
+                <a:latin typeface=".SF NS"/>
+              </a:rPr>
+              <a:t> the ETL pipeline using AWS CloudWatch.</a:t>
+            </a:r>
+          </a:p>
+          <a:p>
+            <a:r>
+              <a:rPr lang="en-IN" dirty="0">
+                <a:solidFill>
+                  <a:srgbClr val="0E0E0E"/>
+                </a:solidFill>
+                <a:effectLst/>
+                <a:latin typeface=".SF NS"/>
+              </a:rPr>
+              <a:t>• </a:t>
+            </a:r>
+            <a:r>
+              <a:rPr lang="en-IN" b="1" dirty="0">
+                <a:solidFill>
+                  <a:srgbClr val="0E0E0E"/>
+                </a:solidFill>
+                <a:effectLst/>
+                <a:latin typeface=".SF NS"/>
+              </a:rPr>
+              <a:t>Alerting</a:t>
+            </a:r>
+            <a:r>
+              <a:rPr lang="en-IN" dirty="0">
+                <a:solidFill>
+                  <a:srgbClr val="0E0E0E"/>
+                </a:solidFill>
+                <a:effectLst/>
+                <a:latin typeface=".SF NS"/>
+              </a:rPr>
+              <a:t> on job failures or anomalies using SNS and CloudWatch Alarms.</a:t>
+            </a:r>
+          </a:p>
+          <a:p>
+            <a:r>
+              <a:rPr lang="en-IN" dirty="0">
+                <a:solidFill>
+                  <a:srgbClr val="0E0E0E"/>
+                </a:solidFill>
+                <a:effectLst/>
+                <a:latin typeface=".SF NS"/>
+              </a:rPr>
+              <a:t>• </a:t>
+            </a:r>
+            <a:r>
+              <a:rPr lang="en-IN" b="1" dirty="0">
+                <a:solidFill>
+                  <a:srgbClr val="0E0E0E"/>
+                </a:solidFill>
+                <a:effectLst/>
+                <a:latin typeface=".SF NS"/>
+              </a:rPr>
+              <a:t>Orchestration</a:t>
+            </a:r>
+            <a:r>
+              <a:rPr lang="en-IN" dirty="0">
+                <a:solidFill>
+                  <a:srgbClr val="0E0E0E"/>
+                </a:solidFill>
+                <a:effectLst/>
+                <a:latin typeface=".SF NS"/>
+              </a:rPr>
+              <a:t> of the pipeline using AWS Step Functions or Apache Airflow.</a:t>
+            </a:r>
+          </a:p>
+          <a:p>
+            <a:r>
+              <a:rPr lang="en-IN" dirty="0">
+                <a:solidFill>
+                  <a:srgbClr val="0E0E0E"/>
+                </a:solidFill>
+                <a:effectLst/>
+                <a:latin typeface=".SF NS"/>
+              </a:rPr>
+              <a:t>• </a:t>
+            </a:r>
+            <a:r>
+              <a:rPr lang="en-IN" b="1" dirty="0">
+                <a:solidFill>
+                  <a:srgbClr val="0E0E0E"/>
+                </a:solidFill>
+                <a:effectLst/>
+                <a:latin typeface=".SF NS"/>
+              </a:rPr>
+              <a:t>Track Glue job metrics</a:t>
+            </a:r>
+            <a:r>
+              <a:rPr lang="en-IN" dirty="0">
+                <a:solidFill>
+                  <a:srgbClr val="0E0E0E"/>
+                </a:solidFill>
+                <a:effectLst/>
+                <a:latin typeface=".SF NS"/>
+              </a:rPr>
+              <a:t>: Execution time, job status, memory, and CPU usage.</a:t>
+            </a:r>
+          </a:p>
+          <a:p>
+            <a:r>
+              <a:rPr lang="en-IN" dirty="0">
+                <a:solidFill>
+                  <a:srgbClr val="0E0E0E"/>
+                </a:solidFill>
+                <a:effectLst/>
+                <a:latin typeface=".SF NS"/>
+              </a:rPr>
+              <a:t>• </a:t>
+            </a:r>
+            <a:r>
+              <a:rPr lang="en-IN" b="1" dirty="0">
+                <a:solidFill>
+                  <a:srgbClr val="0E0E0E"/>
+                </a:solidFill>
+                <a:effectLst/>
+                <a:latin typeface=".SF NS"/>
+              </a:rPr>
+              <a:t>Custom Metrics</a:t>
+            </a:r>
+            <a:r>
+              <a:rPr lang="en-IN" dirty="0">
+                <a:solidFill>
+                  <a:srgbClr val="0E0E0E"/>
+                </a:solidFill>
+                <a:effectLst/>
+                <a:latin typeface=".SF NS"/>
+              </a:rPr>
+              <a:t>: Set up custom CloudWatch metrics to monitor specific steps or data quality issues in the pipeline.</a:t>
+            </a:r>
+          </a:p>
+          <a:p>
+            <a:r>
+              <a:rPr lang="en-IN" dirty="0">
+                <a:solidFill>
+                  <a:srgbClr val="0E0E0E"/>
+                </a:solidFill>
+                <a:effectLst/>
+                <a:latin typeface=".SF NS"/>
+              </a:rPr>
+              <a:t>• </a:t>
+            </a:r>
+            <a:r>
+              <a:rPr lang="en-IN" b="1" dirty="0">
+                <a:solidFill>
+                  <a:srgbClr val="0E0E0E"/>
+                </a:solidFill>
+                <a:effectLst/>
+                <a:latin typeface=".SF NS"/>
+              </a:rPr>
+              <a:t>Logs</a:t>
+            </a:r>
+            <a:r>
+              <a:rPr lang="en-IN" dirty="0">
+                <a:solidFill>
+                  <a:srgbClr val="0E0E0E"/>
+                </a:solidFill>
+                <a:effectLst/>
+                <a:latin typeface=".SF NS"/>
+              </a:rPr>
+              <a:t>: Capture detailed logs from Glue jobs for debugging and performance analysis.</a:t>
+            </a:r>
+          </a:p>
+          <a:p>
+            <a:r>
+              <a:rPr lang="en-IN" dirty="0">
+                <a:solidFill>
+                  <a:srgbClr val="0E0E0E"/>
+                </a:solidFill>
+                <a:effectLst/>
+                <a:latin typeface=".SF NS"/>
+              </a:rPr>
+              <a:t>• </a:t>
+            </a:r>
+            <a:r>
+              <a:rPr lang="en-IN" b="1" dirty="0">
+                <a:solidFill>
+                  <a:srgbClr val="0E0E0E"/>
+                </a:solidFill>
+                <a:effectLst/>
+                <a:latin typeface=".SF NS"/>
+              </a:rPr>
+              <a:t>CloudWatch Alarms</a:t>
+            </a:r>
+            <a:r>
+              <a:rPr lang="en-IN" dirty="0">
+                <a:solidFill>
+                  <a:srgbClr val="0E0E0E"/>
+                </a:solidFill>
+                <a:effectLst/>
+                <a:latin typeface=".SF NS"/>
+              </a:rPr>
+              <a:t>: Set alarms for job failures, execution delays, or resource bottlenecks.</a:t>
+            </a:r>
+          </a:p>
+          <a:p>
+            <a:r>
+              <a:rPr lang="en-IN" dirty="0">
+                <a:solidFill>
+                  <a:srgbClr val="0E0E0E"/>
+                </a:solidFill>
+                <a:effectLst/>
+                <a:latin typeface=".SF NS"/>
+              </a:rPr>
+              <a:t>• </a:t>
+            </a:r>
+            <a:r>
+              <a:rPr lang="en-IN" b="1" dirty="0">
+                <a:solidFill>
+                  <a:srgbClr val="0E0E0E"/>
+                </a:solidFill>
+                <a:effectLst/>
+                <a:latin typeface=".SF NS"/>
+              </a:rPr>
+              <a:t>SNS Notifications</a:t>
+            </a:r>
+            <a:r>
+              <a:rPr lang="en-IN" dirty="0">
+                <a:solidFill>
+                  <a:srgbClr val="0E0E0E"/>
+                </a:solidFill>
+                <a:effectLst/>
+                <a:latin typeface=".SF NS"/>
+              </a:rPr>
+              <a:t>: Receive email/SMS alerts when jobs fail or performance issues arise.</a:t>
+            </a:r>
+          </a:p>
+          <a:p>
+            <a:r>
+              <a:rPr lang="en-IN" dirty="0">
+                <a:solidFill>
+                  <a:srgbClr val="0E0E0E"/>
+                </a:solidFill>
+                <a:effectLst/>
+                <a:latin typeface=".SF NS"/>
+              </a:rPr>
+              <a:t>• </a:t>
+            </a:r>
+            <a:r>
+              <a:rPr lang="en-IN" b="1" dirty="0">
+                <a:solidFill>
+                  <a:srgbClr val="0E0E0E"/>
+                </a:solidFill>
+                <a:effectLst/>
+                <a:latin typeface=".SF NS"/>
+              </a:rPr>
+              <a:t>Automated Responses</a:t>
+            </a:r>
+            <a:r>
+              <a:rPr lang="en-IN" dirty="0">
+                <a:solidFill>
+                  <a:srgbClr val="0E0E0E"/>
+                </a:solidFill>
+                <a:effectLst/>
+                <a:latin typeface=".SF NS"/>
+              </a:rPr>
+              <a:t>: Trigger automated Lambda functions to retry jobs or notify the operations team.</a:t>
+            </a:r>
+          </a:p>
+          <a:p>
+            <a:r>
+              <a:rPr lang="en-IN" dirty="0">
+                <a:solidFill>
+                  <a:srgbClr val="0E0E0E"/>
+                </a:solidFill>
+                <a:effectLst/>
+                <a:latin typeface=".SF NS"/>
+              </a:rPr>
+              <a:t>• </a:t>
+            </a:r>
+            <a:r>
+              <a:rPr lang="en-IN" b="1" dirty="0">
+                <a:solidFill>
+                  <a:srgbClr val="0E0E0E"/>
+                </a:solidFill>
+                <a:effectLst/>
+                <a:latin typeface=".SF NS"/>
+              </a:rPr>
+              <a:t>Step-by-step orchestration</a:t>
+            </a:r>
+            <a:r>
+              <a:rPr lang="en-IN" dirty="0">
+                <a:solidFill>
+                  <a:srgbClr val="0E0E0E"/>
+                </a:solidFill>
+                <a:effectLst/>
+                <a:latin typeface=".SF NS"/>
+              </a:rPr>
+              <a:t>: Orchestrate the ETL pipeline with defined steps and dependencies.</a:t>
+            </a:r>
+          </a:p>
+          <a:p>
+            <a:r>
+              <a:rPr lang="en-IN" dirty="0">
+                <a:solidFill>
+                  <a:srgbClr val="0E0E0E"/>
+                </a:solidFill>
+                <a:effectLst/>
+                <a:latin typeface=".SF NS"/>
+              </a:rPr>
+              <a:t>• </a:t>
+            </a:r>
+            <a:r>
+              <a:rPr lang="en-IN" b="1" dirty="0">
+                <a:solidFill>
+                  <a:srgbClr val="0E0E0E"/>
+                </a:solidFill>
+                <a:effectLst/>
+                <a:latin typeface=".SF NS"/>
+              </a:rPr>
+              <a:t>Automatic retries</a:t>
+            </a:r>
+            <a:r>
+              <a:rPr lang="en-IN" dirty="0">
+                <a:solidFill>
+                  <a:srgbClr val="0E0E0E"/>
+                </a:solidFill>
+                <a:effectLst/>
+                <a:latin typeface=".SF NS"/>
+              </a:rPr>
+              <a:t>: Configure automatic retries for job failures or errors.</a:t>
+            </a:r>
+          </a:p>
+          <a:p>
+            <a:r>
+              <a:rPr lang="en-IN" dirty="0">
+                <a:solidFill>
+                  <a:srgbClr val="0E0E0E"/>
+                </a:solidFill>
+                <a:effectLst/>
+                <a:latin typeface=".SF NS"/>
+              </a:rPr>
+              <a:t>• </a:t>
+            </a:r>
+            <a:r>
+              <a:rPr lang="en-IN" b="1" dirty="0">
+                <a:solidFill>
+                  <a:srgbClr val="0E0E0E"/>
+                </a:solidFill>
+                <a:effectLst/>
+                <a:latin typeface=".SF NS"/>
+              </a:rPr>
+              <a:t>Parallel execution</a:t>
+            </a:r>
+            <a:r>
+              <a:rPr lang="en-IN" dirty="0">
+                <a:solidFill>
+                  <a:srgbClr val="0E0E0E"/>
+                </a:solidFill>
+                <a:effectLst/>
+                <a:latin typeface=".SF NS"/>
+              </a:rPr>
+              <a:t>: Handle multiple workflows in parallel for high efficiency.</a:t>
+            </a:r>
+          </a:p>
+          <a:p>
+            <a:r>
+              <a:rPr lang="en-IN" dirty="0">
+                <a:solidFill>
+                  <a:srgbClr val="0E0E0E"/>
+                </a:solidFill>
+                <a:effectLst/>
+                <a:latin typeface=".SF NS"/>
+              </a:rPr>
+              <a:t>• </a:t>
+            </a:r>
+            <a:r>
+              <a:rPr lang="en-IN" b="1" dirty="0">
+                <a:solidFill>
+                  <a:srgbClr val="0E0E0E"/>
+                </a:solidFill>
+                <a:effectLst/>
+                <a:latin typeface=".SF NS"/>
+              </a:rPr>
+              <a:t>Error handling</a:t>
+            </a:r>
+            <a:r>
+              <a:rPr lang="en-IN" dirty="0">
+                <a:solidFill>
+                  <a:srgbClr val="0E0E0E"/>
+                </a:solidFill>
+                <a:effectLst/>
+                <a:latin typeface=".SF NS"/>
+              </a:rPr>
+              <a:t>: Define custom failure paths to handle errors gracefully.</a:t>
+            </a:r>
+          </a:p>
+          <a:p>
             <a:endParaRPr lang="en-IN" dirty="0">
               <a:solidFill>
                 <a:srgbClr val="0E0E0E"/>
@@ -4291,243 +7041,1229 @@
             </a:endParaRPr>
           </a:p>
           <a:p>
-            <a:r>
-              <a:rPr lang="en-IN" dirty="0">
-                <a:solidFill>
-                  <a:srgbClr val="0E0E0E"/>
-                </a:solidFill>
-                <a:effectLst/>
-                <a:latin typeface=".SF NS"/>
-              </a:rPr>
-              <a:t>	• </a:t>
-            </a:r>
-            <a:r>
-              <a:rPr lang="en-IN" b="1" dirty="0">
-                <a:solidFill>
-                  <a:srgbClr val="0E0E0E"/>
-                </a:solidFill>
-                <a:effectLst/>
-                <a:latin typeface=".SF NS"/>
-              </a:rPr>
-              <a:t>Traceability</a:t>
-            </a:r>
-            <a:r>
-              <a:rPr lang="en-IN" dirty="0">
-                <a:solidFill>
-                  <a:srgbClr val="0E0E0E"/>
-                </a:solidFill>
-                <a:effectLst/>
-                <a:latin typeface=".SF NS"/>
-              </a:rPr>
-              <a:t>: Provides full data lineage and allows for reprocessing if needed.</a:t>
-            </a:r>
-          </a:p>
-          <a:p>
-            <a:r>
-              <a:rPr lang="en-IN" dirty="0">
-                <a:solidFill>
-                  <a:srgbClr val="0E0E0E"/>
-                </a:solidFill>
-                <a:effectLst/>
-                <a:latin typeface=".SF NS"/>
-              </a:rPr>
-              <a:t>	• </a:t>
-            </a:r>
-            <a:r>
-              <a:rPr lang="en-IN" b="1" dirty="0">
-                <a:solidFill>
-                  <a:srgbClr val="0E0E0E"/>
-                </a:solidFill>
-                <a:effectLst/>
-                <a:latin typeface=".SF NS"/>
-              </a:rPr>
-              <a:t>Separation of Concerns</a:t>
-            </a:r>
-            <a:r>
-              <a:rPr lang="en-IN" dirty="0">
-                <a:solidFill>
-                  <a:srgbClr val="0E0E0E"/>
-                </a:solidFill>
-                <a:effectLst/>
-                <a:latin typeface=".SF NS"/>
-              </a:rPr>
-              <a:t>: Isolates raw, cleaned, and final data stages for better management.</a:t>
-            </a:r>
-          </a:p>
-          <a:p>
-            <a:r>
-              <a:rPr lang="en-IN" dirty="0">
-                <a:solidFill>
-                  <a:srgbClr val="0E0E0E"/>
-                </a:solidFill>
-                <a:effectLst/>
-                <a:latin typeface=".SF NS"/>
-              </a:rPr>
-              <a:t>	• </a:t>
-            </a:r>
-            <a:r>
-              <a:rPr lang="en-IN" b="1" dirty="0">
-                <a:solidFill>
-                  <a:srgbClr val="0E0E0E"/>
-                </a:solidFill>
-                <a:effectLst/>
-                <a:latin typeface=".SF NS"/>
-              </a:rPr>
-              <a:t>Optimized Performance</a:t>
-            </a:r>
-            <a:r>
-              <a:rPr lang="en-IN" dirty="0">
-                <a:solidFill>
-                  <a:srgbClr val="0E0E0E"/>
-                </a:solidFill>
-                <a:effectLst/>
-                <a:latin typeface=".SF NS"/>
-              </a:rPr>
-              <a:t>: Query only from the Gold layer in Redshift for fast analytics.</a:t>
-            </a:r>
-          </a:p>
-          <a:p>
-            <a:r>
-              <a:rPr lang="en-IN" dirty="0">
-                <a:solidFill>
-                  <a:srgbClr val="0E0E0E"/>
-                </a:solidFill>
-                <a:effectLst/>
-                <a:latin typeface=".SF NS"/>
-              </a:rPr>
-              <a:t>• </a:t>
-            </a:r>
-            <a:r>
-              <a:rPr lang="en-IN" b="1" dirty="0">
-                <a:solidFill>
-                  <a:srgbClr val="0E0E0E"/>
-                </a:solidFill>
-                <a:effectLst/>
-                <a:latin typeface=".SF NS"/>
-              </a:rPr>
-              <a:t>SCD Type 2</a:t>
-            </a:r>
-            <a:r>
-              <a:rPr lang="en-IN" dirty="0">
-                <a:solidFill>
-                  <a:srgbClr val="0E0E0E"/>
-                </a:solidFill>
-                <a:effectLst/>
-                <a:latin typeface=".SF NS"/>
-              </a:rPr>
-              <a:t>:</a:t>
-            </a:r>
-          </a:p>
-          <a:p>
-            <a:r>
-              <a:rPr lang="en-IN" dirty="0">
-                <a:solidFill>
-                  <a:srgbClr val="0E0E0E"/>
-                </a:solidFill>
-                <a:effectLst/>
-                <a:latin typeface=".SF NS"/>
-              </a:rPr>
-              <a:t>	• </a:t>
-            </a:r>
-            <a:r>
-              <a:rPr lang="en-IN" b="1" dirty="0">
-                <a:solidFill>
-                  <a:srgbClr val="0E0E0E"/>
-                </a:solidFill>
-                <a:effectLst/>
-                <a:latin typeface=".SF NS"/>
-              </a:rPr>
-              <a:t>Selective Use</a:t>
-            </a:r>
-            <a:r>
-              <a:rPr lang="en-IN" dirty="0">
-                <a:solidFill>
-                  <a:srgbClr val="0E0E0E"/>
-                </a:solidFill>
-                <a:effectLst/>
-                <a:latin typeface=".SF NS"/>
-              </a:rPr>
-              <a:t>: Implemented for critical dimensions (e.g., </a:t>
-            </a:r>
-            <a:r>
-              <a:rPr lang="en-IN" dirty="0">
-                <a:solidFill>
-                  <a:srgbClr val="0E0E0E"/>
-                </a:solidFill>
-                <a:effectLst/>
-                <a:latin typeface=".AppleSystemUIFontMonospaced"/>
-              </a:rPr>
-              <a:t>Customers</a:t>
-            </a:r>
-            <a:r>
-              <a:rPr lang="en-IN" dirty="0">
-                <a:solidFill>
-                  <a:srgbClr val="0E0E0E"/>
-                </a:solidFill>
-                <a:effectLst/>
-                <a:latin typeface=".SF NS"/>
-              </a:rPr>
-              <a:t>, </a:t>
-            </a:r>
-            <a:r>
-              <a:rPr lang="en-IN" dirty="0">
-                <a:solidFill>
-                  <a:srgbClr val="0E0E0E"/>
-                </a:solidFill>
-                <a:effectLst/>
-                <a:latin typeface=".AppleSystemUIFontMonospaced"/>
-              </a:rPr>
-              <a:t>Products</a:t>
-            </a:r>
-            <a:r>
-              <a:rPr lang="en-IN" dirty="0">
-                <a:solidFill>
-                  <a:srgbClr val="0E0E0E"/>
-                </a:solidFill>
-                <a:effectLst/>
-                <a:latin typeface=".SF NS"/>
-              </a:rPr>
-              <a:t>) to track historical changes.</a:t>
-            </a:r>
-          </a:p>
-          <a:p>
-            <a:r>
-              <a:rPr lang="en-IN" dirty="0">
-                <a:solidFill>
-                  <a:srgbClr val="0E0E0E"/>
-                </a:solidFill>
-                <a:effectLst/>
-                <a:latin typeface=".SF NS"/>
-              </a:rPr>
-              <a:t>	• </a:t>
-            </a:r>
-            <a:r>
-              <a:rPr lang="en-IN" b="1" dirty="0">
-                <a:solidFill>
-                  <a:srgbClr val="0E0E0E"/>
-                </a:solidFill>
-                <a:effectLst/>
-                <a:latin typeface=".SF NS"/>
-              </a:rPr>
-              <a:t>Why</a:t>
-            </a:r>
-            <a:r>
-              <a:rPr lang="en-IN" dirty="0">
-                <a:solidFill>
-                  <a:srgbClr val="0E0E0E"/>
-                </a:solidFill>
-                <a:effectLst/>
-                <a:latin typeface=".SF NS"/>
-              </a:rPr>
-              <a:t>: Essential for historical data analysis and auditing, but avoided for non-critical dimensions to reduce overhead.</a:t>
-            </a:r>
+            <a:endParaRPr lang="en-US" dirty="0"/>
           </a:p>
         </p:txBody>
       </p:sp>
     </p:spTree>
     <p:extLst>
       <p:ext uri="{BB962C8B-B14F-4D97-AF65-F5344CB8AC3E}">
-        <p14:creationId xmlns:p14="http://schemas.microsoft.com/office/powerpoint/2010/main" val="479891700"/>
+        <p14:creationId xmlns:p14="http://schemas.microsoft.com/office/powerpoint/2010/main" val="456176304"/>
+      </p:ext>
+    </p:extLst>
+  </p:cSld>
+  <p:clrMapOvr>
+    <a:masterClrMapping/>
+  </p:clrMapOvr>
+</p:sld>
+</file>
+
+<file path=ppt/slides/slide16.xml><?xml version="1.0" encoding="utf-8"?>
+<p:sld xmlns:a="http://schemas.openxmlformats.org/drawingml/2006/main" xmlns:r="http://schemas.openxmlformats.org/officeDocument/2006/relationships" xmlns:p="http://schemas.openxmlformats.org/presentationml/2006/main">
+  <p:cSld>
+    <p:spTree>
+      <p:nvGrpSpPr>
+        <p:cNvPr id="1" name=""/>
+        <p:cNvGrpSpPr/>
+        <p:nvPr/>
+      </p:nvGrpSpPr>
+      <p:grpSpPr>
+        <a:xfrm>
+          <a:off x="0" y="0"/>
+          <a:ext cx="0" cy="0"/>
+          <a:chOff x="0" y="0"/>
+          <a:chExt cx="0" cy="0"/>
+        </a:xfrm>
+      </p:grpSpPr>
+      <p:sp>
+        <p:nvSpPr>
+          <p:cNvPr id="2" name="Title 1">
+            <a:extLst>
+              <a:ext uri="{FF2B5EF4-FFF2-40B4-BE49-F238E27FC236}">
+                <a16:creationId xmlns:a16="http://schemas.microsoft.com/office/drawing/2014/main" id="{E46FBD72-F396-5C34-806F-9C2F8D9D96B2}"/>
+              </a:ext>
+            </a:extLst>
+          </p:cNvPr>
+          <p:cNvSpPr>
+            <a:spLocks noGrp="1"/>
+          </p:cNvSpPr>
+          <p:nvPr>
+            <p:ph type="title"/>
+          </p:nvPr>
+        </p:nvSpPr>
+        <p:spPr>
+          <a:xfrm>
+            <a:off x="2231136" y="535484"/>
+            <a:ext cx="7729728" cy="1188720"/>
+          </a:xfrm>
+        </p:spPr>
+        <p:txBody>
+          <a:bodyPr>
+            <a:normAutofit/>
+          </a:bodyPr>
+          <a:lstStyle/>
+          <a:p>
+            <a:r>
+              <a:rPr lang="en-US" dirty="0"/>
+              <a:t>Governance, Visualization, and Data Security Overview</a:t>
+            </a:r>
+          </a:p>
+        </p:txBody>
+      </p:sp>
+      <p:sp>
+        <p:nvSpPr>
+          <p:cNvPr id="3" name="TextBox 2">
+            <a:extLst>
+              <a:ext uri="{FF2B5EF4-FFF2-40B4-BE49-F238E27FC236}">
+                <a16:creationId xmlns:a16="http://schemas.microsoft.com/office/drawing/2014/main" id="{9C83C2A5-7150-AEF0-710D-1E29F618E6F4}"/>
+              </a:ext>
+            </a:extLst>
+          </p:cNvPr>
+          <p:cNvSpPr txBox="1"/>
+          <p:nvPr/>
+        </p:nvSpPr>
+        <p:spPr>
+          <a:xfrm>
+            <a:off x="404138" y="2444620"/>
+            <a:ext cx="11517961" cy="2308324"/>
+          </a:xfrm>
+          <a:prstGeom prst="rect">
+            <a:avLst/>
+          </a:prstGeom>
+          <a:noFill/>
+        </p:spPr>
+        <p:txBody>
+          <a:bodyPr wrap="none" rtlCol="0">
+            <a:spAutoFit/>
+          </a:bodyPr>
+          <a:lstStyle/>
+          <a:p>
+            <a:r>
+              <a:rPr lang="en-IN" dirty="0">
+                <a:solidFill>
+                  <a:srgbClr val="0E0E0E"/>
+                </a:solidFill>
+                <a:effectLst/>
+                <a:latin typeface=".SF NS"/>
+              </a:rPr>
+              <a:t>• Governance starts with </a:t>
+            </a:r>
+            <a:r>
+              <a:rPr lang="en-IN" b="1" dirty="0">
+                <a:solidFill>
+                  <a:srgbClr val="0E0E0E"/>
+                </a:solidFill>
+                <a:effectLst/>
+                <a:latin typeface=".SF NS"/>
+              </a:rPr>
+              <a:t>data lineage</a:t>
+            </a:r>
+            <a:r>
+              <a:rPr lang="en-IN" dirty="0">
+                <a:solidFill>
+                  <a:srgbClr val="0E0E0E"/>
+                </a:solidFill>
+                <a:effectLst/>
+                <a:latin typeface=".SF NS"/>
+              </a:rPr>
+              <a:t>, which tracks data through its lifecycle from source to destination. </a:t>
+            </a:r>
+            <a:br>
+              <a:rPr lang="en-IN" dirty="0">
+                <a:solidFill>
+                  <a:srgbClr val="0E0E0E"/>
+                </a:solidFill>
+                <a:effectLst/>
+                <a:latin typeface=".SF NS"/>
+              </a:rPr>
+            </a:br>
+            <a:r>
+              <a:rPr lang="en-IN" dirty="0">
+                <a:solidFill>
+                  <a:srgbClr val="0E0E0E"/>
+                </a:solidFill>
+                <a:effectLst/>
+                <a:latin typeface=".SF NS"/>
+              </a:rPr>
+              <a:t>We can easily track the origin of data, transformations applied, and how it is being consumed.</a:t>
+            </a:r>
+          </a:p>
+          <a:p>
+            <a:r>
+              <a:rPr lang="en-IN" dirty="0">
+                <a:solidFill>
+                  <a:srgbClr val="0E0E0E"/>
+                </a:solidFill>
+                <a:effectLst/>
+                <a:latin typeface=".SF NS"/>
+              </a:rPr>
+              <a:t>• </a:t>
+            </a:r>
+            <a:r>
+              <a:rPr lang="en-IN" b="1" dirty="0">
+                <a:solidFill>
+                  <a:srgbClr val="0E0E0E"/>
+                </a:solidFill>
+                <a:effectLst/>
+                <a:latin typeface=".SF NS"/>
+              </a:rPr>
+              <a:t>Auditability</a:t>
+            </a:r>
+            <a:r>
+              <a:rPr lang="en-IN" dirty="0">
+                <a:solidFill>
+                  <a:srgbClr val="0E0E0E"/>
+                </a:solidFill>
+                <a:effectLst/>
+                <a:latin typeface=".SF NS"/>
+              </a:rPr>
+              <a:t> is a key feature, ensuring that detailed logs and metadata are kept for auditing and </a:t>
+            </a:r>
+            <a:br>
+              <a:rPr lang="en-IN" dirty="0">
+                <a:solidFill>
+                  <a:srgbClr val="0E0E0E"/>
+                </a:solidFill>
+                <a:effectLst/>
+                <a:latin typeface=".SF NS"/>
+              </a:rPr>
+            </a:br>
+            <a:r>
+              <a:rPr lang="en-IN" dirty="0">
+                <a:solidFill>
+                  <a:srgbClr val="0E0E0E"/>
+                </a:solidFill>
+                <a:effectLst/>
+                <a:latin typeface=".SF NS"/>
+              </a:rPr>
+              <a:t>compliance requirements.</a:t>
+            </a:r>
+          </a:p>
+          <a:p>
+            <a:r>
+              <a:rPr lang="en-IN" dirty="0">
+                <a:solidFill>
+                  <a:srgbClr val="0E0E0E"/>
+                </a:solidFill>
+                <a:effectLst/>
+                <a:latin typeface=".SF NS"/>
+              </a:rPr>
+              <a:t>• We have built-in </a:t>
+            </a:r>
+            <a:r>
+              <a:rPr lang="en-IN" b="1" dirty="0">
+                <a:solidFill>
+                  <a:srgbClr val="0E0E0E"/>
+                </a:solidFill>
+                <a:effectLst/>
+                <a:latin typeface=".SF NS"/>
+              </a:rPr>
+              <a:t>data quality rules</a:t>
+            </a:r>
+            <a:r>
+              <a:rPr lang="en-IN" dirty="0">
+                <a:solidFill>
+                  <a:srgbClr val="0E0E0E"/>
+                </a:solidFill>
+                <a:effectLst/>
+                <a:latin typeface=".SF NS"/>
+              </a:rPr>
+              <a:t> that run at each stage to ensure that invalid data doesn’t pass through the pipeline. </a:t>
+            </a:r>
+            <a:br>
+              <a:rPr lang="en-IN" dirty="0">
+                <a:solidFill>
+                  <a:srgbClr val="0E0E0E"/>
+                </a:solidFill>
+                <a:effectLst/>
+                <a:latin typeface=".SF NS"/>
+              </a:rPr>
+            </a:br>
+            <a:r>
+              <a:rPr lang="en-IN" dirty="0">
+                <a:solidFill>
+                  <a:srgbClr val="0E0E0E"/>
+                </a:solidFill>
+                <a:effectLst/>
+                <a:latin typeface=".SF NS"/>
+              </a:rPr>
+              <a:t>This ensures the trustworthiness of the reports and insights generated.</a:t>
+            </a:r>
+          </a:p>
+          <a:p>
+            <a:r>
+              <a:rPr lang="en-IN" dirty="0">
+                <a:solidFill>
+                  <a:srgbClr val="0E0E0E"/>
+                </a:solidFill>
+                <a:effectLst/>
+                <a:latin typeface=".SF NS"/>
+              </a:rPr>
+              <a:t>• </a:t>
+            </a:r>
+            <a:r>
+              <a:rPr lang="en-IN" b="1" dirty="0">
+                <a:solidFill>
+                  <a:srgbClr val="0E0E0E"/>
+                </a:solidFill>
+                <a:effectLst/>
+                <a:latin typeface=".SF NS"/>
+              </a:rPr>
+              <a:t>Version control</a:t>
+            </a:r>
+            <a:r>
+              <a:rPr lang="en-IN" dirty="0">
+                <a:solidFill>
+                  <a:srgbClr val="0E0E0E"/>
+                </a:solidFill>
+                <a:effectLst/>
+                <a:latin typeface=".SF NS"/>
+              </a:rPr>
+              <a:t> of data ensures we can trace back to a specific version of the dataset, which is important </a:t>
+            </a:r>
+            <a:br>
+              <a:rPr lang="en-IN" dirty="0">
+                <a:solidFill>
+                  <a:srgbClr val="0E0E0E"/>
+                </a:solidFill>
+                <a:effectLst/>
+                <a:latin typeface=".SF NS"/>
+              </a:rPr>
+            </a:br>
+            <a:r>
+              <a:rPr lang="en-IN" dirty="0">
+                <a:solidFill>
+                  <a:srgbClr val="0E0E0E"/>
+                </a:solidFill>
+                <a:effectLst/>
+                <a:latin typeface=".SF NS"/>
+              </a:rPr>
+              <a:t>for regulatory audits and resolving discrepancies.</a:t>
+            </a:r>
+          </a:p>
+        </p:txBody>
+      </p:sp>
+    </p:spTree>
+    <p:extLst>
+      <p:ext uri="{BB962C8B-B14F-4D97-AF65-F5344CB8AC3E}">
+        <p14:creationId xmlns:p14="http://schemas.microsoft.com/office/powerpoint/2010/main" val="827169646"/>
+      </p:ext>
+    </p:extLst>
+  </p:cSld>
+  <p:clrMapOvr>
+    <a:masterClrMapping/>
+  </p:clrMapOvr>
+</p:sld>
+</file>
+
+<file path=ppt/slides/slide17.xml><?xml version="1.0" encoding="utf-8"?>
+<p:sld xmlns:a="http://schemas.openxmlformats.org/drawingml/2006/main" xmlns:r="http://schemas.openxmlformats.org/officeDocument/2006/relationships" xmlns:p="http://schemas.openxmlformats.org/presentationml/2006/main">
+  <p:cSld>
+    <p:spTree>
+      <p:nvGrpSpPr>
+        <p:cNvPr id="1" name=""/>
+        <p:cNvGrpSpPr/>
+        <p:nvPr/>
+      </p:nvGrpSpPr>
+      <p:grpSpPr>
+        <a:xfrm>
+          <a:off x="0" y="0"/>
+          <a:ext cx="0" cy="0"/>
+          <a:chOff x="0" y="0"/>
+          <a:chExt cx="0" cy="0"/>
+        </a:xfrm>
+      </p:grpSpPr>
+      <p:sp>
+        <p:nvSpPr>
+          <p:cNvPr id="2" name="Title 1">
+            <a:extLst>
+              <a:ext uri="{FF2B5EF4-FFF2-40B4-BE49-F238E27FC236}">
+                <a16:creationId xmlns:a16="http://schemas.microsoft.com/office/drawing/2014/main" id="{4865247B-66BA-55B6-EB80-7FB54AC134E7}"/>
+              </a:ext>
+            </a:extLst>
+          </p:cNvPr>
+          <p:cNvSpPr>
+            <a:spLocks noGrp="1"/>
+          </p:cNvSpPr>
+          <p:nvPr>
+            <p:ph type="title"/>
+          </p:nvPr>
+        </p:nvSpPr>
+        <p:spPr/>
+        <p:txBody>
+          <a:bodyPr>
+            <a:normAutofit/>
+          </a:bodyPr>
+          <a:lstStyle/>
+          <a:p>
+            <a:r>
+              <a:rPr lang="en-US" dirty="0"/>
+              <a:t>Governance with AWS Lake Formation</a:t>
+            </a:r>
+          </a:p>
+        </p:txBody>
+      </p:sp>
+      <p:sp>
+        <p:nvSpPr>
+          <p:cNvPr id="3" name="TextBox 2">
+            <a:extLst>
+              <a:ext uri="{FF2B5EF4-FFF2-40B4-BE49-F238E27FC236}">
+                <a16:creationId xmlns:a16="http://schemas.microsoft.com/office/drawing/2014/main" id="{ECC8A5F7-EFF4-CC5D-0459-67718D7BC566}"/>
+              </a:ext>
+            </a:extLst>
+          </p:cNvPr>
+          <p:cNvSpPr txBox="1"/>
+          <p:nvPr/>
+        </p:nvSpPr>
+        <p:spPr>
+          <a:xfrm>
+            <a:off x="475861" y="2673264"/>
+            <a:ext cx="11393632" cy="2585323"/>
+          </a:xfrm>
+          <a:prstGeom prst="rect">
+            <a:avLst/>
+          </a:prstGeom>
+          <a:noFill/>
+        </p:spPr>
+        <p:txBody>
+          <a:bodyPr wrap="none" rtlCol="0">
+            <a:spAutoFit/>
+          </a:bodyPr>
+          <a:lstStyle/>
+          <a:p>
+            <a:r>
+              <a:rPr lang="en-IN" dirty="0">
+                <a:solidFill>
+                  <a:srgbClr val="0E0E0E"/>
+                </a:solidFill>
+                <a:effectLst/>
+                <a:latin typeface=".SF NS"/>
+              </a:rPr>
+              <a:t>• </a:t>
+            </a:r>
+            <a:r>
+              <a:rPr lang="en-IN" b="1" dirty="0">
+                <a:solidFill>
+                  <a:srgbClr val="0E0E0E"/>
+                </a:solidFill>
+                <a:effectLst/>
+                <a:latin typeface=".SF NS"/>
+              </a:rPr>
+              <a:t>AWS Lake Formation</a:t>
+            </a:r>
+            <a:r>
+              <a:rPr lang="en-IN" dirty="0">
+                <a:solidFill>
+                  <a:srgbClr val="0E0E0E"/>
+                </a:solidFill>
+                <a:effectLst/>
+                <a:latin typeface=".SF NS"/>
+              </a:rPr>
+              <a:t> enables us to enforce </a:t>
+            </a:r>
+            <a:r>
+              <a:rPr lang="en-IN" b="1" dirty="0">
+                <a:solidFill>
+                  <a:srgbClr val="0E0E0E"/>
+                </a:solidFill>
+                <a:effectLst/>
+                <a:latin typeface=".SF NS"/>
+              </a:rPr>
+              <a:t>fine-grained access control</a:t>
+            </a:r>
+            <a:r>
+              <a:rPr lang="en-IN" dirty="0">
+                <a:solidFill>
+                  <a:srgbClr val="0E0E0E"/>
+                </a:solidFill>
+                <a:effectLst/>
+                <a:latin typeface=".SF NS"/>
+              </a:rPr>
+              <a:t>, allowing role-based access to </a:t>
+            </a:r>
+            <a:br>
+              <a:rPr lang="en-IN" dirty="0">
+                <a:solidFill>
+                  <a:srgbClr val="0E0E0E"/>
+                </a:solidFill>
+                <a:effectLst/>
+                <a:latin typeface=".SF NS"/>
+              </a:rPr>
+            </a:br>
+            <a:r>
+              <a:rPr lang="en-IN" dirty="0">
+                <a:solidFill>
+                  <a:srgbClr val="0E0E0E"/>
+                </a:solidFill>
+                <a:effectLst/>
+                <a:latin typeface=".SF NS"/>
+              </a:rPr>
+              <a:t>certain rows or columns based on the sensitivity of the data.</a:t>
+            </a:r>
+          </a:p>
+          <a:p>
+            <a:r>
+              <a:rPr lang="en-IN" dirty="0">
+                <a:solidFill>
+                  <a:srgbClr val="0E0E0E"/>
+                </a:solidFill>
+                <a:effectLst/>
+                <a:latin typeface=".SF NS"/>
+              </a:rPr>
+              <a:t>• Lake Formation also allows us to set </a:t>
+            </a:r>
+            <a:r>
+              <a:rPr lang="en-IN" b="1" dirty="0">
+                <a:solidFill>
+                  <a:srgbClr val="0E0E0E"/>
+                </a:solidFill>
+                <a:effectLst/>
+                <a:latin typeface=".SF NS"/>
+              </a:rPr>
+              <a:t>tag-based access control</a:t>
+            </a:r>
+            <a:r>
+              <a:rPr lang="en-IN" dirty="0">
+                <a:solidFill>
+                  <a:srgbClr val="0E0E0E"/>
+                </a:solidFill>
+                <a:effectLst/>
+                <a:latin typeface=".SF NS"/>
+              </a:rPr>
+              <a:t> to define security policies at the column and row level, </a:t>
+            </a:r>
+            <a:br>
+              <a:rPr lang="en-IN" dirty="0">
+                <a:solidFill>
+                  <a:srgbClr val="0E0E0E"/>
+                </a:solidFill>
+                <a:effectLst/>
+                <a:latin typeface=".SF NS"/>
+              </a:rPr>
+            </a:br>
+            <a:r>
+              <a:rPr lang="en-IN" dirty="0">
+                <a:solidFill>
+                  <a:srgbClr val="0E0E0E"/>
+                </a:solidFill>
+                <a:effectLst/>
+                <a:latin typeface=".SF NS"/>
+              </a:rPr>
+              <a:t>ensuring compliance with privacy regulations like </a:t>
+            </a:r>
+            <a:r>
+              <a:rPr lang="en-IN" b="1" dirty="0">
+                <a:solidFill>
+                  <a:srgbClr val="0E0E0E"/>
+                </a:solidFill>
+                <a:effectLst/>
+                <a:latin typeface=".SF NS"/>
+              </a:rPr>
+              <a:t>GDPR</a:t>
+            </a:r>
+            <a:r>
+              <a:rPr lang="en-IN" dirty="0">
+                <a:solidFill>
+                  <a:srgbClr val="0E0E0E"/>
+                </a:solidFill>
+                <a:effectLst/>
+                <a:latin typeface=".SF NS"/>
+              </a:rPr>
+              <a:t>.</a:t>
+            </a:r>
+          </a:p>
+          <a:p>
+            <a:r>
+              <a:rPr lang="en-IN" dirty="0">
+                <a:solidFill>
+                  <a:srgbClr val="0E0E0E"/>
+                </a:solidFill>
+                <a:effectLst/>
+                <a:latin typeface=".SF NS"/>
+              </a:rPr>
+              <a:t>• </a:t>
+            </a:r>
+            <a:r>
+              <a:rPr lang="en-IN" b="1" dirty="0">
+                <a:solidFill>
+                  <a:srgbClr val="0E0E0E"/>
+                </a:solidFill>
+                <a:effectLst/>
+                <a:latin typeface=".SF NS"/>
+              </a:rPr>
+              <a:t>Data masking</a:t>
+            </a:r>
+            <a:r>
+              <a:rPr lang="en-IN" dirty="0">
+                <a:solidFill>
+                  <a:srgbClr val="0E0E0E"/>
+                </a:solidFill>
+                <a:effectLst/>
+                <a:latin typeface=".SF NS"/>
+              </a:rPr>
+              <a:t> helps protect sensitive information (e.g., PII) by only showing the required portions to authorized users.</a:t>
+            </a:r>
+          </a:p>
+          <a:p>
+            <a:r>
+              <a:rPr lang="en-IN" dirty="0">
+                <a:solidFill>
+                  <a:srgbClr val="0E0E0E"/>
+                </a:solidFill>
+                <a:effectLst/>
+                <a:latin typeface=".SF NS"/>
+              </a:rPr>
+              <a:t>• We maintain </a:t>
+            </a:r>
+            <a:r>
+              <a:rPr lang="en-IN" b="1" dirty="0">
+                <a:solidFill>
+                  <a:srgbClr val="0E0E0E"/>
+                </a:solidFill>
+                <a:effectLst/>
+                <a:latin typeface=".SF NS"/>
+              </a:rPr>
+              <a:t>audit trails</a:t>
+            </a:r>
+            <a:r>
+              <a:rPr lang="en-IN" dirty="0">
+                <a:solidFill>
+                  <a:srgbClr val="0E0E0E"/>
+                </a:solidFill>
+                <a:effectLst/>
+                <a:latin typeface=".SF NS"/>
+              </a:rPr>
+              <a:t> to track who accessed the data and what modifications were made, </a:t>
+            </a:r>
+            <a:br>
+              <a:rPr lang="en-IN" dirty="0">
+                <a:solidFill>
+                  <a:srgbClr val="0E0E0E"/>
+                </a:solidFill>
+                <a:effectLst/>
+                <a:latin typeface=".SF NS"/>
+              </a:rPr>
+            </a:br>
+            <a:r>
+              <a:rPr lang="en-IN" dirty="0">
+                <a:solidFill>
+                  <a:srgbClr val="0E0E0E"/>
+                </a:solidFill>
+                <a:effectLst/>
+                <a:latin typeface=".SF NS"/>
+              </a:rPr>
+              <a:t>ensuring transparency and compliance.</a:t>
+            </a:r>
+          </a:p>
+          <a:p>
+            <a:endParaRPr lang="en-IN" dirty="0">
+              <a:solidFill>
+                <a:srgbClr val="0E0E0E"/>
+              </a:solidFill>
+              <a:effectLst/>
+              <a:latin typeface=".SF NS"/>
+            </a:endParaRPr>
+          </a:p>
+          <a:p>
+            <a:endParaRPr lang="en-US" dirty="0"/>
+          </a:p>
+        </p:txBody>
+      </p:sp>
+    </p:spTree>
+    <p:extLst>
+      <p:ext uri="{BB962C8B-B14F-4D97-AF65-F5344CB8AC3E}">
+        <p14:creationId xmlns:p14="http://schemas.microsoft.com/office/powerpoint/2010/main" val="2040254199"/>
+      </p:ext>
+    </p:extLst>
+  </p:cSld>
+  <p:clrMapOvr>
+    <a:masterClrMapping/>
+  </p:clrMapOvr>
+</p:sld>
+</file>
+
+<file path=ppt/slides/slide18.xml><?xml version="1.0" encoding="utf-8"?>
+<p:sld xmlns:a="http://schemas.openxmlformats.org/drawingml/2006/main" xmlns:r="http://schemas.openxmlformats.org/officeDocument/2006/relationships" xmlns:p="http://schemas.openxmlformats.org/presentationml/2006/main">
+  <p:cSld>
+    <p:spTree>
+      <p:nvGrpSpPr>
+        <p:cNvPr id="1" name=""/>
+        <p:cNvGrpSpPr/>
+        <p:nvPr/>
+      </p:nvGrpSpPr>
+      <p:grpSpPr>
+        <a:xfrm>
+          <a:off x="0" y="0"/>
+          <a:ext cx="0" cy="0"/>
+          <a:chOff x="0" y="0"/>
+          <a:chExt cx="0" cy="0"/>
+        </a:xfrm>
+      </p:grpSpPr>
+      <p:sp>
+        <p:nvSpPr>
+          <p:cNvPr id="2" name="Title 1">
+            <a:extLst>
+              <a:ext uri="{FF2B5EF4-FFF2-40B4-BE49-F238E27FC236}">
+                <a16:creationId xmlns:a16="http://schemas.microsoft.com/office/drawing/2014/main" id="{9F73F33A-48C9-FE65-73BE-7C0246413DB9}"/>
+              </a:ext>
+            </a:extLst>
+          </p:cNvPr>
+          <p:cNvSpPr>
+            <a:spLocks noGrp="1"/>
+          </p:cNvSpPr>
+          <p:nvPr>
+            <p:ph type="title"/>
+          </p:nvPr>
+        </p:nvSpPr>
+        <p:spPr/>
+        <p:txBody>
+          <a:bodyPr/>
+          <a:lstStyle/>
+          <a:p>
+            <a:r>
+              <a:rPr lang="en-US" dirty="0"/>
+              <a:t>Data Security in the ETL Pipeline</a:t>
+            </a:r>
+          </a:p>
+        </p:txBody>
+      </p:sp>
+      <p:sp>
+        <p:nvSpPr>
+          <p:cNvPr id="3" name="TextBox 2">
+            <a:extLst>
+              <a:ext uri="{FF2B5EF4-FFF2-40B4-BE49-F238E27FC236}">
+                <a16:creationId xmlns:a16="http://schemas.microsoft.com/office/drawing/2014/main" id="{D5587A5A-BE57-3897-0127-2CE8E65A59D3}"/>
+              </a:ext>
+            </a:extLst>
+          </p:cNvPr>
+          <p:cNvSpPr txBox="1"/>
+          <p:nvPr/>
+        </p:nvSpPr>
+        <p:spPr>
+          <a:xfrm>
+            <a:off x="501529" y="2673264"/>
+            <a:ext cx="11568936" cy="2031325"/>
+          </a:xfrm>
+          <a:prstGeom prst="rect">
+            <a:avLst/>
+          </a:prstGeom>
+          <a:noFill/>
+        </p:spPr>
+        <p:txBody>
+          <a:bodyPr wrap="none" rtlCol="0">
+            <a:spAutoFit/>
+          </a:bodyPr>
+          <a:lstStyle/>
+          <a:p>
+            <a:r>
+              <a:rPr lang="en-IN" dirty="0">
+                <a:solidFill>
+                  <a:srgbClr val="0E0E0E"/>
+                </a:solidFill>
+                <a:effectLst/>
+                <a:latin typeface=".SF NS"/>
+              </a:rPr>
+              <a:t>• Data security is a priority across the entire pipeline:</a:t>
+            </a:r>
+          </a:p>
+          <a:p>
+            <a:r>
+              <a:rPr lang="en-IN" dirty="0">
+                <a:solidFill>
+                  <a:srgbClr val="0E0E0E"/>
+                </a:solidFill>
+                <a:effectLst/>
+                <a:latin typeface=".SF NS"/>
+              </a:rPr>
+              <a:t>• </a:t>
+            </a:r>
+            <a:r>
+              <a:rPr lang="en-IN" b="1" dirty="0">
+                <a:solidFill>
+                  <a:srgbClr val="0E0E0E"/>
+                </a:solidFill>
+                <a:effectLst/>
+                <a:latin typeface=".SF NS"/>
+              </a:rPr>
+              <a:t>Encryption at rest</a:t>
+            </a:r>
+            <a:r>
+              <a:rPr lang="en-IN" dirty="0">
+                <a:solidFill>
+                  <a:srgbClr val="0E0E0E"/>
+                </a:solidFill>
+                <a:effectLst/>
+                <a:latin typeface=".SF NS"/>
+              </a:rPr>
+              <a:t> is enabled for all storage points, such as </a:t>
+            </a:r>
+            <a:r>
+              <a:rPr lang="en-IN" b="1" dirty="0">
+                <a:solidFill>
+                  <a:srgbClr val="0E0E0E"/>
+                </a:solidFill>
+                <a:effectLst/>
+                <a:latin typeface=".SF NS"/>
+              </a:rPr>
+              <a:t>S3</a:t>
+            </a:r>
+            <a:r>
+              <a:rPr lang="en-IN" dirty="0">
+                <a:solidFill>
+                  <a:srgbClr val="0E0E0E"/>
+                </a:solidFill>
+                <a:effectLst/>
+                <a:latin typeface=".SF NS"/>
+              </a:rPr>
+              <a:t> and </a:t>
+            </a:r>
+            <a:r>
+              <a:rPr lang="en-IN" b="1" dirty="0">
+                <a:solidFill>
+                  <a:srgbClr val="0E0E0E"/>
+                </a:solidFill>
+                <a:effectLst/>
+                <a:latin typeface=".SF NS"/>
+              </a:rPr>
+              <a:t>Redshift</a:t>
+            </a:r>
+            <a:r>
+              <a:rPr lang="en-IN" dirty="0">
+                <a:solidFill>
+                  <a:srgbClr val="0E0E0E"/>
+                </a:solidFill>
+                <a:effectLst/>
+                <a:latin typeface=".SF NS"/>
+              </a:rPr>
+              <a:t>, using </a:t>
+            </a:r>
+            <a:r>
+              <a:rPr lang="en-IN" b="1" dirty="0">
+                <a:solidFill>
+                  <a:srgbClr val="0E0E0E"/>
+                </a:solidFill>
+                <a:effectLst/>
+                <a:latin typeface=".SF NS"/>
+              </a:rPr>
+              <a:t>AWS KMS</a:t>
+            </a:r>
+            <a:r>
+              <a:rPr lang="en-IN" dirty="0">
+                <a:solidFill>
+                  <a:srgbClr val="0E0E0E"/>
+                </a:solidFill>
+                <a:effectLst/>
+                <a:latin typeface=".SF NS"/>
+              </a:rPr>
+              <a:t> (Key Management Service).</a:t>
+            </a:r>
+          </a:p>
+          <a:p>
+            <a:r>
+              <a:rPr lang="en-IN" dirty="0">
+                <a:solidFill>
+                  <a:srgbClr val="0E0E0E"/>
+                </a:solidFill>
+                <a:effectLst/>
+                <a:latin typeface=".SF NS"/>
+              </a:rPr>
+              <a:t>• </a:t>
+            </a:r>
+            <a:r>
+              <a:rPr lang="en-IN" b="1" dirty="0">
+                <a:solidFill>
+                  <a:srgbClr val="0E0E0E"/>
+                </a:solidFill>
+                <a:effectLst/>
+                <a:latin typeface=".SF NS"/>
+              </a:rPr>
+              <a:t>Encryption in transit</a:t>
+            </a:r>
+            <a:r>
+              <a:rPr lang="en-IN" dirty="0">
+                <a:solidFill>
+                  <a:srgbClr val="0E0E0E"/>
+                </a:solidFill>
+                <a:effectLst/>
+                <a:latin typeface=".SF NS"/>
+              </a:rPr>
+              <a:t> ensures that all communication between services like Glue, S3, and Redshift is secure </a:t>
+            </a:r>
+            <a:br>
+              <a:rPr lang="en-IN" dirty="0">
+                <a:solidFill>
+                  <a:srgbClr val="0E0E0E"/>
+                </a:solidFill>
+                <a:effectLst/>
+                <a:latin typeface=".SF NS"/>
+              </a:rPr>
+            </a:br>
+            <a:r>
+              <a:rPr lang="en-IN" dirty="0">
+                <a:solidFill>
+                  <a:srgbClr val="0E0E0E"/>
+                </a:solidFill>
+                <a:effectLst/>
+                <a:latin typeface=".SF NS"/>
+              </a:rPr>
+              <a:t>using </a:t>
+            </a:r>
+            <a:r>
+              <a:rPr lang="en-IN" b="1" dirty="0">
+                <a:solidFill>
+                  <a:srgbClr val="0E0E0E"/>
+                </a:solidFill>
+                <a:effectLst/>
+                <a:latin typeface=".SF NS"/>
+              </a:rPr>
+              <a:t>TLS</a:t>
+            </a:r>
+            <a:r>
+              <a:rPr lang="en-IN" dirty="0">
+                <a:solidFill>
+                  <a:srgbClr val="0E0E0E"/>
+                </a:solidFill>
+                <a:effectLst/>
+                <a:latin typeface=".SF NS"/>
+              </a:rPr>
+              <a:t> (Transport Layer Security).</a:t>
+            </a:r>
+          </a:p>
+          <a:p>
+            <a:r>
+              <a:rPr lang="en-IN" dirty="0">
+                <a:solidFill>
+                  <a:srgbClr val="0E0E0E"/>
+                </a:solidFill>
+                <a:effectLst/>
+                <a:latin typeface=".SF NS"/>
+              </a:rPr>
+              <a:t>• </a:t>
+            </a:r>
+            <a:r>
+              <a:rPr lang="en-IN" b="1" dirty="0">
+                <a:solidFill>
+                  <a:srgbClr val="0E0E0E"/>
+                </a:solidFill>
+                <a:effectLst/>
+                <a:latin typeface=".SF NS"/>
+              </a:rPr>
+              <a:t>Role-based access control (RBAC)</a:t>
+            </a:r>
+            <a:r>
+              <a:rPr lang="en-IN" dirty="0">
+                <a:solidFill>
+                  <a:srgbClr val="0E0E0E"/>
+                </a:solidFill>
+                <a:effectLst/>
+                <a:latin typeface=".SF NS"/>
+              </a:rPr>
+              <a:t> ensures that only authorized users can run jobs or access sensitive data.</a:t>
+            </a:r>
+          </a:p>
+          <a:p>
+            <a:r>
+              <a:rPr lang="en-IN" dirty="0">
+                <a:solidFill>
+                  <a:srgbClr val="0E0E0E"/>
+                </a:solidFill>
+                <a:effectLst/>
+                <a:latin typeface=".SF NS"/>
+              </a:rPr>
+              <a:t>• For fields that contain personally identifiable information (PII), we can implement </a:t>
+            </a:r>
+            <a:r>
+              <a:rPr lang="en-IN" b="1" dirty="0">
+                <a:solidFill>
+                  <a:srgbClr val="0E0E0E"/>
+                </a:solidFill>
+                <a:effectLst/>
+                <a:latin typeface=".SF NS"/>
+              </a:rPr>
+              <a:t>column-level encryption</a:t>
+            </a:r>
+            <a:r>
+              <a:rPr lang="en-IN" dirty="0">
+                <a:solidFill>
+                  <a:srgbClr val="0E0E0E"/>
+                </a:solidFill>
+                <a:effectLst/>
+                <a:latin typeface=".SF NS"/>
+              </a:rPr>
+              <a:t>,</a:t>
+            </a:r>
+            <a:br>
+              <a:rPr lang="en-IN" dirty="0">
+                <a:solidFill>
+                  <a:srgbClr val="0E0E0E"/>
+                </a:solidFill>
+                <a:effectLst/>
+                <a:latin typeface=".SF NS"/>
+              </a:rPr>
+            </a:br>
+            <a:r>
+              <a:rPr lang="en-IN" dirty="0">
+                <a:solidFill>
+                  <a:srgbClr val="0E0E0E"/>
+                </a:solidFill>
+                <a:effectLst/>
+                <a:latin typeface=".SF NS"/>
+              </a:rPr>
+              <a:t> ensuring only authorized personnel can access sensitive data.</a:t>
+            </a:r>
+          </a:p>
+        </p:txBody>
+      </p:sp>
+    </p:spTree>
+    <p:extLst>
+      <p:ext uri="{BB962C8B-B14F-4D97-AF65-F5344CB8AC3E}">
+        <p14:creationId xmlns:p14="http://schemas.microsoft.com/office/powerpoint/2010/main" val="3004684989"/>
+      </p:ext>
+    </p:extLst>
+  </p:cSld>
+  <p:clrMapOvr>
+    <a:masterClrMapping/>
+  </p:clrMapOvr>
+</p:sld>
+</file>
+
+<file path=ppt/slides/slide19.xml><?xml version="1.0" encoding="utf-8"?>
+<p:sld xmlns:a="http://schemas.openxmlformats.org/drawingml/2006/main" xmlns:r="http://schemas.openxmlformats.org/officeDocument/2006/relationships" xmlns:p="http://schemas.openxmlformats.org/presentationml/2006/main">
+  <p:cSld>
+    <p:spTree>
+      <p:nvGrpSpPr>
+        <p:cNvPr id="1" name=""/>
+        <p:cNvGrpSpPr/>
+        <p:nvPr/>
+      </p:nvGrpSpPr>
+      <p:grpSpPr>
+        <a:xfrm>
+          <a:off x="0" y="0"/>
+          <a:ext cx="0" cy="0"/>
+          <a:chOff x="0" y="0"/>
+          <a:chExt cx="0" cy="0"/>
+        </a:xfrm>
+      </p:grpSpPr>
+      <p:sp>
+        <p:nvSpPr>
+          <p:cNvPr id="2" name="Title 1">
+            <a:extLst>
+              <a:ext uri="{FF2B5EF4-FFF2-40B4-BE49-F238E27FC236}">
+                <a16:creationId xmlns:a16="http://schemas.microsoft.com/office/drawing/2014/main" id="{9BACC537-450E-384B-C241-C0AC826A1C7B}"/>
+              </a:ext>
+            </a:extLst>
+          </p:cNvPr>
+          <p:cNvSpPr>
+            <a:spLocks noGrp="1"/>
+          </p:cNvSpPr>
+          <p:nvPr>
+            <p:ph type="title"/>
+          </p:nvPr>
+        </p:nvSpPr>
+        <p:spPr/>
+        <p:txBody>
+          <a:bodyPr/>
+          <a:lstStyle/>
+          <a:p>
+            <a:r>
+              <a:rPr lang="en-US" dirty="0"/>
+              <a:t>Visualization</a:t>
+            </a:r>
+          </a:p>
+        </p:txBody>
+      </p:sp>
+      <p:sp>
+        <p:nvSpPr>
+          <p:cNvPr id="3" name="TextBox 2">
+            <a:extLst>
+              <a:ext uri="{FF2B5EF4-FFF2-40B4-BE49-F238E27FC236}">
+                <a16:creationId xmlns:a16="http://schemas.microsoft.com/office/drawing/2014/main" id="{D79CB949-242F-26CF-6479-09C61211A4B3}"/>
+              </a:ext>
+            </a:extLst>
+          </p:cNvPr>
+          <p:cNvSpPr txBox="1"/>
+          <p:nvPr/>
+        </p:nvSpPr>
+        <p:spPr>
+          <a:xfrm>
+            <a:off x="633831" y="2673264"/>
+            <a:ext cx="10924337" cy="2031325"/>
+          </a:xfrm>
+          <a:prstGeom prst="rect">
+            <a:avLst/>
+          </a:prstGeom>
+          <a:noFill/>
+        </p:spPr>
+        <p:txBody>
+          <a:bodyPr wrap="none" rtlCol="0">
+            <a:spAutoFit/>
+          </a:bodyPr>
+          <a:lstStyle/>
+          <a:p>
+            <a:r>
+              <a:rPr lang="en-IN" dirty="0">
+                <a:solidFill>
+                  <a:srgbClr val="0E0E0E"/>
+                </a:solidFill>
+                <a:effectLst/>
+                <a:latin typeface=".SF NS"/>
+              </a:rPr>
+              <a:t>• </a:t>
+            </a:r>
+            <a:r>
+              <a:rPr lang="en-IN" b="1" dirty="0">
+                <a:solidFill>
+                  <a:srgbClr val="0E0E0E"/>
+                </a:solidFill>
+                <a:effectLst/>
+                <a:latin typeface=".SF NS"/>
+              </a:rPr>
+              <a:t>Amazon </a:t>
+            </a:r>
+            <a:r>
+              <a:rPr lang="en-IN" b="1" dirty="0" err="1">
+                <a:solidFill>
+                  <a:srgbClr val="0E0E0E"/>
+                </a:solidFill>
+                <a:effectLst/>
+                <a:latin typeface=".SF NS"/>
+              </a:rPr>
+              <a:t>QuickSight</a:t>
+            </a:r>
+            <a:r>
+              <a:rPr lang="en-IN" dirty="0">
+                <a:solidFill>
+                  <a:srgbClr val="0E0E0E"/>
+                </a:solidFill>
+                <a:effectLst/>
+                <a:latin typeface=".SF NS"/>
+              </a:rPr>
+              <a:t> provides an intuitive and scalable platform for building dynamic dashboards.</a:t>
+            </a:r>
+          </a:p>
+          <a:p>
+            <a:r>
+              <a:rPr lang="en-IN" dirty="0">
+                <a:solidFill>
+                  <a:srgbClr val="0E0E0E"/>
+                </a:solidFill>
+                <a:effectLst/>
+                <a:latin typeface=".SF NS"/>
+              </a:rPr>
+              <a:t>• We can build custom reports and interactive dashboards that allow users to drill down </a:t>
+            </a:r>
+            <a:br>
+              <a:rPr lang="en-IN" dirty="0">
+                <a:solidFill>
+                  <a:srgbClr val="0E0E0E"/>
+                </a:solidFill>
+                <a:effectLst/>
+                <a:latin typeface=".SF NS"/>
+              </a:rPr>
+            </a:br>
+            <a:r>
+              <a:rPr lang="en-IN" dirty="0">
+                <a:solidFill>
+                  <a:srgbClr val="0E0E0E"/>
+                </a:solidFill>
+                <a:effectLst/>
+                <a:latin typeface=".SF NS"/>
+              </a:rPr>
+              <a:t>into specific metrics (e.g., sales by product category, refunds by seller).</a:t>
+            </a:r>
+          </a:p>
+          <a:p>
+            <a:r>
+              <a:rPr lang="en-IN" dirty="0">
+                <a:solidFill>
+                  <a:srgbClr val="0E0E0E"/>
+                </a:solidFill>
+                <a:effectLst/>
+                <a:latin typeface=".SF NS"/>
+              </a:rPr>
+              <a:t>• </a:t>
+            </a:r>
+            <a:r>
+              <a:rPr lang="en-IN" dirty="0" err="1">
+                <a:solidFill>
+                  <a:srgbClr val="0E0E0E"/>
+                </a:solidFill>
+                <a:effectLst/>
+                <a:latin typeface=".SF NS"/>
+              </a:rPr>
+              <a:t>QuickSight</a:t>
+            </a:r>
+            <a:r>
+              <a:rPr lang="en-IN" dirty="0">
+                <a:solidFill>
+                  <a:srgbClr val="0E0E0E"/>
+                </a:solidFill>
+                <a:effectLst/>
+                <a:latin typeface=".SF NS"/>
+              </a:rPr>
+              <a:t> supports real-time updates through auto-refresh, ensuring business users always have the latest data.</a:t>
+            </a:r>
+          </a:p>
+          <a:p>
+            <a:r>
+              <a:rPr lang="en-IN" dirty="0">
+                <a:solidFill>
+                  <a:srgbClr val="0E0E0E"/>
+                </a:solidFill>
+                <a:effectLst/>
+                <a:latin typeface=".SF NS"/>
+              </a:rPr>
+              <a:t>• We apply </a:t>
+            </a:r>
+            <a:r>
+              <a:rPr lang="en-IN" b="1" dirty="0">
+                <a:solidFill>
+                  <a:srgbClr val="0E0E0E"/>
+                </a:solidFill>
+                <a:effectLst/>
+                <a:latin typeface=".SF NS"/>
+              </a:rPr>
+              <a:t>role-based access control</a:t>
+            </a:r>
+            <a:r>
+              <a:rPr lang="en-IN" dirty="0">
+                <a:solidFill>
+                  <a:srgbClr val="0E0E0E"/>
+                </a:solidFill>
+                <a:effectLst/>
+                <a:latin typeface=".SF NS"/>
+              </a:rPr>
+              <a:t> to limit who can access certain reports or dashboards, </a:t>
+            </a:r>
+            <a:br>
+              <a:rPr lang="en-IN" dirty="0">
+                <a:solidFill>
+                  <a:srgbClr val="0E0E0E"/>
+                </a:solidFill>
+                <a:effectLst/>
+                <a:latin typeface=".SF NS"/>
+              </a:rPr>
+            </a:br>
+            <a:r>
+              <a:rPr lang="en-IN" dirty="0">
+                <a:solidFill>
+                  <a:srgbClr val="0E0E0E"/>
+                </a:solidFill>
+                <a:effectLst/>
+                <a:latin typeface=".SF NS"/>
+              </a:rPr>
+              <a:t>ensuring data security at the visualization layer.</a:t>
+            </a:r>
+          </a:p>
+          <a:p>
+            <a:endParaRPr lang="en-US" dirty="0"/>
+          </a:p>
+        </p:txBody>
+      </p:sp>
+    </p:spTree>
+    <p:extLst>
+      <p:ext uri="{BB962C8B-B14F-4D97-AF65-F5344CB8AC3E}">
+        <p14:creationId xmlns:p14="http://schemas.microsoft.com/office/powerpoint/2010/main" val="919181757"/>
       </p:ext>
     </p:extLst>
   </p:cSld>
@@ -4718,6 +8454,506 @@
     <p:extLst>
       <p:ext uri="{BB962C8B-B14F-4D97-AF65-F5344CB8AC3E}">
         <p14:creationId xmlns:p14="http://schemas.microsoft.com/office/powerpoint/2010/main" val="4236503077"/>
+      </p:ext>
+    </p:extLst>
+  </p:cSld>
+  <p:clrMapOvr>
+    <a:masterClrMapping/>
+  </p:clrMapOvr>
+</p:sld>
+</file>
+
+<file path=ppt/slides/slide20.xml><?xml version="1.0" encoding="utf-8"?>
+<p:sld xmlns:a="http://schemas.openxmlformats.org/drawingml/2006/main" xmlns:r="http://schemas.openxmlformats.org/officeDocument/2006/relationships" xmlns:p="http://schemas.openxmlformats.org/presentationml/2006/main">
+  <p:cSld>
+    <p:spTree>
+      <p:nvGrpSpPr>
+        <p:cNvPr id="1" name=""/>
+        <p:cNvGrpSpPr/>
+        <p:nvPr/>
+      </p:nvGrpSpPr>
+      <p:grpSpPr>
+        <a:xfrm>
+          <a:off x="0" y="0"/>
+          <a:ext cx="0" cy="0"/>
+          <a:chOff x="0" y="0"/>
+          <a:chExt cx="0" cy="0"/>
+        </a:xfrm>
+      </p:grpSpPr>
+      <p:sp>
+        <p:nvSpPr>
+          <p:cNvPr id="2" name="Title 1">
+            <a:extLst>
+              <a:ext uri="{FF2B5EF4-FFF2-40B4-BE49-F238E27FC236}">
+                <a16:creationId xmlns:a16="http://schemas.microsoft.com/office/drawing/2014/main" id="{FD4F3059-6016-F734-0ED8-7BC5B225C3B2}"/>
+              </a:ext>
+            </a:extLst>
+          </p:cNvPr>
+          <p:cNvSpPr>
+            <a:spLocks noGrp="1"/>
+          </p:cNvSpPr>
+          <p:nvPr>
+            <p:ph type="title"/>
+          </p:nvPr>
+        </p:nvSpPr>
+        <p:spPr/>
+        <p:txBody>
+          <a:bodyPr/>
+          <a:lstStyle/>
+          <a:p>
+            <a:r>
+              <a:rPr lang="en-US" dirty="0"/>
+              <a:t>Automated Testing and Validation</a:t>
+            </a:r>
+          </a:p>
+        </p:txBody>
+      </p:sp>
+      <p:sp>
+        <p:nvSpPr>
+          <p:cNvPr id="3" name="TextBox 2">
+            <a:extLst>
+              <a:ext uri="{FF2B5EF4-FFF2-40B4-BE49-F238E27FC236}">
+                <a16:creationId xmlns:a16="http://schemas.microsoft.com/office/drawing/2014/main" id="{A13A02DF-DB05-8447-B589-060264C273D2}"/>
+              </a:ext>
+            </a:extLst>
+          </p:cNvPr>
+          <p:cNvSpPr txBox="1"/>
+          <p:nvPr/>
+        </p:nvSpPr>
+        <p:spPr>
+          <a:xfrm>
+            <a:off x="496550" y="2892490"/>
+            <a:ext cx="11198900" cy="2031325"/>
+          </a:xfrm>
+          <a:prstGeom prst="rect">
+            <a:avLst/>
+          </a:prstGeom>
+          <a:noFill/>
+        </p:spPr>
+        <p:txBody>
+          <a:bodyPr wrap="none" rtlCol="0">
+            <a:spAutoFit/>
+          </a:bodyPr>
+          <a:lstStyle/>
+          <a:p>
+            <a:r>
+              <a:rPr lang="en-IN" dirty="0">
+                <a:solidFill>
+                  <a:srgbClr val="0E0E0E"/>
+                </a:solidFill>
+                <a:effectLst/>
+                <a:latin typeface=".SF NS"/>
+              </a:rPr>
+              <a:t>• </a:t>
+            </a:r>
+            <a:r>
+              <a:rPr lang="en-IN" b="1" dirty="0">
+                <a:solidFill>
+                  <a:srgbClr val="0E0E0E"/>
+                </a:solidFill>
+                <a:effectLst/>
+                <a:latin typeface=".SF NS"/>
+              </a:rPr>
+              <a:t>Unit testing</a:t>
+            </a:r>
+            <a:r>
+              <a:rPr lang="en-IN" dirty="0">
+                <a:solidFill>
+                  <a:srgbClr val="0E0E0E"/>
+                </a:solidFill>
+                <a:effectLst/>
+                <a:latin typeface=".SF NS"/>
+              </a:rPr>
+              <a:t> ensures each transformation and rule applied to the data works as expected, catching any issues early.</a:t>
+            </a:r>
+          </a:p>
+          <a:p>
+            <a:r>
+              <a:rPr lang="en-IN" dirty="0">
+                <a:solidFill>
+                  <a:srgbClr val="0E0E0E"/>
+                </a:solidFill>
+                <a:effectLst/>
+                <a:latin typeface=".SF NS"/>
+              </a:rPr>
+              <a:t>• </a:t>
+            </a:r>
+            <a:r>
+              <a:rPr lang="en-IN" b="1" dirty="0">
+                <a:solidFill>
+                  <a:srgbClr val="0E0E0E"/>
+                </a:solidFill>
+                <a:effectLst/>
+                <a:latin typeface=".SF NS"/>
+              </a:rPr>
+              <a:t>Integration tests</a:t>
+            </a:r>
+            <a:r>
+              <a:rPr lang="en-IN" dirty="0">
+                <a:solidFill>
+                  <a:srgbClr val="0E0E0E"/>
+                </a:solidFill>
+                <a:effectLst/>
+                <a:latin typeface=".SF NS"/>
+              </a:rPr>
+              <a:t> validate the entire flow from ingestion to loading into the data warehouse.</a:t>
+            </a:r>
+          </a:p>
+          <a:p>
+            <a:r>
+              <a:rPr lang="en-IN" dirty="0">
+                <a:solidFill>
+                  <a:srgbClr val="0E0E0E"/>
+                </a:solidFill>
+                <a:effectLst/>
+                <a:latin typeface=".SF NS"/>
+              </a:rPr>
+              <a:t>• We have </a:t>
+            </a:r>
+            <a:r>
+              <a:rPr lang="en-IN" b="1" dirty="0">
+                <a:solidFill>
+                  <a:srgbClr val="0E0E0E"/>
+                </a:solidFill>
+                <a:effectLst/>
+                <a:latin typeface=".SF NS"/>
+              </a:rPr>
+              <a:t>data validation</a:t>
+            </a:r>
+            <a:r>
+              <a:rPr lang="en-IN" dirty="0">
+                <a:solidFill>
+                  <a:srgbClr val="0E0E0E"/>
+                </a:solidFill>
+                <a:effectLst/>
+                <a:latin typeface=".SF NS"/>
+              </a:rPr>
+              <a:t> rules to verify that all records meet quality standards before they are loaded into Redshift, </a:t>
+            </a:r>
+            <a:br>
+              <a:rPr lang="en-IN" dirty="0">
+                <a:solidFill>
+                  <a:srgbClr val="0E0E0E"/>
+                </a:solidFill>
+                <a:effectLst/>
+                <a:latin typeface=".SF NS"/>
+              </a:rPr>
+            </a:br>
+            <a:r>
+              <a:rPr lang="en-IN" dirty="0">
+                <a:solidFill>
+                  <a:srgbClr val="0E0E0E"/>
+                </a:solidFill>
+                <a:effectLst/>
+                <a:latin typeface=".SF NS"/>
+              </a:rPr>
+              <a:t>preventing bad data from polluting reports.</a:t>
+            </a:r>
+          </a:p>
+          <a:p>
+            <a:r>
+              <a:rPr lang="en-IN" dirty="0">
+                <a:solidFill>
+                  <a:srgbClr val="0E0E0E"/>
+                </a:solidFill>
+                <a:effectLst/>
+                <a:latin typeface=".SF NS"/>
+              </a:rPr>
+              <a:t>• </a:t>
+            </a:r>
+            <a:r>
+              <a:rPr lang="en-IN" b="1" dirty="0">
+                <a:solidFill>
+                  <a:srgbClr val="0E0E0E"/>
+                </a:solidFill>
+                <a:effectLst/>
+                <a:latin typeface=".SF NS"/>
+              </a:rPr>
+              <a:t>Schema validation</a:t>
+            </a:r>
+            <a:r>
+              <a:rPr lang="en-IN" dirty="0">
+                <a:solidFill>
+                  <a:srgbClr val="0E0E0E"/>
+                </a:solidFill>
+                <a:effectLst/>
+                <a:latin typeface=".SF NS"/>
+              </a:rPr>
+              <a:t> ensures that any changes in the schema (e.g., new columns) are caught and addressed in the </a:t>
+            </a:r>
+            <a:br>
+              <a:rPr lang="en-IN" dirty="0">
+                <a:solidFill>
+                  <a:srgbClr val="0E0E0E"/>
+                </a:solidFill>
+                <a:effectLst/>
+                <a:latin typeface=".SF NS"/>
+              </a:rPr>
+            </a:br>
+            <a:r>
+              <a:rPr lang="en-IN" dirty="0">
+                <a:solidFill>
+                  <a:srgbClr val="0E0E0E"/>
+                </a:solidFill>
+                <a:effectLst/>
+                <a:latin typeface=".SF NS"/>
+              </a:rPr>
+              <a:t>pipeline before they affect downstream analytics.</a:t>
+            </a:r>
+          </a:p>
+          <a:p>
+            <a:endParaRPr lang="en-US" dirty="0"/>
+          </a:p>
+        </p:txBody>
+      </p:sp>
+    </p:spTree>
+    <p:extLst>
+      <p:ext uri="{BB962C8B-B14F-4D97-AF65-F5344CB8AC3E}">
+        <p14:creationId xmlns:p14="http://schemas.microsoft.com/office/powerpoint/2010/main" val="3457347931"/>
+      </p:ext>
+    </p:extLst>
+  </p:cSld>
+  <p:clrMapOvr>
+    <a:masterClrMapping/>
+  </p:clrMapOvr>
+</p:sld>
+</file>
+
+<file path=ppt/slides/slide21.xml><?xml version="1.0" encoding="utf-8"?>
+<p:sld xmlns:a="http://schemas.openxmlformats.org/drawingml/2006/main" xmlns:r="http://schemas.openxmlformats.org/officeDocument/2006/relationships" xmlns:p="http://schemas.openxmlformats.org/presentationml/2006/main">
+  <p:cSld>
+    <p:spTree>
+      <p:nvGrpSpPr>
+        <p:cNvPr id="1" name=""/>
+        <p:cNvGrpSpPr/>
+        <p:nvPr/>
+      </p:nvGrpSpPr>
+      <p:grpSpPr>
+        <a:xfrm>
+          <a:off x="0" y="0"/>
+          <a:ext cx="0" cy="0"/>
+          <a:chOff x="0" y="0"/>
+          <a:chExt cx="0" cy="0"/>
+        </a:xfrm>
+      </p:grpSpPr>
+      <p:sp>
+        <p:nvSpPr>
+          <p:cNvPr id="2" name="Title 1">
+            <a:extLst>
+              <a:ext uri="{FF2B5EF4-FFF2-40B4-BE49-F238E27FC236}">
+                <a16:creationId xmlns:a16="http://schemas.microsoft.com/office/drawing/2014/main" id="{CD6580F4-8FCD-55B4-E36D-A0116E5AA9BC}"/>
+              </a:ext>
+            </a:extLst>
+          </p:cNvPr>
+          <p:cNvSpPr>
+            <a:spLocks noGrp="1"/>
+          </p:cNvSpPr>
+          <p:nvPr>
+            <p:ph type="title"/>
+          </p:nvPr>
+        </p:nvSpPr>
+        <p:spPr/>
+        <p:txBody>
+          <a:bodyPr/>
+          <a:lstStyle/>
+          <a:p>
+            <a:r>
+              <a:rPr lang="en-US" dirty="0"/>
+              <a:t>Scalability of the Data Pipeline</a:t>
+            </a:r>
+          </a:p>
+        </p:txBody>
+      </p:sp>
+      <p:sp>
+        <p:nvSpPr>
+          <p:cNvPr id="3" name="TextBox 2">
+            <a:extLst>
+              <a:ext uri="{FF2B5EF4-FFF2-40B4-BE49-F238E27FC236}">
+                <a16:creationId xmlns:a16="http://schemas.microsoft.com/office/drawing/2014/main" id="{545E1DEE-F45E-0B0C-6B62-4BCB68F76C01}"/>
+              </a:ext>
+            </a:extLst>
+          </p:cNvPr>
+          <p:cNvSpPr txBox="1"/>
+          <p:nvPr/>
+        </p:nvSpPr>
+        <p:spPr>
+          <a:xfrm>
+            <a:off x="423714" y="2715208"/>
+            <a:ext cx="11768286" cy="1754326"/>
+          </a:xfrm>
+          <a:prstGeom prst="rect">
+            <a:avLst/>
+          </a:prstGeom>
+          <a:noFill/>
+        </p:spPr>
+        <p:txBody>
+          <a:bodyPr wrap="none" rtlCol="0">
+            <a:spAutoFit/>
+          </a:bodyPr>
+          <a:lstStyle/>
+          <a:p>
+            <a:r>
+              <a:rPr lang="en-IN" dirty="0">
+                <a:solidFill>
+                  <a:srgbClr val="0E0E0E"/>
+                </a:solidFill>
+                <a:effectLst/>
+                <a:latin typeface=".SF NS"/>
+              </a:rPr>
+              <a:t>• </a:t>
+            </a:r>
+            <a:r>
+              <a:rPr lang="en-IN" b="1" dirty="0">
+                <a:solidFill>
+                  <a:srgbClr val="0E0E0E"/>
+                </a:solidFill>
+                <a:effectLst/>
+                <a:latin typeface=".SF NS"/>
+              </a:rPr>
+              <a:t>Glue auto-scaling</a:t>
+            </a:r>
+            <a:r>
+              <a:rPr lang="en-IN" dirty="0">
+                <a:solidFill>
+                  <a:srgbClr val="0E0E0E"/>
+                </a:solidFill>
+                <a:effectLst/>
+                <a:latin typeface=".SF NS"/>
+              </a:rPr>
+              <a:t> ensures that as the data volume grows, Glue jobs can scale dynamically, reducing operational overhead.</a:t>
+            </a:r>
+          </a:p>
+          <a:p>
+            <a:r>
+              <a:rPr lang="en-IN" dirty="0">
+                <a:solidFill>
+                  <a:srgbClr val="0E0E0E"/>
+                </a:solidFill>
+                <a:effectLst/>
+                <a:latin typeface=".SF NS"/>
+              </a:rPr>
+              <a:t>• </a:t>
+            </a:r>
+            <a:r>
+              <a:rPr lang="en-IN" b="1" dirty="0">
+                <a:solidFill>
+                  <a:srgbClr val="0E0E0E"/>
+                </a:solidFill>
+                <a:effectLst/>
+                <a:latin typeface=".SF NS"/>
+              </a:rPr>
+              <a:t>Amazon Redshift</a:t>
+            </a:r>
+            <a:r>
+              <a:rPr lang="en-IN" dirty="0">
+                <a:solidFill>
+                  <a:srgbClr val="0E0E0E"/>
+                </a:solidFill>
+                <a:effectLst/>
+                <a:latin typeface=".SF NS"/>
+              </a:rPr>
+              <a:t> offers the ability to scale compute resources independently from storage,</a:t>
+            </a:r>
+            <a:br>
+              <a:rPr lang="en-IN" dirty="0">
+                <a:solidFill>
+                  <a:srgbClr val="0E0E0E"/>
+                </a:solidFill>
+                <a:effectLst/>
+                <a:latin typeface=".SF NS"/>
+              </a:rPr>
+            </a:br>
+            <a:r>
+              <a:rPr lang="en-IN" dirty="0">
+                <a:solidFill>
+                  <a:srgbClr val="0E0E0E"/>
+                </a:solidFill>
+                <a:effectLst/>
+                <a:latin typeface=".SF NS"/>
+              </a:rPr>
+              <a:t> optimizing both performance and cost.</a:t>
+            </a:r>
+          </a:p>
+          <a:p>
+            <a:r>
+              <a:rPr lang="en-IN" dirty="0">
+                <a:solidFill>
+                  <a:srgbClr val="0E0E0E"/>
+                </a:solidFill>
+                <a:effectLst/>
+                <a:latin typeface=".SF NS"/>
+              </a:rPr>
+              <a:t>• </a:t>
+            </a:r>
+            <a:r>
+              <a:rPr lang="en-IN" b="1" dirty="0">
+                <a:solidFill>
+                  <a:srgbClr val="0E0E0E"/>
+                </a:solidFill>
+                <a:effectLst/>
+                <a:latin typeface=".SF NS"/>
+              </a:rPr>
+              <a:t>S3’s elastic storage</a:t>
+            </a:r>
+            <a:r>
+              <a:rPr lang="en-IN" dirty="0">
+                <a:solidFill>
+                  <a:srgbClr val="0E0E0E"/>
+                </a:solidFill>
+                <a:effectLst/>
+                <a:latin typeface=".SF NS"/>
+              </a:rPr>
+              <a:t> capabilities allow it to handle the high volume of CDC data, while </a:t>
+            </a:r>
+            <a:r>
+              <a:rPr lang="en-IN" b="1" dirty="0">
+                <a:solidFill>
+                  <a:srgbClr val="0E0E0E"/>
+                </a:solidFill>
+                <a:effectLst/>
+                <a:latin typeface=".SF NS"/>
+              </a:rPr>
+              <a:t>partitioning</a:t>
+            </a:r>
+            <a:r>
+              <a:rPr lang="en-IN" dirty="0">
+                <a:solidFill>
+                  <a:srgbClr val="0E0E0E"/>
+                </a:solidFill>
+                <a:effectLst/>
+                <a:latin typeface=".SF NS"/>
+              </a:rPr>
+              <a:t> in both </a:t>
+            </a:r>
+            <a:br>
+              <a:rPr lang="en-IN" dirty="0">
+                <a:solidFill>
+                  <a:srgbClr val="0E0E0E"/>
+                </a:solidFill>
+                <a:effectLst/>
+                <a:latin typeface=".SF NS"/>
+              </a:rPr>
+            </a:br>
+            <a:r>
+              <a:rPr lang="en-IN" dirty="0">
+                <a:solidFill>
+                  <a:srgbClr val="0E0E0E"/>
+                </a:solidFill>
+                <a:effectLst/>
+                <a:latin typeface=".SF NS"/>
+              </a:rPr>
+              <a:t>S3 and Redshift ensures that queries and processing are fast and efficient, even with massive datasets.</a:t>
+            </a:r>
+          </a:p>
+          <a:p>
+            <a:endParaRPr lang="en-US" dirty="0"/>
+          </a:p>
+        </p:txBody>
+      </p:sp>
+    </p:spTree>
+    <p:extLst>
+      <p:ext uri="{BB962C8B-B14F-4D97-AF65-F5344CB8AC3E}">
+        <p14:creationId xmlns:p14="http://schemas.microsoft.com/office/powerpoint/2010/main" val="1792156035"/>
       </p:ext>
     </p:extLst>
   </p:cSld>
@@ -5171,6 +9407,346 @@
               <a:rPr lang="en-US" dirty="0"/>
               <a:t>Assumptions</a:t>
             </a:r>
+          </a:p>
+        </p:txBody>
+      </p:sp>
+      <p:sp>
+        <p:nvSpPr>
+          <p:cNvPr id="6" name="TextBox 5">
+            <a:extLst>
+              <a:ext uri="{FF2B5EF4-FFF2-40B4-BE49-F238E27FC236}">
+                <a16:creationId xmlns:a16="http://schemas.microsoft.com/office/drawing/2014/main" id="{47E4981F-4243-118C-8038-22AAD2D271C5}"/>
+              </a:ext>
+            </a:extLst>
+          </p:cNvPr>
+          <p:cNvSpPr txBox="1"/>
+          <p:nvPr/>
+        </p:nvSpPr>
+        <p:spPr>
+          <a:xfrm>
+            <a:off x="102636" y="2341983"/>
+            <a:ext cx="12268102" cy="2862322"/>
+          </a:xfrm>
+          <a:prstGeom prst="rect">
+            <a:avLst/>
+          </a:prstGeom>
+          <a:noFill/>
+        </p:spPr>
+        <p:txBody>
+          <a:bodyPr wrap="none" rtlCol="0">
+            <a:spAutoFit/>
+          </a:bodyPr>
+          <a:lstStyle/>
+          <a:p>
+            <a:r>
+              <a:rPr lang="en-IN" dirty="0">
+                <a:solidFill>
+                  <a:srgbClr val="0E0E0E"/>
+                </a:solidFill>
+                <a:effectLst/>
+                <a:latin typeface=".SF NS"/>
+              </a:rPr>
+              <a:t>• </a:t>
+            </a:r>
+            <a:r>
+              <a:rPr lang="en-IN" b="1" dirty="0">
+                <a:solidFill>
+                  <a:srgbClr val="0E0E0E"/>
+                </a:solidFill>
+                <a:effectLst/>
+                <a:latin typeface=".SF NS"/>
+              </a:rPr>
+              <a:t>Data Consistency</a:t>
+            </a:r>
+            <a:r>
+              <a:rPr lang="en-IN" dirty="0">
+                <a:solidFill>
+                  <a:srgbClr val="0E0E0E"/>
+                </a:solidFill>
+                <a:effectLst/>
+                <a:latin typeface=".SF NS"/>
+              </a:rPr>
+              <a:t>: Source database (PostgreSQL RDS) maintains ACID compliance, and microservices provide clean, timely data.</a:t>
+            </a:r>
+          </a:p>
+          <a:p>
+            <a:r>
+              <a:rPr lang="en-IN" dirty="0">
+                <a:solidFill>
+                  <a:srgbClr val="0E0E0E"/>
+                </a:solidFill>
+                <a:effectLst/>
+                <a:latin typeface=".SF NS"/>
+              </a:rPr>
+              <a:t>• </a:t>
+            </a:r>
+            <a:r>
+              <a:rPr lang="en-IN" b="1" dirty="0">
+                <a:solidFill>
+                  <a:srgbClr val="0E0E0E"/>
+                </a:solidFill>
+                <a:effectLst/>
+                <a:latin typeface=".SF NS"/>
+              </a:rPr>
+              <a:t>DMS Configuration</a:t>
+            </a:r>
+            <a:r>
+              <a:rPr lang="en-IN" dirty="0">
+                <a:solidFill>
+                  <a:srgbClr val="0E0E0E"/>
+                </a:solidFill>
+                <a:effectLst/>
+                <a:latin typeface=".SF NS"/>
+              </a:rPr>
+              <a:t>: AWS DMS correctly captures CDC changes and streams them without interruptions.</a:t>
+            </a:r>
+          </a:p>
+          <a:p>
+            <a:r>
+              <a:rPr lang="en-IN" dirty="0">
+                <a:solidFill>
+                  <a:srgbClr val="0E0E0E"/>
+                </a:solidFill>
+                <a:effectLst/>
+                <a:latin typeface=".SF NS"/>
+              </a:rPr>
+              <a:t>• </a:t>
+            </a:r>
+            <a:r>
+              <a:rPr lang="en-IN" b="1" dirty="0">
+                <a:solidFill>
+                  <a:srgbClr val="0E0E0E"/>
+                </a:solidFill>
+                <a:effectLst/>
+                <a:latin typeface=".SF NS"/>
+              </a:rPr>
+              <a:t>Source Data Quality</a:t>
+            </a:r>
+            <a:r>
+              <a:rPr lang="en-IN" dirty="0">
+                <a:solidFill>
+                  <a:srgbClr val="0E0E0E"/>
+                </a:solidFill>
+                <a:effectLst/>
+                <a:latin typeface=".SF NS"/>
+              </a:rPr>
+              <a:t>: Source data schema remains stable, without aggressive schema drifts.</a:t>
+            </a:r>
+          </a:p>
+          <a:p>
+            <a:r>
+              <a:rPr lang="en-IN" dirty="0">
+                <a:solidFill>
+                  <a:srgbClr val="0E0E0E"/>
+                </a:solidFill>
+                <a:effectLst/>
+                <a:latin typeface=".SF NS"/>
+              </a:rPr>
+              <a:t>• </a:t>
+            </a:r>
+            <a:r>
+              <a:rPr lang="en-IN" b="1" dirty="0">
+                <a:solidFill>
+                  <a:srgbClr val="0E0E0E"/>
+                </a:solidFill>
+                <a:effectLst/>
+                <a:latin typeface=".SF NS"/>
+              </a:rPr>
+              <a:t>AWS Infrastructure</a:t>
+            </a:r>
+            <a:r>
+              <a:rPr lang="en-IN" dirty="0">
+                <a:solidFill>
+                  <a:srgbClr val="0E0E0E"/>
+                </a:solidFill>
+                <a:effectLst/>
+                <a:latin typeface=".SF NS"/>
+              </a:rPr>
+              <a:t>: High availability and reliability of AWS services (DMS, Glue, Redshift, S3, etc.).</a:t>
+            </a:r>
+          </a:p>
+          <a:p>
+            <a:r>
+              <a:rPr lang="en-IN" dirty="0">
+                <a:solidFill>
+                  <a:srgbClr val="0E0E0E"/>
+                </a:solidFill>
+                <a:effectLst/>
+                <a:latin typeface=".SF NS"/>
+              </a:rPr>
+              <a:t>• </a:t>
+            </a:r>
+            <a:r>
+              <a:rPr lang="en-IN" b="1" dirty="0">
+                <a:solidFill>
+                  <a:srgbClr val="0E0E0E"/>
+                </a:solidFill>
+                <a:effectLst/>
+                <a:latin typeface=".SF NS"/>
+              </a:rPr>
+              <a:t>Redshift Performance</a:t>
+            </a:r>
+            <a:r>
+              <a:rPr lang="en-IN" dirty="0">
+                <a:solidFill>
+                  <a:srgbClr val="0E0E0E"/>
+                </a:solidFill>
+                <a:effectLst/>
+                <a:latin typeface=".SF NS"/>
+              </a:rPr>
+              <a:t>: Cluster auto-scaling handles ETL load, and query performance is optimized.</a:t>
+            </a:r>
+          </a:p>
+          <a:p>
+            <a:r>
+              <a:rPr lang="en-IN" dirty="0">
+                <a:solidFill>
+                  <a:srgbClr val="0E0E0E"/>
+                </a:solidFill>
+                <a:effectLst/>
+                <a:latin typeface=".SF NS"/>
+              </a:rPr>
+              <a:t>• </a:t>
+            </a:r>
+            <a:r>
+              <a:rPr lang="en-IN" b="1" dirty="0">
+                <a:solidFill>
+                  <a:srgbClr val="0E0E0E"/>
+                </a:solidFill>
+                <a:effectLst/>
+                <a:latin typeface=".SF NS"/>
+              </a:rPr>
+              <a:t>IAM Roles</a:t>
+            </a:r>
+            <a:r>
+              <a:rPr lang="en-IN" dirty="0">
+                <a:solidFill>
+                  <a:srgbClr val="0E0E0E"/>
+                </a:solidFill>
+                <a:effectLst/>
+                <a:latin typeface=".SF NS"/>
+              </a:rPr>
+              <a:t>: Permissions are correctly configured for secure inter-service communication.</a:t>
+            </a:r>
+          </a:p>
+          <a:p>
+            <a:r>
+              <a:rPr lang="en-IN" dirty="0">
+                <a:solidFill>
+                  <a:srgbClr val="0E0E0E"/>
+                </a:solidFill>
+                <a:effectLst/>
+                <a:latin typeface=".SF NS"/>
+              </a:rPr>
+              <a:t>• </a:t>
+            </a:r>
+            <a:r>
+              <a:rPr lang="en-IN" b="1" dirty="0">
+                <a:solidFill>
+                  <a:srgbClr val="0E0E0E"/>
+                </a:solidFill>
+                <a:effectLst/>
+                <a:latin typeface=".SF NS"/>
+              </a:rPr>
+              <a:t>Network Stability</a:t>
+            </a:r>
+            <a:r>
+              <a:rPr lang="en-IN" dirty="0">
+                <a:solidFill>
+                  <a:srgbClr val="0E0E0E"/>
+                </a:solidFill>
+                <a:effectLst/>
+                <a:latin typeface=".SF NS"/>
+              </a:rPr>
+              <a:t>: No network latency or connectivity issues between AWS services.</a:t>
+            </a:r>
+          </a:p>
+          <a:p>
+            <a:r>
+              <a:rPr lang="en-IN" dirty="0">
+                <a:solidFill>
+                  <a:srgbClr val="0E0E0E"/>
+                </a:solidFill>
+                <a:effectLst/>
+                <a:latin typeface=".SF NS"/>
+              </a:rPr>
+              <a:t>• </a:t>
+            </a:r>
+            <a:r>
+              <a:rPr lang="en-IN" b="1" dirty="0">
+                <a:solidFill>
+                  <a:srgbClr val="0E0E0E"/>
+                </a:solidFill>
+                <a:effectLst/>
+                <a:latin typeface=".SF NS"/>
+              </a:rPr>
+              <a:t>Scalability</a:t>
+            </a:r>
+            <a:r>
+              <a:rPr lang="en-IN" dirty="0">
+                <a:solidFill>
+                  <a:srgbClr val="0E0E0E"/>
+                </a:solidFill>
+                <a:effectLst/>
+                <a:latin typeface=".SF NS"/>
+              </a:rPr>
+              <a:t>: Assumed data growth is manageable, and architecture can scale horizontally.</a:t>
+            </a:r>
+          </a:p>
+          <a:p>
+            <a:r>
+              <a:rPr lang="en-IN" dirty="0">
+                <a:solidFill>
+                  <a:srgbClr val="0E0E0E"/>
+                </a:solidFill>
+                <a:effectLst/>
+                <a:latin typeface=".SF NS"/>
+              </a:rPr>
+              <a:t>• </a:t>
+            </a:r>
+            <a:r>
+              <a:rPr lang="en-IN" b="1" dirty="0">
+                <a:solidFill>
+                  <a:srgbClr val="0E0E0E"/>
+                </a:solidFill>
+                <a:effectLst/>
+                <a:latin typeface=".SF NS"/>
+              </a:rPr>
+              <a:t>Visualization Compatibility</a:t>
+            </a:r>
+            <a:r>
+              <a:rPr lang="en-IN" dirty="0">
+                <a:solidFill>
+                  <a:srgbClr val="0E0E0E"/>
+                </a:solidFill>
+                <a:effectLst/>
+                <a:latin typeface=".SF NS"/>
+              </a:rPr>
+              <a:t>: </a:t>
+            </a:r>
+            <a:r>
+              <a:rPr lang="en-IN" dirty="0" err="1">
+                <a:solidFill>
+                  <a:srgbClr val="0E0E0E"/>
+                </a:solidFill>
+                <a:effectLst/>
+                <a:latin typeface=".SF NS"/>
+              </a:rPr>
+              <a:t>QuickSight</a:t>
+            </a:r>
+            <a:r>
+              <a:rPr lang="en-IN" dirty="0">
+                <a:solidFill>
+                  <a:srgbClr val="0E0E0E"/>
+                </a:solidFill>
+                <a:effectLst/>
+                <a:latin typeface=".SF NS"/>
+              </a:rPr>
+              <a:t> is fully compatible with the Redshift data structure.</a:t>
+            </a:r>
+          </a:p>
+          <a:p>
+            <a:endParaRPr lang="en-US" dirty="0"/>
           </a:p>
         </p:txBody>
       </p:sp>
@@ -5853,6 +10429,36 @@
           </a:p>
         </p:txBody>
       </p:sp>
+      <p:pic>
+        <p:nvPicPr>
+          <p:cNvPr id="3" name="Picture 2">
+            <a:extLst>
+              <a:ext uri="{FF2B5EF4-FFF2-40B4-BE49-F238E27FC236}">
+                <a16:creationId xmlns:a16="http://schemas.microsoft.com/office/drawing/2014/main" id="{F0D4C5FD-CA4F-8533-EEF1-589E7C4691E7}"/>
+              </a:ext>
+            </a:extLst>
+          </p:cNvPr>
+          <p:cNvPicPr>
+            <a:picLocks noChangeAspect="1"/>
+          </p:cNvPicPr>
+          <p:nvPr/>
+        </p:nvPicPr>
+        <p:blipFill>
+          <a:blip r:embed="rId2"/>
+          <a:stretch>
+            <a:fillRect/>
+          </a:stretch>
+        </p:blipFill>
+        <p:spPr>
+          <a:xfrm>
+            <a:off x="1080796" y="1548455"/>
+            <a:ext cx="10030407" cy="5171101"/>
+          </a:xfrm>
+          <a:prstGeom prst="rect">
+            <a:avLst/>
+          </a:prstGeom>
+        </p:spPr>
+      </p:pic>
     </p:spTree>
     <p:extLst>
       <p:ext uri="{BB962C8B-B14F-4D97-AF65-F5344CB8AC3E}">
@@ -6610,4 +11216,299 @@
     </a:ext>
   </a:extLst>
 </a:theme>
+</file>
+
+<file path=ppt/theme/theme2.xml><?xml version="1.0" encoding="utf-8"?>
+<a:theme xmlns:a="http://schemas.openxmlformats.org/drawingml/2006/main" name="Office Theme">
+  <a:themeElements>
+    <a:clrScheme name="Office">
+      <a:dk1>
+        <a:sysClr val="windowText" lastClr="000000"/>
+      </a:dk1>
+      <a:lt1>
+        <a:sysClr val="window" lastClr="FFFFFF"/>
+      </a:lt1>
+      <a:dk2>
+        <a:srgbClr val="44546A"/>
+      </a:dk2>
+      <a:lt2>
+        <a:srgbClr val="E7E6E6"/>
+      </a:lt2>
+      <a:accent1>
+        <a:srgbClr val="4472C4"/>
+      </a:accent1>
+      <a:accent2>
+        <a:srgbClr val="ED7D31"/>
+      </a:accent2>
+      <a:accent3>
+        <a:srgbClr val="A5A5A5"/>
+      </a:accent3>
+      <a:accent4>
+        <a:srgbClr val="FFC000"/>
+      </a:accent4>
+      <a:accent5>
+        <a:srgbClr val="5B9BD5"/>
+      </a:accent5>
+      <a:accent6>
+        <a:srgbClr val="70AD47"/>
+      </a:accent6>
+      <a:hlink>
+        <a:srgbClr val="0563C1"/>
+      </a:hlink>
+      <a:folHlink>
+        <a:srgbClr val="954F72"/>
+      </a:folHlink>
+    </a:clrScheme>
+    <a:fontScheme name="Office">
+      <a:majorFont>
+        <a:latin typeface="Calibri Light" panose="020F0302020204030204"/>
+        <a:ea typeface=""/>
+        <a:cs typeface=""/>
+        <a:font script="Jpan" typeface="游ゴシック Light"/>
+        <a:font script="Hang" typeface="맑은 고딕"/>
+        <a:font script="Hans" typeface="等线 Light"/>
+        <a:font script="Hant" typeface="新細明體"/>
+        <a:font script="Arab" typeface="Times New Roman"/>
+        <a:font script="Hebr" typeface="Times New Roman"/>
+        <a:font script="Thai" typeface="Angsana New"/>
+        <a:font script="Ethi" typeface="Nyala"/>
+        <a:font script="Beng" typeface="Vrinda"/>
+        <a:font script="Gujr" typeface="Shruti"/>
+        <a:font script="Khmr" typeface="MoolBoran"/>
+        <a:font script="Knda" typeface="Tunga"/>
+        <a:font script="Guru" typeface="Raavi"/>
+        <a:font script="Cans" typeface="Euphemia"/>
+        <a:font script="Cher" typeface="Plantagenet Cherokee"/>
+        <a:font script="Yiii" typeface="Microsoft Yi Baiti"/>
+        <a:font script="Tibt" typeface="Microsoft Himalaya"/>
+        <a:font script="Thaa" typeface="MV Boli"/>
+        <a:font script="Deva" typeface="Mangal"/>
+        <a:font script="Telu" typeface="Gautami"/>
+        <a:font script="Taml" typeface="Latha"/>
+        <a:font script="Syrc" typeface="Estrangelo Edessa"/>
+        <a:font script="Orya" typeface="Kalinga"/>
+        <a:font script="Mlym" typeface="Kartika"/>
+        <a:font script="Laoo" typeface="DokChampa"/>
+        <a:font script="Sinh" typeface="Iskoola Pota"/>
+        <a:font script="Mong" typeface="Mongolian Baiti"/>
+        <a:font script="Viet" typeface="Times New Roman"/>
+        <a:font script="Uigh" typeface="Microsoft Uighur"/>
+        <a:font script="Geor" typeface="Sylfaen"/>
+        <a:font script="Armn" typeface="Arial"/>
+        <a:font script="Bugi" typeface="Leelawadee UI"/>
+        <a:font script="Bopo" typeface="Microsoft JhengHei"/>
+        <a:font script="Java" typeface="Javanese Text"/>
+        <a:font script="Lisu" typeface="Segoe UI"/>
+        <a:font script="Mymr" typeface="Myanmar Text"/>
+        <a:font script="Nkoo" typeface="Ebrima"/>
+        <a:font script="Olck" typeface="Nirmala UI"/>
+        <a:font script="Osma" typeface="Ebrima"/>
+        <a:font script="Phag" typeface="Phagspa"/>
+        <a:font script="Syrn" typeface="Estrangelo Edessa"/>
+        <a:font script="Syrj" typeface="Estrangelo Edessa"/>
+        <a:font script="Syre" typeface="Estrangelo Edessa"/>
+        <a:font script="Sora" typeface="Nirmala UI"/>
+        <a:font script="Tale" typeface="Microsoft Tai Le"/>
+        <a:font script="Talu" typeface="Microsoft New Tai Lue"/>
+        <a:font script="Tfng" typeface="Ebrima"/>
+      </a:majorFont>
+      <a:minorFont>
+        <a:latin typeface="Calibri" panose="020F0502020204030204"/>
+        <a:ea typeface=""/>
+        <a:cs typeface=""/>
+        <a:font script="Jpan" typeface="游ゴシック"/>
+        <a:font script="Hang" typeface="맑은 고딕"/>
+        <a:font script="Hans" typeface="等线"/>
+        <a:font script="Hant" typeface="新細明體"/>
+        <a:font script="Arab" typeface="Arial"/>
+        <a:font script="Hebr" typeface="Arial"/>
+        <a:font script="Thai" typeface="Cordia New"/>
+        <a:font script="Ethi" typeface="Nyala"/>
+        <a:font script="Beng" typeface="Vrinda"/>
+        <a:font script="Gujr" typeface="Shruti"/>
+        <a:font script="Khmr" typeface="DaunPenh"/>
+        <a:font script="Knda" typeface="Tunga"/>
+        <a:font script="Guru" typeface="Raavi"/>
+        <a:font script="Cans" typeface="Euphemia"/>
+        <a:font script="Cher" typeface="Plantagenet Cherokee"/>
+        <a:font script="Yiii" typeface="Microsoft Yi Baiti"/>
+        <a:font script="Tibt" typeface="Microsoft Himalaya"/>
+        <a:font script="Thaa" typeface="MV Boli"/>
+        <a:font script="Deva" typeface="Mangal"/>
+        <a:font script="Telu" typeface="Gautami"/>
+        <a:font script="Taml" typeface="Latha"/>
+        <a:font script="Syrc" typeface="Estrangelo Edessa"/>
+        <a:font script="Orya" typeface="Kalinga"/>
+        <a:font script="Mlym" typeface="Kartika"/>
+        <a:font script="Laoo" typeface="DokChampa"/>
+        <a:font script="Sinh" typeface="Iskoola Pota"/>
+        <a:font script="Mong" typeface="Mongolian Baiti"/>
+        <a:font script="Viet" typeface="Arial"/>
+        <a:font script="Uigh" typeface="Microsoft Uighur"/>
+        <a:font script="Geor" typeface="Sylfaen"/>
+        <a:font script="Armn" typeface="Arial"/>
+        <a:font script="Bugi" typeface="Leelawadee UI"/>
+        <a:font script="Bopo" typeface="Microsoft JhengHei"/>
+        <a:font script="Java" typeface="Javanese Text"/>
+        <a:font script="Lisu" typeface="Segoe UI"/>
+        <a:font script="Mymr" typeface="Myanmar Text"/>
+        <a:font script="Nkoo" typeface="Ebrima"/>
+        <a:font script="Olck" typeface="Nirmala UI"/>
+        <a:font script="Osma" typeface="Ebrima"/>
+        <a:font script="Phag" typeface="Phagspa"/>
+        <a:font script="Syrn" typeface="Estrangelo Edessa"/>
+        <a:font script="Syrj" typeface="Estrangelo Edessa"/>
+        <a:font script="Syre" typeface="Estrangelo Edessa"/>
+        <a:font script="Sora" typeface="Nirmala UI"/>
+        <a:font script="Tale" typeface="Microsoft Tai Le"/>
+        <a:font script="Talu" typeface="Microsoft New Tai Lue"/>
+        <a:font script="Tfng" typeface="Ebrima"/>
+      </a:minorFont>
+    </a:fontScheme>
+    <a:fmtScheme name="Office">
+      <a:fillStyleLst>
+        <a:solidFill>
+          <a:schemeClr val="phClr"/>
+        </a:solidFill>
+        <a:gradFill rotWithShape="1">
+          <a:gsLst>
+            <a:gs pos="0">
+              <a:schemeClr val="phClr">
+                <a:lumMod val="110000"/>
+                <a:satMod val="105000"/>
+                <a:tint val="67000"/>
+              </a:schemeClr>
+            </a:gs>
+            <a:gs pos="50000">
+              <a:schemeClr val="phClr">
+                <a:lumMod val="105000"/>
+                <a:satMod val="103000"/>
+                <a:tint val="73000"/>
+              </a:schemeClr>
+            </a:gs>
+            <a:gs pos="100000">
+              <a:schemeClr val="phClr">
+                <a:lumMod val="105000"/>
+                <a:satMod val="109000"/>
+                <a:tint val="81000"/>
+              </a:schemeClr>
+            </a:gs>
+          </a:gsLst>
+          <a:lin ang="5400000" scaled="0"/>
+        </a:gradFill>
+        <a:gradFill rotWithShape="1">
+          <a:gsLst>
+            <a:gs pos="0">
+              <a:schemeClr val="phClr">
+                <a:satMod val="103000"/>
+                <a:lumMod val="102000"/>
+                <a:tint val="94000"/>
+              </a:schemeClr>
+            </a:gs>
+            <a:gs pos="50000">
+              <a:schemeClr val="phClr">
+                <a:satMod val="110000"/>
+                <a:lumMod val="100000"/>
+                <a:shade val="100000"/>
+              </a:schemeClr>
+            </a:gs>
+            <a:gs pos="100000">
+              <a:schemeClr val="phClr">
+                <a:lumMod val="99000"/>
+                <a:satMod val="120000"/>
+                <a:shade val="78000"/>
+              </a:schemeClr>
+            </a:gs>
+          </a:gsLst>
+          <a:lin ang="5400000" scaled="0"/>
+        </a:gradFill>
+      </a:fillStyleLst>
+      <a:lnStyleLst>
+        <a:ln w="6350" cap="flat" cmpd="sng" algn="ctr">
+          <a:solidFill>
+            <a:schemeClr val="phClr"/>
+          </a:solidFill>
+          <a:prstDash val="solid"/>
+          <a:miter lim="800000"/>
+        </a:ln>
+        <a:ln w="12700" cap="flat" cmpd="sng" algn="ctr">
+          <a:solidFill>
+            <a:schemeClr val="phClr"/>
+          </a:solidFill>
+          <a:prstDash val="solid"/>
+          <a:miter lim="800000"/>
+        </a:ln>
+        <a:ln w="19050" cap="flat" cmpd="sng" algn="ctr">
+          <a:solidFill>
+            <a:schemeClr val="phClr"/>
+          </a:solidFill>
+          <a:prstDash val="solid"/>
+          <a:miter lim="800000"/>
+        </a:ln>
+      </a:lnStyleLst>
+      <a:effectStyleLst>
+        <a:effectStyle>
+          <a:effectLst/>
+        </a:effectStyle>
+        <a:effectStyle>
+          <a:effectLst/>
+        </a:effectStyle>
+        <a:effectStyle>
+          <a:effectLst>
+            <a:outerShdw blurRad="57150" dist="19050" dir="5400000" algn="ctr" rotWithShape="0">
+              <a:srgbClr val="000000">
+                <a:alpha val="63000"/>
+              </a:srgbClr>
+            </a:outerShdw>
+          </a:effectLst>
+        </a:effectStyle>
+      </a:effectStyleLst>
+      <a:bgFillStyleLst>
+        <a:solidFill>
+          <a:schemeClr val="phClr"/>
+        </a:solidFill>
+        <a:solidFill>
+          <a:schemeClr val="phClr">
+            <a:tint val="95000"/>
+            <a:satMod val="170000"/>
+          </a:schemeClr>
+        </a:solidFill>
+        <a:gradFill rotWithShape="1">
+          <a:gsLst>
+            <a:gs pos="0">
+              <a:schemeClr val="phClr">
+                <a:tint val="93000"/>
+                <a:satMod val="150000"/>
+                <a:shade val="98000"/>
+                <a:lumMod val="102000"/>
+              </a:schemeClr>
+            </a:gs>
+            <a:gs pos="50000">
+              <a:schemeClr val="phClr">
+                <a:tint val="98000"/>
+                <a:satMod val="130000"/>
+                <a:shade val="90000"/>
+                <a:lumMod val="103000"/>
+              </a:schemeClr>
+            </a:gs>
+            <a:gs pos="100000">
+              <a:schemeClr val="phClr">
+                <a:shade val="63000"/>
+                <a:satMod val="120000"/>
+              </a:schemeClr>
+            </a:gs>
+          </a:gsLst>
+          <a:lin ang="5400000" scaled="0"/>
+        </a:gradFill>
+      </a:bgFillStyleLst>
+    </a:fmtScheme>
+  </a:themeElements>
+  <a:objectDefaults/>
+  <a:extraClrSchemeLst/>
+  <a:extLst>
+    <a:ext uri="{05A4C25C-085E-4340-85A3-A5531E510DB2}">
+      <thm15:themeFamily xmlns:thm15="http://schemas.microsoft.com/office/thememl/2012/main" name="Office Theme" id="{62F939B6-93AF-4DB8-9C6B-D6C7DFDC589F}" vid="{4A3C46E8-61CC-4603-A589-7422A47A8E4A}"/>
+    </a:ext>
+  </a:extLst>
+</a:theme>
 </file>
--- a/Craft-Demo.pptx
+++ b/Craft-Demo.pptx
@@ -5,7 +5,7 @@
     <p:sldMasterId id="2147483869" r:id="rId1"/>
   </p:sldMasterIdLst>
   <p:notesMasterIdLst>
-    <p:notesMasterId r:id="rId23"/>
+    <p:notesMasterId r:id="rId25"/>
   </p:notesMasterIdLst>
   <p:sldIdLst>
     <p:sldId id="256" r:id="rId2"/>
@@ -21,14 +21,16 @@
     <p:sldId id="266" r:id="rId12"/>
     <p:sldId id="267" r:id="rId13"/>
     <p:sldId id="268" r:id="rId14"/>
-    <p:sldId id="269" r:id="rId15"/>
-    <p:sldId id="270" r:id="rId16"/>
-    <p:sldId id="271" r:id="rId17"/>
-    <p:sldId id="272" r:id="rId18"/>
-    <p:sldId id="273" r:id="rId19"/>
-    <p:sldId id="274" r:id="rId20"/>
-    <p:sldId id="275" r:id="rId21"/>
-    <p:sldId id="276" r:id="rId22"/>
+    <p:sldId id="278" r:id="rId15"/>
+    <p:sldId id="269" r:id="rId16"/>
+    <p:sldId id="270" r:id="rId17"/>
+    <p:sldId id="271" r:id="rId18"/>
+    <p:sldId id="272" r:id="rId19"/>
+    <p:sldId id="273" r:id="rId20"/>
+    <p:sldId id="274" r:id="rId21"/>
+    <p:sldId id="275" r:id="rId22"/>
+    <p:sldId id="276" r:id="rId23"/>
+    <p:sldId id="277" r:id="rId24"/>
   </p:sldIdLst>
   <p:sldSz cx="12192000" cy="6858000"/>
   <p:notesSz cx="6858000" cy="9144000"/>
@@ -217,7 +219,7 @@
           <a:p>
             <a:fld id="{91524035-7B34-EB41-8337-C8AE9E13B159}" type="datetimeFigureOut">
               <a:rPr lang="en-US" smtClean="0"/>
-              <a:t>9/10/24</a:t>
+              <a:t>9/11/24</a:t>
             </a:fld>
             <a:endParaRPr lang="en-US"/>
           </a:p>
@@ -732,7 +734,7 @@
           <a:p>
             <a:fld id="{554481C7-0138-F44B-8530-CFF53F765260}" type="datetimeFigureOut">
               <a:rPr lang="en-US" smtClean="0"/>
-              <a:t>9/10/24</a:t>
+              <a:t>9/11/24</a:t>
             </a:fld>
             <a:endParaRPr lang="en-US"/>
           </a:p>
@@ -902,7 +904,7 @@
           <a:p>
             <a:fld id="{554481C7-0138-F44B-8530-CFF53F765260}" type="datetimeFigureOut">
               <a:rPr lang="en-US" smtClean="0"/>
-              <a:t>9/10/24</a:t>
+              <a:t>9/11/24</a:t>
             </a:fld>
             <a:endParaRPr lang="en-US"/>
           </a:p>
@@ -1082,7 +1084,7 @@
           <a:p>
             <a:fld id="{554481C7-0138-F44B-8530-CFF53F765260}" type="datetimeFigureOut">
               <a:rPr lang="en-US" smtClean="0"/>
-              <a:t>9/10/24</a:t>
+              <a:t>9/11/24</a:t>
             </a:fld>
             <a:endParaRPr lang="en-US"/>
           </a:p>
@@ -1252,7 +1254,7 @@
           <a:p>
             <a:fld id="{554481C7-0138-F44B-8530-CFF53F765260}" type="datetimeFigureOut">
               <a:rPr lang="en-US" smtClean="0"/>
-              <a:t>9/10/24</a:t>
+              <a:t>9/11/24</a:t>
             </a:fld>
             <a:endParaRPr lang="en-US"/>
           </a:p>
@@ -1520,7 +1522,7 @@
           <a:p>
             <a:fld id="{554481C7-0138-F44B-8530-CFF53F765260}" type="datetimeFigureOut">
               <a:rPr lang="en-US" smtClean="0"/>
-              <a:t>9/10/24</a:t>
+              <a:t>9/11/24</a:t>
             </a:fld>
             <a:endParaRPr lang="en-US"/>
           </a:p>
@@ -1752,7 +1754,7 @@
           <a:p>
             <a:fld id="{554481C7-0138-F44B-8530-CFF53F765260}" type="datetimeFigureOut">
               <a:rPr lang="en-US" smtClean="0"/>
-              <a:t>9/10/24</a:t>
+              <a:t>9/11/24</a:t>
             </a:fld>
             <a:endParaRPr lang="en-US"/>
           </a:p>
@@ -2116,7 +2118,7 @@
           <a:p>
             <a:fld id="{554481C7-0138-F44B-8530-CFF53F765260}" type="datetimeFigureOut">
               <a:rPr lang="en-US" smtClean="0"/>
-              <a:t>9/10/24</a:t>
+              <a:t>9/11/24</a:t>
             </a:fld>
             <a:endParaRPr lang="en-US"/>
           </a:p>
@@ -2257,7 +2259,7 @@
           <a:p>
             <a:fld id="{554481C7-0138-F44B-8530-CFF53F765260}" type="datetimeFigureOut">
               <a:rPr lang="en-US" smtClean="0"/>
-              <a:t>9/10/24</a:t>
+              <a:t>9/11/24</a:t>
             </a:fld>
             <a:endParaRPr lang="en-US"/>
           </a:p>
@@ -2352,7 +2354,7 @@
           <a:p>
             <a:fld id="{554481C7-0138-F44B-8530-CFF53F765260}" type="datetimeFigureOut">
               <a:rPr lang="en-US" smtClean="0"/>
-              <a:t>9/10/24</a:t>
+              <a:t>9/11/24</a:t>
             </a:fld>
             <a:endParaRPr lang="en-US"/>
           </a:p>
@@ -2709,7 +2711,7 @@
           <a:p>
             <a:fld id="{554481C7-0138-F44B-8530-CFF53F765260}" type="datetimeFigureOut">
               <a:rPr lang="en-US" smtClean="0"/>
-              <a:t>9/10/24</a:t>
+              <a:t>9/11/24</a:t>
             </a:fld>
             <a:endParaRPr lang="en-US"/>
           </a:p>
@@ -3071,7 +3073,7 @@
           <a:p>
             <a:fld id="{554481C7-0138-F44B-8530-CFF53F765260}" type="datetimeFigureOut">
               <a:rPr lang="en-US" smtClean="0"/>
-              <a:t>9/10/24</a:t>
+              <a:t>9/11/24</a:t>
             </a:fld>
             <a:endParaRPr lang="en-US"/>
           </a:p>
@@ -3313,7 +3315,7 @@
           <a:p>
             <a:fld id="{554481C7-0138-F44B-8530-CFF53F765260}" type="datetimeFigureOut">
               <a:rPr lang="en-US" smtClean="0"/>
-              <a:t>9/10/24</a:t>
+              <a:t>9/11/24</a:t>
             </a:fld>
             <a:endParaRPr lang="en-US"/>
           </a:p>
@@ -3805,36 +3807,6 @@
           </a:p>
         </p:txBody>
       </p:sp>
-      <p:sp>
-        <p:nvSpPr>
-          <p:cNvPr id="3" name="Subtitle 2">
-            <a:extLst>
-              <a:ext uri="{FF2B5EF4-FFF2-40B4-BE49-F238E27FC236}">
-                <a16:creationId xmlns:a16="http://schemas.microsoft.com/office/drawing/2014/main" id="{61FE91DF-4CA5-9192-74FE-544C25B8E4FC}"/>
-              </a:ext>
-            </a:extLst>
-          </p:cNvPr>
-          <p:cNvSpPr>
-            <a:spLocks noGrp="1"/>
-          </p:cNvSpPr>
-          <p:nvPr>
-            <p:ph type="subTitle" idx="1"/>
-          </p:nvPr>
-        </p:nvSpPr>
-        <p:spPr>
-          <a:xfrm>
-            <a:off x="2695194" y="3429000"/>
-            <a:ext cx="6801612" cy="1239894"/>
-          </a:xfrm>
-        </p:spPr>
-        <p:txBody>
-          <a:bodyPr/>
-          <a:lstStyle/>
-          <a:p>
-            <a:endParaRPr lang="en-US" dirty="0"/>
-          </a:p>
-        </p:txBody>
-      </p:sp>
     </p:spTree>
     <p:extLst>
       <p:ext uri="{BB962C8B-B14F-4D97-AF65-F5344CB8AC3E}">
@@ -4214,7 +4186,7 @@
                 <a:latin typeface="Calibri" panose="020F0502020204030204" pitchFamily="34" charset="0"/>
                 <a:cs typeface="Calibri" panose="020F0502020204030204" pitchFamily="34" charset="0"/>
               </a:rPr>
-              <a:t>: Partition S3 data (daily/hourly) for optimized querying and cost control.</a:t>
+              <a:t>: Partition S3 data (database/schema/table) for optimized querying and cost control.</a:t>
             </a:r>
           </a:p>
           <a:p>
@@ -4563,7 +4535,7 @@
         <p:spPr>
           <a:xfrm>
             <a:off x="1314882" y="1800808"/>
-            <a:ext cx="9562233" cy="4247317"/>
+            <a:ext cx="10330777" cy="3693319"/>
           </a:xfrm>
           <a:prstGeom prst="rect">
             <a:avLst/>
@@ -4997,7 +4969,7 @@
                 <a:latin typeface="Calibri" panose="020F0502020204030204" pitchFamily="34" charset="0"/>
                 <a:cs typeface="Calibri" panose="020F0502020204030204" pitchFamily="34" charset="0"/>
               </a:rPr>
-              <a:t>DIST &amp; SORT Keys</a:t>
+              <a:t>DIST,SORT Keys, Compression, Encoding</a:t>
             </a:r>
             <a:r>
               <a:rPr lang="en-IN" dirty="0">
@@ -5150,26 +5122,6 @@
               </a:rPr>
               <a:t>: Glue and Redshift both auto-scale to handle data at Amazon scale.</a:t>
             </a:r>
-          </a:p>
-          <a:p>
-            <a:endParaRPr lang="en-IN" dirty="0">
-              <a:solidFill>
-                <a:srgbClr val="0E0E0E"/>
-              </a:solidFill>
-              <a:effectLst/>
-              <a:latin typeface="Calibri" panose="020F0502020204030204" pitchFamily="34" charset="0"/>
-              <a:cs typeface="Calibri" panose="020F0502020204030204" pitchFamily="34" charset="0"/>
-            </a:endParaRPr>
-          </a:p>
-          <a:p>
-            <a:endParaRPr lang="en-IN" dirty="0">
-              <a:solidFill>
-                <a:srgbClr val="0E0E0E"/>
-              </a:solidFill>
-              <a:effectLst/>
-              <a:latin typeface="Calibri" panose="020F0502020204030204" pitchFamily="34" charset="0"/>
-              <a:cs typeface="Calibri" panose="020F0502020204030204" pitchFamily="34" charset="0"/>
-            </a:endParaRPr>
           </a:p>
         </p:txBody>
       </p:sp>
@@ -5559,7 +5511,7 @@
         <p:spPr>
           <a:xfrm>
             <a:off x="1159744" y="1903445"/>
-            <a:ext cx="9872511" cy="5078313"/>
+            <a:ext cx="10334176" cy="5078313"/>
           </a:xfrm>
           <a:prstGeom prst="rect">
             <a:avLst/>
@@ -5773,7 +5725,7 @@
                 <a:latin typeface="Calibri" panose="020F0502020204030204" pitchFamily="34" charset="0"/>
                 <a:cs typeface="Calibri" panose="020F0502020204030204" pitchFamily="34" charset="0"/>
               </a:rPr>
-              <a:t>• </a:t>
+              <a:t>	• </a:t>
             </a:r>
             <a:r>
               <a:rPr lang="en-IN" b="1" dirty="0">
@@ -5830,7 +5782,7 @@
                 <a:latin typeface="Calibri" panose="020F0502020204030204" pitchFamily="34" charset="0"/>
                 <a:cs typeface="Calibri" panose="020F0502020204030204" pitchFamily="34" charset="0"/>
               </a:rPr>
-              <a:t>• </a:t>
+              <a:t>	• </a:t>
             </a:r>
             <a:r>
               <a:rPr lang="en-IN" b="1" dirty="0">
@@ -5961,7 +5913,7 @@
                 <a:latin typeface="Calibri" panose="020F0502020204030204" pitchFamily="34" charset="0"/>
                 <a:cs typeface="Calibri" panose="020F0502020204030204" pitchFamily="34" charset="0"/>
               </a:rPr>
-              <a:t>• Delete any partial records before reloading.</a:t>
+              <a:t>	• Delete any partial records before reloading.</a:t>
             </a:r>
           </a:p>
           <a:p>
@@ -6009,6 +5961,66 @@
 </file>
 
 <file path=ppt/slides/slide14.xml><?xml version="1.0" encoding="utf-8"?>
+<p:sld xmlns:a="http://schemas.openxmlformats.org/drawingml/2006/main" xmlns:r="http://schemas.openxmlformats.org/officeDocument/2006/relationships" xmlns:p="http://schemas.openxmlformats.org/presentationml/2006/main">
+  <p:cSld>
+    <p:spTree>
+      <p:nvGrpSpPr>
+        <p:cNvPr id="1" name=""/>
+        <p:cNvGrpSpPr/>
+        <p:nvPr/>
+      </p:nvGrpSpPr>
+      <p:grpSpPr>
+        <a:xfrm>
+          <a:off x="0" y="0"/>
+          <a:ext cx="0" cy="0"/>
+          <a:chOff x="0" y="0"/>
+          <a:chExt cx="0" cy="0"/>
+        </a:xfrm>
+      </p:grpSpPr>
+      <p:pic>
+        <p:nvPicPr>
+          <p:cNvPr id="3" name="Picture 2">
+            <a:extLst>
+              <a:ext uri="{FF2B5EF4-FFF2-40B4-BE49-F238E27FC236}">
+                <a16:creationId xmlns:a16="http://schemas.microsoft.com/office/drawing/2014/main" id="{CD506479-C443-5DF4-F20A-403A1F68E7BE}"/>
+              </a:ext>
+            </a:extLst>
+          </p:cNvPr>
+          <p:cNvPicPr>
+            <a:picLocks noChangeAspect="1"/>
+          </p:cNvPicPr>
+          <p:nvPr/>
+        </p:nvPicPr>
+        <p:blipFill>
+          <a:blip r:embed="rId2"/>
+          <a:stretch>
+            <a:fillRect/>
+          </a:stretch>
+        </p:blipFill>
+        <p:spPr>
+          <a:xfrm>
+            <a:off x="2632905" y="0"/>
+            <a:ext cx="6926190" cy="6858000"/>
+          </a:xfrm>
+          <a:prstGeom prst="rect">
+            <a:avLst/>
+          </a:prstGeom>
+        </p:spPr>
+      </p:pic>
+    </p:spTree>
+    <p:extLst>
+      <p:ext uri="{BB962C8B-B14F-4D97-AF65-F5344CB8AC3E}">
+        <p14:creationId xmlns:p14="http://schemas.microsoft.com/office/powerpoint/2010/main" val="1570175675"/>
+      </p:ext>
+    </p:extLst>
+  </p:cSld>
+  <p:clrMapOvr>
+    <a:masterClrMapping/>
+  </p:clrMapOvr>
+</p:sld>
+</file>
+
+<file path=ppt/slides/slide15.xml><?xml version="1.0" encoding="utf-8"?>
 <p:sld xmlns:a="http://schemas.openxmlformats.org/drawingml/2006/main" xmlns:r="http://schemas.openxmlformats.org/officeDocument/2006/relationships" xmlns:p="http://schemas.openxmlformats.org/presentationml/2006/main">
   <p:cSld>
     <p:spTree>
@@ -6068,7 +6080,7 @@
         <p:spPr>
           <a:xfrm>
             <a:off x="1542349" y="2593910"/>
-            <a:ext cx="9107301" cy="3139321"/>
+            <a:ext cx="9107301" cy="2862322"/>
           </a:xfrm>
           <a:prstGeom prst="rect">
             <a:avLst/>
@@ -6141,288 +6153,288 @@
                 <a:effectLst/>
                 <a:latin typeface=".SF NS"/>
               </a:rPr>
+              <a:t>	• </a:t>
+            </a:r>
+            <a:r>
+              <a:rPr lang="en-IN" dirty="0" err="1">
+                <a:solidFill>
+                  <a:srgbClr val="0E0E0E"/>
+                </a:solidFill>
+                <a:effectLst/>
+                <a:latin typeface=".SF NS"/>
+              </a:rPr>
+              <a:t>Preactions</a:t>
+            </a:r>
+            <a:r>
+              <a:rPr lang="en-IN" dirty="0">
+                <a:solidFill>
+                  <a:srgbClr val="0E0E0E"/>
+                </a:solidFill>
+                <a:effectLst/>
+                <a:latin typeface=".SF NS"/>
+              </a:rPr>
+              <a:t>: Truncate stage tables or clean up partial loads.</a:t>
+            </a:r>
+          </a:p>
+          <a:p>
+            <a:r>
+              <a:rPr lang="en-IN" dirty="0">
+                <a:solidFill>
+                  <a:srgbClr val="0E0E0E"/>
+                </a:solidFill>
+                <a:effectLst/>
+                <a:latin typeface=".SF NS"/>
+              </a:rPr>
+              <a:t>	• </a:t>
+            </a:r>
+            <a:r>
+              <a:rPr lang="en-IN" dirty="0" err="1">
+                <a:solidFill>
+                  <a:srgbClr val="0E0E0E"/>
+                </a:solidFill>
+                <a:effectLst/>
+                <a:latin typeface=".SF NS"/>
+              </a:rPr>
+              <a:t>Postactions</a:t>
+            </a:r>
+            <a:r>
+              <a:rPr lang="en-IN" dirty="0">
+                <a:solidFill>
+                  <a:srgbClr val="0E0E0E"/>
+                </a:solidFill>
+                <a:effectLst/>
+                <a:latin typeface=".SF NS"/>
+              </a:rPr>
+              <a:t>: Maintain metadata (e.g., audit logs).</a:t>
+            </a:r>
+          </a:p>
+          <a:p>
+            <a:r>
+              <a:rPr lang="en-IN" dirty="0">
+                <a:solidFill>
+                  <a:srgbClr val="0E0E0E"/>
+                </a:solidFill>
+                <a:effectLst/>
+                <a:latin typeface=".SF NS"/>
+              </a:rPr>
               <a:t>• </a:t>
             </a:r>
             <a:r>
+              <a:rPr lang="en-IN" b="1" dirty="0">
+                <a:solidFill>
+                  <a:srgbClr val="0E0E0E"/>
+                </a:solidFill>
+                <a:effectLst/>
+                <a:latin typeface=".SF NS"/>
+              </a:rPr>
+              <a:t>Batching and Parallelism</a:t>
+            </a:r>
+            <a:r>
+              <a:rPr lang="en-IN" dirty="0">
+                <a:solidFill>
+                  <a:srgbClr val="0E0E0E"/>
+                </a:solidFill>
+                <a:effectLst/>
+                <a:latin typeface=".SF NS"/>
+              </a:rPr>
+              <a:t>: Efficient batch processing and parallel writes to Redshift.</a:t>
+            </a:r>
+          </a:p>
+          <a:p>
+            <a:r>
+              <a:rPr lang="en-IN" dirty="0">
+                <a:solidFill>
+                  <a:srgbClr val="0E0E0E"/>
+                </a:solidFill>
+                <a:effectLst/>
+                <a:latin typeface=".SF NS"/>
+              </a:rPr>
+              <a:t>• </a:t>
+            </a:r>
+            <a:r>
+              <a:rPr lang="en-IN" b="1" dirty="0">
+                <a:solidFill>
+                  <a:srgbClr val="0E0E0E"/>
+                </a:solidFill>
+                <a:effectLst/>
+                <a:latin typeface=".SF NS"/>
+              </a:rPr>
+              <a:t>Compression and Encoding</a:t>
+            </a:r>
+            <a:r>
+              <a:rPr lang="en-IN" dirty="0">
+                <a:solidFill>
+                  <a:srgbClr val="0E0E0E"/>
+                </a:solidFill>
+                <a:effectLst/>
+                <a:latin typeface=".SF NS"/>
+              </a:rPr>
+              <a:t>: Use of </a:t>
+            </a:r>
+            <a:r>
+              <a:rPr lang="en-IN" dirty="0">
+                <a:solidFill>
+                  <a:srgbClr val="0E0E0E"/>
+                </a:solidFill>
+                <a:effectLst/>
+                <a:latin typeface=".AppleSystemUIFontMonospaced"/>
+              </a:rPr>
+              <a:t>ZSTD</a:t>
+            </a:r>
+            <a:r>
+              <a:rPr lang="en-IN" dirty="0">
+                <a:solidFill>
+                  <a:srgbClr val="0E0E0E"/>
+                </a:solidFill>
+                <a:effectLst/>
+                <a:latin typeface=".SF NS"/>
+              </a:rPr>
+              <a:t> for optimal storage and performance.</a:t>
+            </a:r>
+          </a:p>
+          <a:p>
+            <a:r>
+              <a:rPr lang="en-IN" dirty="0">
+                <a:solidFill>
+                  <a:srgbClr val="0E0E0E"/>
+                </a:solidFill>
+                <a:effectLst/>
+                <a:latin typeface=".SF NS"/>
+              </a:rPr>
+              <a:t>• </a:t>
+            </a:r>
+            <a:r>
+              <a:rPr lang="en-IN" b="1" dirty="0">
+                <a:solidFill>
+                  <a:srgbClr val="0E0E0E"/>
+                </a:solidFill>
+                <a:effectLst/>
+                <a:latin typeface=".SF NS"/>
+              </a:rPr>
+              <a:t>Error Handling and Idempotency</a:t>
+            </a:r>
+            <a:r>
+              <a:rPr lang="en-IN" dirty="0">
+                <a:solidFill>
+                  <a:srgbClr val="0E0E0E"/>
+                </a:solidFill>
+                <a:effectLst/>
+                <a:latin typeface=".SF NS"/>
+              </a:rPr>
+              <a:t>: Ensure the load process can be restarted without data loss.</a:t>
+            </a:r>
+          </a:p>
+          <a:p>
+            <a:r>
+              <a:rPr lang="en-IN" dirty="0">
+                <a:solidFill>
+                  <a:srgbClr val="0E0E0E"/>
+                </a:solidFill>
+                <a:effectLst/>
+                <a:latin typeface=".SF NS"/>
+              </a:rPr>
+              <a:t>• </a:t>
+            </a:r>
+            <a:r>
+              <a:rPr lang="en-IN" b="1" dirty="0">
+                <a:solidFill>
+                  <a:srgbClr val="0E0E0E"/>
+                </a:solidFill>
+                <a:effectLst/>
+                <a:latin typeface=".SF NS"/>
+              </a:rPr>
+              <a:t>Distribution Style</a:t>
+            </a:r>
+            <a:r>
+              <a:rPr lang="en-IN" dirty="0">
+                <a:solidFill>
+                  <a:srgbClr val="0E0E0E"/>
+                </a:solidFill>
+                <a:effectLst/>
+                <a:latin typeface=".SF NS"/>
+              </a:rPr>
+              <a:t>: Used </a:t>
+            </a:r>
+            <a:r>
+              <a:rPr lang="en-IN" b="1" dirty="0">
+                <a:solidFill>
+                  <a:srgbClr val="0E0E0E"/>
+                </a:solidFill>
+                <a:effectLst/>
+                <a:latin typeface=".SF NS"/>
+              </a:rPr>
+              <a:t>KEY</a:t>
+            </a:r>
+            <a:r>
+              <a:rPr lang="en-IN" dirty="0">
+                <a:solidFill>
+                  <a:srgbClr val="0E0E0E"/>
+                </a:solidFill>
+                <a:effectLst/>
+                <a:latin typeface=".SF NS"/>
+              </a:rPr>
+              <a:t> for dimensions and </a:t>
+            </a:r>
+            <a:r>
+              <a:rPr lang="en-IN" b="1" dirty="0">
+                <a:solidFill>
+                  <a:srgbClr val="0E0E0E"/>
+                </a:solidFill>
+                <a:effectLst/>
+                <a:latin typeface=".SF NS"/>
+              </a:rPr>
+              <a:t>EVEN</a:t>
+            </a:r>
+            <a:r>
+              <a:rPr lang="en-IN" dirty="0">
+                <a:solidFill>
+                  <a:srgbClr val="0E0E0E"/>
+                </a:solidFill>
+                <a:effectLst/>
+                <a:latin typeface=".SF NS"/>
+              </a:rPr>
+              <a:t> for staging tables.</a:t>
+            </a:r>
+          </a:p>
+          <a:p>
+            <a:r>
+              <a:rPr lang="en-IN" dirty="0">
+                <a:solidFill>
+                  <a:srgbClr val="0E0E0E"/>
+                </a:solidFill>
+                <a:effectLst/>
+                <a:latin typeface=".SF NS"/>
+              </a:rPr>
+              <a:t>• </a:t>
+            </a:r>
+            <a:r>
+              <a:rPr lang="en-IN" b="1" dirty="0">
+                <a:solidFill>
+                  <a:srgbClr val="0E0E0E"/>
+                </a:solidFill>
+                <a:effectLst/>
+                <a:latin typeface=".SF NS"/>
+              </a:rPr>
+              <a:t>Sort Keys</a:t>
+            </a:r>
+            <a:r>
+              <a:rPr lang="en-IN" dirty="0">
+                <a:solidFill>
+                  <a:srgbClr val="0E0E0E"/>
+                </a:solidFill>
+                <a:effectLst/>
+                <a:latin typeface=".SF NS"/>
+              </a:rPr>
+              <a:t>: Optimized for common query patterns (e.g., </a:t>
+            </a:r>
+            <a:r>
               <a:rPr lang="en-IN" dirty="0" err="1">
                 <a:solidFill>
                   <a:srgbClr val="0E0E0E"/>
                 </a:solidFill>
                 <a:effectLst/>
-                <a:latin typeface=".SF NS"/>
-              </a:rPr>
-              <a:t>Preactions</a:t>
-            </a:r>
-            <a:r>
-              <a:rPr lang="en-IN" dirty="0">
-                <a:solidFill>
-                  <a:srgbClr val="0E0E0E"/>
-                </a:solidFill>
-                <a:effectLst/>
-                <a:latin typeface=".SF NS"/>
-              </a:rPr>
-              <a:t>: Truncate stage tables or clean up partial loads.</a:t>
-            </a:r>
-          </a:p>
-          <a:p>
-            <a:r>
-              <a:rPr lang="en-IN" dirty="0">
-                <a:solidFill>
-                  <a:srgbClr val="0E0E0E"/>
-                </a:solidFill>
-                <a:effectLst/>
-                <a:latin typeface=".SF NS"/>
-              </a:rPr>
-              <a:t>• </a:t>
-            </a:r>
-            <a:r>
-              <a:rPr lang="en-IN" dirty="0" err="1">
-                <a:solidFill>
-                  <a:srgbClr val="0E0E0E"/>
-                </a:solidFill>
-                <a:effectLst/>
-                <a:latin typeface=".SF NS"/>
-              </a:rPr>
-              <a:t>Postactions</a:t>
-            </a:r>
-            <a:r>
-              <a:rPr lang="en-IN" dirty="0">
-                <a:solidFill>
-                  <a:srgbClr val="0E0E0E"/>
-                </a:solidFill>
-                <a:effectLst/>
-                <a:latin typeface=".SF NS"/>
-              </a:rPr>
-              <a:t>: Maintain metadata (e.g., audit logs).</a:t>
-            </a:r>
-          </a:p>
-          <a:p>
-            <a:r>
-              <a:rPr lang="en-IN" dirty="0">
-                <a:solidFill>
-                  <a:srgbClr val="0E0E0E"/>
-                </a:solidFill>
-                <a:effectLst/>
-                <a:latin typeface=".SF NS"/>
-              </a:rPr>
-              <a:t>• </a:t>
-            </a:r>
-            <a:r>
-              <a:rPr lang="en-IN" b="1" dirty="0">
-                <a:solidFill>
-                  <a:srgbClr val="0E0E0E"/>
-                </a:solidFill>
-                <a:effectLst/>
-                <a:latin typeface=".SF NS"/>
-              </a:rPr>
-              <a:t>Batching and Parallelism</a:t>
-            </a:r>
-            <a:r>
-              <a:rPr lang="en-IN" dirty="0">
-                <a:solidFill>
-                  <a:srgbClr val="0E0E0E"/>
-                </a:solidFill>
-                <a:effectLst/>
-                <a:latin typeface=".SF NS"/>
-              </a:rPr>
-              <a:t>: Efficient batch processing and parallel writes to Redshift.</a:t>
-            </a:r>
-          </a:p>
-          <a:p>
-            <a:r>
-              <a:rPr lang="en-IN" dirty="0">
-                <a:solidFill>
-                  <a:srgbClr val="0E0E0E"/>
-                </a:solidFill>
-                <a:effectLst/>
-                <a:latin typeface=".SF NS"/>
-              </a:rPr>
-              <a:t>• </a:t>
-            </a:r>
-            <a:r>
-              <a:rPr lang="en-IN" b="1" dirty="0">
-                <a:solidFill>
-                  <a:srgbClr val="0E0E0E"/>
-                </a:solidFill>
-                <a:effectLst/>
-                <a:latin typeface=".SF NS"/>
-              </a:rPr>
-              <a:t>Compression and Encoding</a:t>
-            </a:r>
-            <a:r>
-              <a:rPr lang="en-IN" dirty="0">
-                <a:solidFill>
-                  <a:srgbClr val="0E0E0E"/>
-                </a:solidFill>
-                <a:effectLst/>
-                <a:latin typeface=".SF NS"/>
-              </a:rPr>
-              <a:t>: Use of </a:t>
-            </a:r>
-            <a:r>
-              <a:rPr lang="en-IN" dirty="0">
-                <a:solidFill>
-                  <a:srgbClr val="0E0E0E"/>
-                </a:solidFill>
-                <a:effectLst/>
                 <a:latin typeface=".AppleSystemUIFontMonospaced"/>
               </a:rPr>
-              <a:t>ZSTD</a:t>
-            </a:r>
-            <a:r>
-              <a:rPr lang="en-IN" dirty="0">
-                <a:solidFill>
-                  <a:srgbClr val="0E0E0E"/>
-                </a:solidFill>
-                <a:effectLst/>
-                <a:latin typeface=".SF NS"/>
-              </a:rPr>
-              <a:t> for optimal storage and performance.</a:t>
-            </a:r>
-          </a:p>
-          <a:p>
-            <a:r>
-              <a:rPr lang="en-IN" dirty="0">
-                <a:solidFill>
-                  <a:srgbClr val="0E0E0E"/>
-                </a:solidFill>
-                <a:effectLst/>
-                <a:latin typeface=".SF NS"/>
-              </a:rPr>
-              <a:t>• </a:t>
-            </a:r>
-            <a:r>
-              <a:rPr lang="en-IN" b="1" dirty="0">
-                <a:solidFill>
-                  <a:srgbClr val="0E0E0E"/>
-                </a:solidFill>
-                <a:effectLst/>
-                <a:latin typeface=".SF NS"/>
-              </a:rPr>
-              <a:t>Error Handling and Idempotency</a:t>
-            </a:r>
-            <a:r>
-              <a:rPr lang="en-IN" dirty="0">
-                <a:solidFill>
-                  <a:srgbClr val="0E0E0E"/>
-                </a:solidFill>
-                <a:effectLst/>
-                <a:latin typeface=".SF NS"/>
-              </a:rPr>
-              <a:t>: Ensure the load process can be restarted without data loss.</a:t>
-            </a:r>
-          </a:p>
-          <a:p>
-            <a:r>
-              <a:rPr lang="en-IN" dirty="0">
-                <a:solidFill>
-                  <a:srgbClr val="0E0E0E"/>
-                </a:solidFill>
-                <a:effectLst/>
-                <a:latin typeface=".SF NS"/>
-              </a:rPr>
-              <a:t>• </a:t>
-            </a:r>
-            <a:r>
-              <a:rPr lang="en-IN" b="1" dirty="0">
-                <a:solidFill>
-                  <a:srgbClr val="0E0E0E"/>
-                </a:solidFill>
-                <a:effectLst/>
-                <a:latin typeface=".SF NS"/>
-              </a:rPr>
-              <a:t>Distribution Style</a:t>
-            </a:r>
-            <a:r>
-              <a:rPr lang="en-IN" dirty="0">
-                <a:solidFill>
-                  <a:srgbClr val="0E0E0E"/>
-                </a:solidFill>
-                <a:effectLst/>
-                <a:latin typeface=".SF NS"/>
-              </a:rPr>
-              <a:t>: Used </a:t>
-            </a:r>
-            <a:r>
-              <a:rPr lang="en-IN" b="1" dirty="0">
-                <a:solidFill>
-                  <a:srgbClr val="0E0E0E"/>
-                </a:solidFill>
-                <a:effectLst/>
-                <a:latin typeface=".SF NS"/>
-              </a:rPr>
-              <a:t>KEY</a:t>
-            </a:r>
-            <a:r>
-              <a:rPr lang="en-IN" dirty="0">
-                <a:solidFill>
-                  <a:srgbClr val="0E0E0E"/>
-                </a:solidFill>
-                <a:effectLst/>
-                <a:latin typeface=".SF NS"/>
-              </a:rPr>
-              <a:t> for dimensions and </a:t>
-            </a:r>
-            <a:r>
-              <a:rPr lang="en-IN" b="1" dirty="0">
-                <a:solidFill>
-                  <a:srgbClr val="0E0E0E"/>
-                </a:solidFill>
-                <a:effectLst/>
-                <a:latin typeface=".SF NS"/>
-              </a:rPr>
-              <a:t>EVEN</a:t>
-            </a:r>
-            <a:r>
-              <a:rPr lang="en-IN" dirty="0">
-                <a:solidFill>
-                  <a:srgbClr val="0E0E0E"/>
-                </a:solidFill>
-                <a:effectLst/>
-                <a:latin typeface=".SF NS"/>
-              </a:rPr>
-              <a:t> for staging tables.</a:t>
-            </a:r>
-          </a:p>
-          <a:p>
-            <a:r>
-              <a:rPr lang="en-IN" dirty="0">
-                <a:solidFill>
-                  <a:srgbClr val="0E0E0E"/>
-                </a:solidFill>
-                <a:effectLst/>
-                <a:latin typeface=".SF NS"/>
-              </a:rPr>
-              <a:t>• </a:t>
-            </a:r>
-            <a:r>
-              <a:rPr lang="en-IN" b="1" dirty="0">
-                <a:solidFill>
-                  <a:srgbClr val="0E0E0E"/>
-                </a:solidFill>
-                <a:effectLst/>
-                <a:latin typeface=".SF NS"/>
-              </a:rPr>
-              <a:t>Sort Keys</a:t>
-            </a:r>
-            <a:r>
-              <a:rPr lang="en-IN" dirty="0">
-                <a:solidFill>
-                  <a:srgbClr val="0E0E0E"/>
-                </a:solidFill>
-                <a:effectLst/>
-                <a:latin typeface=".SF NS"/>
-              </a:rPr>
-              <a:t>: Optimized for common query patterns (e.g., </a:t>
-            </a:r>
-            <a:r>
-              <a:rPr lang="en-IN" dirty="0" err="1">
-                <a:solidFill>
-                  <a:srgbClr val="0E0E0E"/>
-                </a:solidFill>
-                <a:effectLst/>
-                <a:latin typeface=".AppleSystemUIFontMonospaced"/>
-              </a:rPr>
               <a:t>date_id</a:t>
             </a:r>
             <a:r>
@@ -6434,38 +6446,6 @@
                 <a:latin typeface=".SF NS"/>
               </a:rPr>
               <a:t>).</a:t>
-            </a:r>
-          </a:p>
-          <a:p>
-            <a:r>
-              <a:rPr lang="en-IN" dirty="0">
-                <a:solidFill>
-                  <a:srgbClr val="0E0E0E"/>
-                </a:solidFill>
-                <a:effectLst/>
-                <a:latin typeface=".SF NS"/>
-              </a:rPr>
-              <a:t>• </a:t>
-            </a:r>
-            <a:r>
-              <a:rPr lang="en-IN" b="1" dirty="0">
-                <a:solidFill>
-                  <a:srgbClr val="0E0E0E"/>
-                </a:solidFill>
-                <a:effectLst/>
-                <a:latin typeface=".SF NS"/>
-              </a:rPr>
-              <a:t>Concurrency</a:t>
-            </a:r>
-            <a:r>
-              <a:rPr lang="en-IN" dirty="0">
-                <a:solidFill>
-                  <a:srgbClr val="0E0E0E"/>
-                </a:solidFill>
-                <a:effectLst/>
-                <a:latin typeface=".SF NS"/>
-              </a:rPr>
-              <a:t>: Parallel writes to different fact tables to maximize throughput.</a:t>
             </a:r>
           </a:p>
           <a:p>
@@ -6538,7 +6518,7 @@
 </p:sld>
 </file>
 
-<file path=ppt/slides/slide15.xml><?xml version="1.0" encoding="utf-8"?>
+<file path=ppt/slides/slide16.xml><?xml version="1.0" encoding="utf-8"?>
 <p:sld xmlns:a="http://schemas.openxmlformats.org/drawingml/2006/main" xmlns:r="http://schemas.openxmlformats.org/officeDocument/2006/relationships" xmlns:p="http://schemas.openxmlformats.org/presentationml/2006/main">
   <p:cSld>
     <p:spTree>
@@ -7058,7 +7038,7 @@
 </p:sld>
 </file>
 
-<file path=ppt/slides/slide16.xml><?xml version="1.0" encoding="utf-8"?>
+<file path=ppt/slides/slide17.xml><?xml version="1.0" encoding="utf-8"?>
 <p:sld xmlns:a="http://schemas.openxmlformats.org/drawingml/2006/main" xmlns:r="http://schemas.openxmlformats.org/officeDocument/2006/relationships" xmlns:p="http://schemas.openxmlformats.org/presentationml/2006/main">
   <p:cSld>
     <p:spTree>
@@ -7356,7 +7336,7 @@
 </p:sld>
 </file>
 
-<file path=ppt/slides/slide17.xml><?xml version="1.0" encoding="utf-8"?>
+<file path=ppt/slides/slide18.xml><?xml version="1.0" encoding="utf-8"?>
 <p:sld xmlns:a="http://schemas.openxmlformats.org/drawingml/2006/main" xmlns:r="http://schemas.openxmlformats.org/officeDocument/2006/relationships" xmlns:p="http://schemas.openxmlformats.org/presentationml/2006/main">
   <p:cSld>
     <p:spTree>
@@ -7682,7 +7662,7 @@
 </p:sld>
 </file>
 
-<file path=ppt/slides/slide18.xml><?xml version="1.0" encoding="utf-8"?>
+<file path=ppt/slides/slide19.xml><?xml version="1.0" encoding="utf-8"?>
 <p:sld xmlns:a="http://schemas.openxmlformats.org/drawingml/2006/main" xmlns:r="http://schemas.openxmlformats.org/officeDocument/2006/relationships" xmlns:p="http://schemas.openxmlformats.org/presentationml/2006/main">
   <p:cSld>
     <p:spTree>
@@ -8018,252 +7998,6 @@
     <p:extLst>
       <p:ext uri="{BB962C8B-B14F-4D97-AF65-F5344CB8AC3E}">
         <p14:creationId xmlns:p14="http://schemas.microsoft.com/office/powerpoint/2010/main" val="3004684989"/>
-      </p:ext>
-    </p:extLst>
-  </p:cSld>
-  <p:clrMapOvr>
-    <a:masterClrMapping/>
-  </p:clrMapOvr>
-</p:sld>
-</file>
-
-<file path=ppt/slides/slide19.xml><?xml version="1.0" encoding="utf-8"?>
-<p:sld xmlns:a="http://schemas.openxmlformats.org/drawingml/2006/main" xmlns:r="http://schemas.openxmlformats.org/officeDocument/2006/relationships" xmlns:p="http://schemas.openxmlformats.org/presentationml/2006/main">
-  <p:cSld>
-    <p:spTree>
-      <p:nvGrpSpPr>
-        <p:cNvPr id="1" name=""/>
-        <p:cNvGrpSpPr/>
-        <p:nvPr/>
-      </p:nvGrpSpPr>
-      <p:grpSpPr>
-        <a:xfrm>
-          <a:off x="0" y="0"/>
-          <a:ext cx="0" cy="0"/>
-          <a:chOff x="0" y="0"/>
-          <a:chExt cx="0" cy="0"/>
-        </a:xfrm>
-      </p:grpSpPr>
-      <p:sp>
-        <p:nvSpPr>
-          <p:cNvPr id="2" name="Title 1">
-            <a:extLst>
-              <a:ext uri="{FF2B5EF4-FFF2-40B4-BE49-F238E27FC236}">
-                <a16:creationId xmlns:a16="http://schemas.microsoft.com/office/drawing/2014/main" id="{9BACC537-450E-384B-C241-C0AC826A1C7B}"/>
-              </a:ext>
-            </a:extLst>
-          </p:cNvPr>
-          <p:cNvSpPr>
-            <a:spLocks noGrp="1"/>
-          </p:cNvSpPr>
-          <p:nvPr>
-            <p:ph type="title"/>
-          </p:nvPr>
-        </p:nvSpPr>
-        <p:spPr/>
-        <p:txBody>
-          <a:bodyPr/>
-          <a:lstStyle/>
-          <a:p>
-            <a:r>
-              <a:rPr lang="en-US" dirty="0"/>
-              <a:t>Visualization</a:t>
-            </a:r>
-          </a:p>
-        </p:txBody>
-      </p:sp>
-      <p:sp>
-        <p:nvSpPr>
-          <p:cNvPr id="3" name="TextBox 2">
-            <a:extLst>
-              <a:ext uri="{FF2B5EF4-FFF2-40B4-BE49-F238E27FC236}">
-                <a16:creationId xmlns:a16="http://schemas.microsoft.com/office/drawing/2014/main" id="{D79CB949-242F-26CF-6479-09C61211A4B3}"/>
-              </a:ext>
-            </a:extLst>
-          </p:cNvPr>
-          <p:cNvSpPr txBox="1"/>
-          <p:nvPr/>
-        </p:nvSpPr>
-        <p:spPr>
-          <a:xfrm>
-            <a:off x="633831" y="2673264"/>
-            <a:ext cx="10924337" cy="2031325"/>
-          </a:xfrm>
-          <a:prstGeom prst="rect">
-            <a:avLst/>
-          </a:prstGeom>
-          <a:noFill/>
-        </p:spPr>
-        <p:txBody>
-          <a:bodyPr wrap="none" rtlCol="0">
-            <a:spAutoFit/>
-          </a:bodyPr>
-          <a:lstStyle/>
-          <a:p>
-            <a:r>
-              <a:rPr lang="en-IN" dirty="0">
-                <a:solidFill>
-                  <a:srgbClr val="0E0E0E"/>
-                </a:solidFill>
-                <a:effectLst/>
-                <a:latin typeface=".SF NS"/>
-              </a:rPr>
-              <a:t>• </a:t>
-            </a:r>
-            <a:r>
-              <a:rPr lang="en-IN" b="1" dirty="0">
-                <a:solidFill>
-                  <a:srgbClr val="0E0E0E"/>
-                </a:solidFill>
-                <a:effectLst/>
-                <a:latin typeface=".SF NS"/>
-              </a:rPr>
-              <a:t>Amazon </a:t>
-            </a:r>
-            <a:r>
-              <a:rPr lang="en-IN" b="1" dirty="0" err="1">
-                <a:solidFill>
-                  <a:srgbClr val="0E0E0E"/>
-                </a:solidFill>
-                <a:effectLst/>
-                <a:latin typeface=".SF NS"/>
-              </a:rPr>
-              <a:t>QuickSight</a:t>
-            </a:r>
-            <a:r>
-              <a:rPr lang="en-IN" dirty="0">
-                <a:solidFill>
-                  <a:srgbClr val="0E0E0E"/>
-                </a:solidFill>
-                <a:effectLst/>
-                <a:latin typeface=".SF NS"/>
-              </a:rPr>
-              <a:t> provides an intuitive and scalable platform for building dynamic dashboards.</a:t>
-            </a:r>
-          </a:p>
-          <a:p>
-            <a:r>
-              <a:rPr lang="en-IN" dirty="0">
-                <a:solidFill>
-                  <a:srgbClr val="0E0E0E"/>
-                </a:solidFill>
-                <a:effectLst/>
-                <a:latin typeface=".SF NS"/>
-              </a:rPr>
-              <a:t>• We can build custom reports and interactive dashboards that allow users to drill down </a:t>
-            </a:r>
-            <a:br>
-              <a:rPr lang="en-IN" dirty="0">
-                <a:solidFill>
-                  <a:srgbClr val="0E0E0E"/>
-                </a:solidFill>
-                <a:effectLst/>
-                <a:latin typeface=".SF NS"/>
-              </a:rPr>
-            </a:br>
-            <a:r>
-              <a:rPr lang="en-IN" dirty="0">
-                <a:solidFill>
-                  <a:srgbClr val="0E0E0E"/>
-                </a:solidFill>
-                <a:effectLst/>
-                <a:latin typeface=".SF NS"/>
-              </a:rPr>
-              <a:t>into specific metrics (e.g., sales by product category, refunds by seller).</a:t>
-            </a:r>
-          </a:p>
-          <a:p>
-            <a:r>
-              <a:rPr lang="en-IN" dirty="0">
-                <a:solidFill>
-                  <a:srgbClr val="0E0E0E"/>
-                </a:solidFill>
-                <a:effectLst/>
-                <a:latin typeface=".SF NS"/>
-              </a:rPr>
-              <a:t>• </a:t>
-            </a:r>
-            <a:r>
-              <a:rPr lang="en-IN" dirty="0" err="1">
-                <a:solidFill>
-                  <a:srgbClr val="0E0E0E"/>
-                </a:solidFill>
-                <a:effectLst/>
-                <a:latin typeface=".SF NS"/>
-              </a:rPr>
-              <a:t>QuickSight</a:t>
-            </a:r>
-            <a:r>
-              <a:rPr lang="en-IN" dirty="0">
-                <a:solidFill>
-                  <a:srgbClr val="0E0E0E"/>
-                </a:solidFill>
-                <a:effectLst/>
-                <a:latin typeface=".SF NS"/>
-              </a:rPr>
-              <a:t> supports real-time updates through auto-refresh, ensuring business users always have the latest data.</a:t>
-            </a:r>
-          </a:p>
-          <a:p>
-            <a:r>
-              <a:rPr lang="en-IN" dirty="0">
-                <a:solidFill>
-                  <a:srgbClr val="0E0E0E"/>
-                </a:solidFill>
-                <a:effectLst/>
-                <a:latin typeface=".SF NS"/>
-              </a:rPr>
-              <a:t>• We apply </a:t>
-            </a:r>
-            <a:r>
-              <a:rPr lang="en-IN" b="1" dirty="0">
-                <a:solidFill>
-                  <a:srgbClr val="0E0E0E"/>
-                </a:solidFill>
-                <a:effectLst/>
-                <a:latin typeface=".SF NS"/>
-              </a:rPr>
-              <a:t>role-based access control</a:t>
-            </a:r>
-            <a:r>
-              <a:rPr lang="en-IN" dirty="0">
-                <a:solidFill>
-                  <a:srgbClr val="0E0E0E"/>
-                </a:solidFill>
-                <a:effectLst/>
-                <a:latin typeface=".SF NS"/>
-              </a:rPr>
-              <a:t> to limit who can access certain reports or dashboards, </a:t>
-            </a:r>
-            <a:br>
-              <a:rPr lang="en-IN" dirty="0">
-                <a:solidFill>
-                  <a:srgbClr val="0E0E0E"/>
-                </a:solidFill>
-                <a:effectLst/>
-                <a:latin typeface=".SF NS"/>
-              </a:rPr>
-            </a:br>
-            <a:r>
-              <a:rPr lang="en-IN" dirty="0">
-                <a:solidFill>
-                  <a:srgbClr val="0E0E0E"/>
-                </a:solidFill>
-                <a:effectLst/>
-                <a:latin typeface=".SF NS"/>
-              </a:rPr>
-              <a:t>ensuring data security at the visualization layer.</a:t>
-            </a:r>
-          </a:p>
-          <a:p>
-            <a:endParaRPr lang="en-US" dirty="0"/>
-          </a:p>
-        </p:txBody>
-      </p:sp>
-    </p:spTree>
-    <p:extLst>
-      <p:ext uri="{BB962C8B-B14F-4D97-AF65-F5344CB8AC3E}">
-        <p14:creationId xmlns:p14="http://schemas.microsoft.com/office/powerpoint/2010/main" val="919181757"/>
       </p:ext>
     </p:extLst>
   </p:cSld>
@@ -8485,6 +8219,252 @@
           <p:cNvPr id="2" name="Title 1">
             <a:extLst>
               <a:ext uri="{FF2B5EF4-FFF2-40B4-BE49-F238E27FC236}">
+                <a16:creationId xmlns:a16="http://schemas.microsoft.com/office/drawing/2014/main" id="{9BACC537-450E-384B-C241-C0AC826A1C7B}"/>
+              </a:ext>
+            </a:extLst>
+          </p:cNvPr>
+          <p:cNvSpPr>
+            <a:spLocks noGrp="1"/>
+          </p:cNvSpPr>
+          <p:nvPr>
+            <p:ph type="title"/>
+          </p:nvPr>
+        </p:nvSpPr>
+        <p:spPr/>
+        <p:txBody>
+          <a:bodyPr/>
+          <a:lstStyle/>
+          <a:p>
+            <a:r>
+              <a:rPr lang="en-US" dirty="0"/>
+              <a:t>Visualization</a:t>
+            </a:r>
+          </a:p>
+        </p:txBody>
+      </p:sp>
+      <p:sp>
+        <p:nvSpPr>
+          <p:cNvPr id="3" name="TextBox 2">
+            <a:extLst>
+              <a:ext uri="{FF2B5EF4-FFF2-40B4-BE49-F238E27FC236}">
+                <a16:creationId xmlns:a16="http://schemas.microsoft.com/office/drawing/2014/main" id="{D79CB949-242F-26CF-6479-09C61211A4B3}"/>
+              </a:ext>
+            </a:extLst>
+          </p:cNvPr>
+          <p:cNvSpPr txBox="1"/>
+          <p:nvPr/>
+        </p:nvSpPr>
+        <p:spPr>
+          <a:xfrm>
+            <a:off x="633831" y="2673264"/>
+            <a:ext cx="10924337" cy="2031325"/>
+          </a:xfrm>
+          <a:prstGeom prst="rect">
+            <a:avLst/>
+          </a:prstGeom>
+          <a:noFill/>
+        </p:spPr>
+        <p:txBody>
+          <a:bodyPr wrap="none" rtlCol="0">
+            <a:spAutoFit/>
+          </a:bodyPr>
+          <a:lstStyle/>
+          <a:p>
+            <a:r>
+              <a:rPr lang="en-IN" dirty="0">
+                <a:solidFill>
+                  <a:srgbClr val="0E0E0E"/>
+                </a:solidFill>
+                <a:effectLst/>
+                <a:latin typeface=".SF NS"/>
+              </a:rPr>
+              <a:t>• </a:t>
+            </a:r>
+            <a:r>
+              <a:rPr lang="en-IN" b="1" dirty="0">
+                <a:solidFill>
+                  <a:srgbClr val="0E0E0E"/>
+                </a:solidFill>
+                <a:effectLst/>
+                <a:latin typeface=".SF NS"/>
+              </a:rPr>
+              <a:t>Amazon </a:t>
+            </a:r>
+            <a:r>
+              <a:rPr lang="en-IN" b="1" dirty="0" err="1">
+                <a:solidFill>
+                  <a:srgbClr val="0E0E0E"/>
+                </a:solidFill>
+                <a:effectLst/>
+                <a:latin typeface=".SF NS"/>
+              </a:rPr>
+              <a:t>QuickSight</a:t>
+            </a:r>
+            <a:r>
+              <a:rPr lang="en-IN" dirty="0">
+                <a:solidFill>
+                  <a:srgbClr val="0E0E0E"/>
+                </a:solidFill>
+                <a:effectLst/>
+                <a:latin typeface=".SF NS"/>
+              </a:rPr>
+              <a:t> provides an intuitive and scalable platform for building dynamic dashboards.</a:t>
+            </a:r>
+          </a:p>
+          <a:p>
+            <a:r>
+              <a:rPr lang="en-IN" dirty="0">
+                <a:solidFill>
+                  <a:srgbClr val="0E0E0E"/>
+                </a:solidFill>
+                <a:effectLst/>
+                <a:latin typeface=".SF NS"/>
+              </a:rPr>
+              <a:t>• We can build custom reports and interactive dashboards that allow users to drill down </a:t>
+            </a:r>
+            <a:br>
+              <a:rPr lang="en-IN" dirty="0">
+                <a:solidFill>
+                  <a:srgbClr val="0E0E0E"/>
+                </a:solidFill>
+                <a:effectLst/>
+                <a:latin typeface=".SF NS"/>
+              </a:rPr>
+            </a:br>
+            <a:r>
+              <a:rPr lang="en-IN" dirty="0">
+                <a:solidFill>
+                  <a:srgbClr val="0E0E0E"/>
+                </a:solidFill>
+                <a:effectLst/>
+                <a:latin typeface=".SF NS"/>
+              </a:rPr>
+              <a:t>into specific metrics (e.g., sales by product category, refunds by seller).</a:t>
+            </a:r>
+          </a:p>
+          <a:p>
+            <a:r>
+              <a:rPr lang="en-IN" dirty="0">
+                <a:solidFill>
+                  <a:srgbClr val="0E0E0E"/>
+                </a:solidFill>
+                <a:effectLst/>
+                <a:latin typeface=".SF NS"/>
+              </a:rPr>
+              <a:t>• </a:t>
+            </a:r>
+            <a:r>
+              <a:rPr lang="en-IN" dirty="0" err="1">
+                <a:solidFill>
+                  <a:srgbClr val="0E0E0E"/>
+                </a:solidFill>
+                <a:effectLst/>
+                <a:latin typeface=".SF NS"/>
+              </a:rPr>
+              <a:t>QuickSight</a:t>
+            </a:r>
+            <a:r>
+              <a:rPr lang="en-IN" dirty="0">
+                <a:solidFill>
+                  <a:srgbClr val="0E0E0E"/>
+                </a:solidFill>
+                <a:effectLst/>
+                <a:latin typeface=".SF NS"/>
+              </a:rPr>
+              <a:t> supports real-time updates through auto-refresh, ensuring business users always have the latest data.</a:t>
+            </a:r>
+          </a:p>
+          <a:p>
+            <a:r>
+              <a:rPr lang="en-IN" dirty="0">
+                <a:solidFill>
+                  <a:srgbClr val="0E0E0E"/>
+                </a:solidFill>
+                <a:effectLst/>
+                <a:latin typeface=".SF NS"/>
+              </a:rPr>
+              <a:t>• We apply </a:t>
+            </a:r>
+            <a:r>
+              <a:rPr lang="en-IN" b="1" dirty="0">
+                <a:solidFill>
+                  <a:srgbClr val="0E0E0E"/>
+                </a:solidFill>
+                <a:effectLst/>
+                <a:latin typeface=".SF NS"/>
+              </a:rPr>
+              <a:t>role-based access control</a:t>
+            </a:r>
+            <a:r>
+              <a:rPr lang="en-IN" dirty="0">
+                <a:solidFill>
+                  <a:srgbClr val="0E0E0E"/>
+                </a:solidFill>
+                <a:effectLst/>
+                <a:latin typeface=".SF NS"/>
+              </a:rPr>
+              <a:t> to limit who can access certain reports or dashboards, </a:t>
+            </a:r>
+            <a:br>
+              <a:rPr lang="en-IN" dirty="0">
+                <a:solidFill>
+                  <a:srgbClr val="0E0E0E"/>
+                </a:solidFill>
+                <a:effectLst/>
+                <a:latin typeface=".SF NS"/>
+              </a:rPr>
+            </a:br>
+            <a:r>
+              <a:rPr lang="en-IN" dirty="0">
+                <a:solidFill>
+                  <a:srgbClr val="0E0E0E"/>
+                </a:solidFill>
+                <a:effectLst/>
+                <a:latin typeface=".SF NS"/>
+              </a:rPr>
+              <a:t>ensuring data security at the visualization layer.</a:t>
+            </a:r>
+          </a:p>
+          <a:p>
+            <a:endParaRPr lang="en-US" dirty="0"/>
+          </a:p>
+        </p:txBody>
+      </p:sp>
+    </p:spTree>
+    <p:extLst>
+      <p:ext uri="{BB962C8B-B14F-4D97-AF65-F5344CB8AC3E}">
+        <p14:creationId xmlns:p14="http://schemas.microsoft.com/office/powerpoint/2010/main" val="919181757"/>
+      </p:ext>
+    </p:extLst>
+  </p:cSld>
+  <p:clrMapOvr>
+    <a:masterClrMapping/>
+  </p:clrMapOvr>
+</p:sld>
+</file>
+
+<file path=ppt/slides/slide21.xml><?xml version="1.0" encoding="utf-8"?>
+<p:sld xmlns:a="http://schemas.openxmlformats.org/drawingml/2006/main" xmlns:r="http://schemas.openxmlformats.org/officeDocument/2006/relationships" xmlns:p="http://schemas.openxmlformats.org/presentationml/2006/main">
+  <p:cSld>
+    <p:spTree>
+      <p:nvGrpSpPr>
+        <p:cNvPr id="1" name=""/>
+        <p:cNvGrpSpPr/>
+        <p:nvPr/>
+      </p:nvGrpSpPr>
+      <p:grpSpPr>
+        <a:xfrm>
+          <a:off x="0" y="0"/>
+          <a:ext cx="0" cy="0"/>
+          <a:chOff x="0" y="0"/>
+          <a:chExt cx="0" cy="0"/>
+        </a:xfrm>
+      </p:grpSpPr>
+      <p:sp>
+        <p:nvSpPr>
+          <p:cNvPr id="2" name="Title 1">
+            <a:extLst>
+              <a:ext uri="{FF2B5EF4-FFF2-40B4-BE49-F238E27FC236}">
                 <a16:creationId xmlns:a16="http://schemas.microsoft.com/office/drawing/2014/main" id="{FD4F3059-6016-F734-0ED8-7BC5B225C3B2}"/>
               </a:ext>
             </a:extLst>
@@ -8719,7 +8699,7 @@
 </p:sld>
 </file>
 
-<file path=ppt/slides/slide21.xml><?xml version="1.0" encoding="utf-8"?>
+<file path=ppt/slides/slide22.xml><?xml version="1.0" encoding="utf-8"?>
 <p:sld xmlns:a="http://schemas.openxmlformats.org/drawingml/2006/main" xmlns:r="http://schemas.openxmlformats.org/officeDocument/2006/relationships" xmlns:p="http://schemas.openxmlformats.org/presentationml/2006/main">
   <p:cSld>
     <p:spTree>
@@ -8954,6 +8934,89 @@
     <p:extLst>
       <p:ext uri="{BB962C8B-B14F-4D97-AF65-F5344CB8AC3E}">
         <p14:creationId xmlns:p14="http://schemas.microsoft.com/office/powerpoint/2010/main" val="1792156035"/>
+      </p:ext>
+    </p:extLst>
+  </p:cSld>
+  <p:clrMapOvr>
+    <a:masterClrMapping/>
+  </p:clrMapOvr>
+</p:sld>
+</file>
+
+<file path=ppt/slides/slide23.xml><?xml version="1.0" encoding="utf-8"?>
+<p:sld xmlns:a="http://schemas.openxmlformats.org/drawingml/2006/main" xmlns:r="http://schemas.openxmlformats.org/officeDocument/2006/relationships" xmlns:p="http://schemas.openxmlformats.org/presentationml/2006/main">
+  <p:cSld>
+    <p:spTree>
+      <p:nvGrpSpPr>
+        <p:cNvPr id="1" name=""/>
+        <p:cNvGrpSpPr/>
+        <p:nvPr/>
+      </p:nvGrpSpPr>
+      <p:grpSpPr>
+        <a:xfrm>
+          <a:off x="0" y="0"/>
+          <a:ext cx="0" cy="0"/>
+          <a:chOff x="0" y="0"/>
+          <a:chExt cx="0" cy="0"/>
+        </a:xfrm>
+      </p:grpSpPr>
+      <p:sp>
+        <p:nvSpPr>
+          <p:cNvPr id="2" name="Rectangle 1">
+            <a:extLst>
+              <a:ext uri="{FF2B5EF4-FFF2-40B4-BE49-F238E27FC236}">
+                <a16:creationId xmlns:a16="http://schemas.microsoft.com/office/drawing/2014/main" id="{79F84062-FB6C-3FBC-3A83-EC390CB0990F}"/>
+              </a:ext>
+            </a:extLst>
+          </p:cNvPr>
+          <p:cNvSpPr/>
+          <p:nvPr/>
+        </p:nvSpPr>
+        <p:spPr>
+          <a:xfrm>
+            <a:off x="2833071" y="2505670"/>
+            <a:ext cx="6525858" cy="923330"/>
+          </a:xfrm>
+          <a:prstGeom prst="rect">
+            <a:avLst/>
+          </a:prstGeom>
+          <a:noFill/>
+        </p:spPr>
+        <p:txBody>
+          <a:bodyPr wrap="square" lIns="91440" tIns="45720" rIns="91440" bIns="45720">
+            <a:spAutoFit/>
+          </a:bodyPr>
+          <a:lstStyle/>
+          <a:p>
+            <a:pPr algn="ctr"/>
+            <a:r>
+              <a:rPr lang="en-GB" sz="5400" b="1" cap="none" spc="0" dirty="0">
+                <a:ln w="9525">
+                  <a:solidFill>
+                    <a:schemeClr val="bg1"/>
+                  </a:solidFill>
+                  <a:prstDash val="solid"/>
+                </a:ln>
+                <a:solidFill>
+                  <a:schemeClr val="tx1"/>
+                </a:solidFill>
+                <a:effectLst>
+                  <a:outerShdw blurRad="12700" dist="38100" dir="2700000" algn="tl" rotWithShape="0">
+                    <a:schemeClr val="bg1">
+                      <a:lumMod val="50000"/>
+                    </a:schemeClr>
+                  </a:outerShdw>
+                </a:effectLst>
+              </a:rPr>
+              <a:t>THANK YOU</a:t>
+            </a:r>
+          </a:p>
+        </p:txBody>
+      </p:sp>
+    </p:spTree>
+    <p:extLst>
+      <p:ext uri="{BB962C8B-B14F-4D97-AF65-F5344CB8AC3E}">
+        <p14:creationId xmlns:p14="http://schemas.microsoft.com/office/powerpoint/2010/main" val="690157367"/>
       </p:ext>
     </p:extLst>
   </p:cSld>
@@ -9007,21 +9070,19 @@
           <a:lstStyle/>
           <a:p>
             <a:r>
-              <a:rPr lang="en-IN" b="1" dirty="0">
-                <a:solidFill>
-                  <a:srgbClr val="0E0E0E"/>
-                </a:solidFill>
-                <a:effectLst/>
-                <a:latin typeface=".SF NS"/>
+              <a:rPr lang="en-IN" dirty="0">
+                <a:solidFill>
+                  <a:srgbClr val="0E0E0E"/>
+                </a:solidFill>
+                <a:effectLst/>
               </a:rPr>
               <a:t>Key Challenges and Impact</a:t>
             </a:r>
             <a:r>
-              <a:rPr lang="en-IN" b="1" dirty="0">
-                <a:solidFill>
-                  <a:srgbClr val="0E0E0E"/>
-                </a:solidFill>
-                <a:latin typeface=".SF NS"/>
+              <a:rPr lang="en-IN" dirty="0">
+                <a:solidFill>
+                  <a:srgbClr val="0E0E0E"/>
+                </a:solidFill>
               </a:rPr>
               <a:t> I Worked</a:t>
             </a:r>
@@ -10537,7 +10598,7 @@
         <p:spPr>
           <a:xfrm>
             <a:off x="412816" y="1922106"/>
-            <a:ext cx="11366367" cy="3970318"/>
+            <a:ext cx="11366367" cy="3416320"/>
           </a:xfrm>
           <a:prstGeom prst="rect">
             <a:avLst/>
@@ -10694,7 +10755,39 @@
                 <a:effectLst/>
                 <a:latin typeface=".SF NS"/>
               </a:rPr>
-              <a:t>: Used as a staging layer for raw CDC data.</a:t>
+              <a:t>: Used as a raw layer for raw CDC data.</a:t>
+            </a:r>
+          </a:p>
+          <a:p>
+            <a:r>
+              <a:rPr lang="en-IN" dirty="0">
+                <a:solidFill>
+                  <a:srgbClr val="0E0E0E"/>
+                </a:solidFill>
+                <a:effectLst/>
+                <a:latin typeface=".SF NS"/>
+              </a:rPr>
+              <a:t>• </a:t>
+            </a:r>
+            <a:r>
+              <a:rPr lang="en-IN" b="1" dirty="0">
+                <a:solidFill>
+                  <a:srgbClr val="0E0E0E"/>
+                </a:solidFill>
+                <a:effectLst/>
+                <a:latin typeface=".SF NS"/>
+              </a:rPr>
+              <a:t>Why CDC?</a:t>
+            </a:r>
+            <a:r>
+              <a:rPr lang="en-IN" dirty="0">
+                <a:solidFill>
+                  <a:srgbClr val="0E0E0E"/>
+                </a:solidFill>
+                <a:effectLst/>
+                <a:latin typeface=".SF NS"/>
+              </a:rPr>
+              <a:t>:</a:t>
             </a:r>
           </a:p>
           <a:p>
@@ -10716,17 +10809,17 @@
                 <a:effectLst/>
                 <a:latin typeface=".SF NS"/>
               </a:rPr>
-              <a:t>AWS Glue</a:t>
-            </a:r>
-            <a:r>
-              <a:rPr lang="en-IN" dirty="0">
-                <a:solidFill>
-                  <a:srgbClr val="0E0E0E"/>
-                </a:solidFill>
-                <a:effectLst/>
-                <a:latin typeface=".SF NS"/>
-              </a:rPr>
-              <a:t>: Performs data transformations before loading into the data warehouse.</a:t>
+              <a:t>Real-Time Updates</a:t>
+            </a:r>
+            <a:r>
+              <a:rPr lang="en-IN" dirty="0">
+                <a:solidFill>
+                  <a:srgbClr val="0E0E0E"/>
+                </a:solidFill>
+                <a:effectLst/>
+                <a:latin typeface=".SF NS"/>
+              </a:rPr>
+              <a:t>: Captures only changes (inserts, updates, deletes) for efficient data movement.</a:t>
             </a:r>
           </a:p>
           <a:p>
@@ -10748,102 +10841,6 @@
                 <a:effectLst/>
                 <a:latin typeface=".SF NS"/>
               </a:rPr>
-              <a:t>Amazon Redshift</a:t>
-            </a:r>
-            <a:r>
-              <a:rPr lang="en-IN" dirty="0">
-                <a:solidFill>
-                  <a:srgbClr val="0E0E0E"/>
-                </a:solidFill>
-                <a:effectLst/>
-                <a:latin typeface=".SF NS"/>
-              </a:rPr>
-              <a:t>: Final destination for processed data, enabling fast querying and analytics.</a:t>
-            </a:r>
-          </a:p>
-          <a:p>
-            <a:r>
-              <a:rPr lang="en-IN" dirty="0">
-                <a:solidFill>
-                  <a:srgbClr val="0E0E0E"/>
-                </a:solidFill>
-                <a:effectLst/>
-                <a:latin typeface=".SF NS"/>
-              </a:rPr>
-              <a:t>• </a:t>
-            </a:r>
-            <a:r>
-              <a:rPr lang="en-IN" b="1" dirty="0">
-                <a:solidFill>
-                  <a:srgbClr val="0E0E0E"/>
-                </a:solidFill>
-                <a:effectLst/>
-                <a:latin typeface=".SF NS"/>
-              </a:rPr>
-              <a:t>Why CDC?</a:t>
-            </a:r>
-            <a:r>
-              <a:rPr lang="en-IN" dirty="0">
-                <a:solidFill>
-                  <a:srgbClr val="0E0E0E"/>
-                </a:solidFill>
-                <a:effectLst/>
-                <a:latin typeface=".SF NS"/>
-              </a:rPr>
-              <a:t>:</a:t>
-            </a:r>
-          </a:p>
-          <a:p>
-            <a:r>
-              <a:rPr lang="en-IN" dirty="0">
-                <a:solidFill>
-                  <a:srgbClr val="0E0E0E"/>
-                </a:solidFill>
-                <a:effectLst/>
-                <a:latin typeface=".SF NS"/>
-              </a:rPr>
-              <a:t>	• </a:t>
-            </a:r>
-            <a:r>
-              <a:rPr lang="en-IN" b="1" dirty="0">
-                <a:solidFill>
-                  <a:srgbClr val="0E0E0E"/>
-                </a:solidFill>
-                <a:effectLst/>
-                <a:latin typeface=".SF NS"/>
-              </a:rPr>
-              <a:t>Real-Time Updates</a:t>
-            </a:r>
-            <a:r>
-              <a:rPr lang="en-IN" dirty="0">
-                <a:solidFill>
-                  <a:srgbClr val="0E0E0E"/>
-                </a:solidFill>
-                <a:effectLst/>
-                <a:latin typeface=".SF NS"/>
-              </a:rPr>
-              <a:t>: Captures only changes (inserts, updates, deletes) for efficient data movement.</a:t>
-            </a:r>
-          </a:p>
-          <a:p>
-            <a:r>
-              <a:rPr lang="en-IN" dirty="0">
-                <a:solidFill>
-                  <a:srgbClr val="0E0E0E"/>
-                </a:solidFill>
-                <a:effectLst/>
-                <a:latin typeface=".SF NS"/>
-              </a:rPr>
-              <a:t>	• </a:t>
-            </a:r>
-            <a:r>
-              <a:rPr lang="en-IN" b="1" dirty="0">
-                <a:solidFill>
-                  <a:srgbClr val="0E0E0E"/>
-                </a:solidFill>
-                <a:effectLst/>
-                <a:latin typeface=".SF NS"/>
-              </a:rPr>
               <a:t>Minimizes DB Overhead</a:t>
             </a:r>
             <a:r>
@@ -10854,7 +10851,7 @@
                 <a:effectLst/>
                 <a:latin typeface=".SF NS"/>
               </a:rPr>
-              <a:t>: CDC uses transaction logs, avoiding direct database queries and reducing lock contention.</a:t>
+              <a:t>: CDC uses transaction logs (WAL), avoiding direct database queries and reducing lock contention.</a:t>
             </a:r>
           </a:p>
           <a:p>

--- a/Craft-Demo.pptx
+++ b/Craft-Demo.pptx
@@ -5,7 +5,7 @@
     <p:sldMasterId id="2147483869" r:id="rId1"/>
   </p:sldMasterIdLst>
   <p:notesMasterIdLst>
-    <p:notesMasterId r:id="rId25"/>
+    <p:notesMasterId r:id="rId26"/>
   </p:notesMasterIdLst>
   <p:sldIdLst>
     <p:sldId id="256" r:id="rId2"/>
@@ -16,21 +16,22 @@
     <p:sldId id="261" r:id="rId7"/>
     <p:sldId id="262" r:id="rId8"/>
     <p:sldId id="264" r:id="rId9"/>
-    <p:sldId id="263" r:id="rId10"/>
-    <p:sldId id="265" r:id="rId11"/>
-    <p:sldId id="266" r:id="rId12"/>
-    <p:sldId id="267" r:id="rId13"/>
-    <p:sldId id="268" r:id="rId14"/>
-    <p:sldId id="278" r:id="rId15"/>
-    <p:sldId id="269" r:id="rId16"/>
-    <p:sldId id="270" r:id="rId17"/>
-    <p:sldId id="271" r:id="rId18"/>
-    <p:sldId id="272" r:id="rId19"/>
-    <p:sldId id="273" r:id="rId20"/>
-    <p:sldId id="274" r:id="rId21"/>
-    <p:sldId id="275" r:id="rId22"/>
-    <p:sldId id="276" r:id="rId23"/>
-    <p:sldId id="277" r:id="rId24"/>
+    <p:sldId id="279" r:id="rId10"/>
+    <p:sldId id="263" r:id="rId11"/>
+    <p:sldId id="265" r:id="rId12"/>
+    <p:sldId id="266" r:id="rId13"/>
+    <p:sldId id="267" r:id="rId14"/>
+    <p:sldId id="268" r:id="rId15"/>
+    <p:sldId id="278" r:id="rId16"/>
+    <p:sldId id="269" r:id="rId17"/>
+    <p:sldId id="270" r:id="rId18"/>
+    <p:sldId id="271" r:id="rId19"/>
+    <p:sldId id="272" r:id="rId20"/>
+    <p:sldId id="273" r:id="rId21"/>
+    <p:sldId id="274" r:id="rId22"/>
+    <p:sldId id="275" r:id="rId23"/>
+    <p:sldId id="276" r:id="rId24"/>
+    <p:sldId id="277" r:id="rId25"/>
   </p:sldIdLst>
   <p:sldSz cx="12192000" cy="6858000"/>
   <p:notesSz cx="6858000" cy="9144000"/>
@@ -219,7 +220,7 @@
           <a:p>
             <a:fld id="{91524035-7B34-EB41-8337-C8AE9E13B159}" type="datetimeFigureOut">
               <a:rPr lang="en-US" smtClean="0"/>
-              <a:t>9/11/24</a:t>
+              <a:t>9/12/24</a:t>
             </a:fld>
             <a:endParaRPr lang="en-US"/>
           </a:p>
@@ -552,7 +553,7 @@
           <a:p>
             <a:fld id="{EE1F7E4D-800B-ED45-ABB3-D484552C2B03}" type="slidenum">
               <a:rPr lang="en-US" smtClean="0"/>
-              <a:t>11</a:t>
+              <a:t>12</a:t>
             </a:fld>
             <a:endParaRPr lang="en-US"/>
           </a:p>
@@ -734,7 +735,7 @@
           <a:p>
             <a:fld id="{554481C7-0138-F44B-8530-CFF53F765260}" type="datetimeFigureOut">
               <a:rPr lang="en-US" smtClean="0"/>
-              <a:t>9/11/24</a:t>
+              <a:t>9/12/24</a:t>
             </a:fld>
             <a:endParaRPr lang="en-US"/>
           </a:p>
@@ -904,7 +905,7 @@
           <a:p>
             <a:fld id="{554481C7-0138-F44B-8530-CFF53F765260}" type="datetimeFigureOut">
               <a:rPr lang="en-US" smtClean="0"/>
-              <a:t>9/11/24</a:t>
+              <a:t>9/12/24</a:t>
             </a:fld>
             <a:endParaRPr lang="en-US"/>
           </a:p>
@@ -1084,7 +1085,7 @@
           <a:p>
             <a:fld id="{554481C7-0138-F44B-8530-CFF53F765260}" type="datetimeFigureOut">
               <a:rPr lang="en-US" smtClean="0"/>
-              <a:t>9/11/24</a:t>
+              <a:t>9/12/24</a:t>
             </a:fld>
             <a:endParaRPr lang="en-US"/>
           </a:p>
@@ -1254,7 +1255,7 @@
           <a:p>
             <a:fld id="{554481C7-0138-F44B-8530-CFF53F765260}" type="datetimeFigureOut">
               <a:rPr lang="en-US" smtClean="0"/>
-              <a:t>9/11/24</a:t>
+              <a:t>9/12/24</a:t>
             </a:fld>
             <a:endParaRPr lang="en-US"/>
           </a:p>
@@ -1522,7 +1523,7 @@
           <a:p>
             <a:fld id="{554481C7-0138-F44B-8530-CFF53F765260}" type="datetimeFigureOut">
               <a:rPr lang="en-US" smtClean="0"/>
-              <a:t>9/11/24</a:t>
+              <a:t>9/12/24</a:t>
             </a:fld>
             <a:endParaRPr lang="en-US"/>
           </a:p>
@@ -1754,7 +1755,7 @@
           <a:p>
             <a:fld id="{554481C7-0138-F44B-8530-CFF53F765260}" type="datetimeFigureOut">
               <a:rPr lang="en-US" smtClean="0"/>
-              <a:t>9/11/24</a:t>
+              <a:t>9/12/24</a:t>
             </a:fld>
             <a:endParaRPr lang="en-US"/>
           </a:p>
@@ -2118,7 +2119,7 @@
           <a:p>
             <a:fld id="{554481C7-0138-F44B-8530-CFF53F765260}" type="datetimeFigureOut">
               <a:rPr lang="en-US" smtClean="0"/>
-              <a:t>9/11/24</a:t>
+              <a:t>9/12/24</a:t>
             </a:fld>
             <a:endParaRPr lang="en-US"/>
           </a:p>
@@ -2259,7 +2260,7 @@
           <a:p>
             <a:fld id="{554481C7-0138-F44B-8530-CFF53F765260}" type="datetimeFigureOut">
               <a:rPr lang="en-US" smtClean="0"/>
-              <a:t>9/11/24</a:t>
+              <a:t>9/12/24</a:t>
             </a:fld>
             <a:endParaRPr lang="en-US"/>
           </a:p>
@@ -2354,7 +2355,7 @@
           <a:p>
             <a:fld id="{554481C7-0138-F44B-8530-CFF53F765260}" type="datetimeFigureOut">
               <a:rPr lang="en-US" smtClean="0"/>
-              <a:t>9/11/24</a:t>
+              <a:t>9/12/24</a:t>
             </a:fld>
             <a:endParaRPr lang="en-US"/>
           </a:p>
@@ -2711,7 +2712,7 @@
           <a:p>
             <a:fld id="{554481C7-0138-F44B-8530-CFF53F765260}" type="datetimeFigureOut">
               <a:rPr lang="en-US" smtClean="0"/>
-              <a:t>9/11/24</a:t>
+              <a:t>9/12/24</a:t>
             </a:fld>
             <a:endParaRPr lang="en-US"/>
           </a:p>
@@ -3073,7 +3074,7 @@
           <a:p>
             <a:fld id="{554481C7-0138-F44B-8530-CFF53F765260}" type="datetimeFigureOut">
               <a:rPr lang="en-US" smtClean="0"/>
-              <a:t>9/11/24</a:t>
+              <a:t>9/12/24</a:t>
             </a:fld>
             <a:endParaRPr lang="en-US"/>
           </a:p>
@@ -3315,7 +3316,7 @@
           <a:p>
             <a:fld id="{554481C7-0138-F44B-8530-CFF53F765260}" type="datetimeFigureOut">
               <a:rPr lang="en-US" smtClean="0"/>
-              <a:t>9/11/24</a:t>
+              <a:t>9/12/24</a:t>
             </a:fld>
             <a:endParaRPr lang="en-US"/>
           </a:p>
@@ -3839,6 +3840,428 @@
       </p:grpSpPr>
       <p:sp>
         <p:nvSpPr>
+          <p:cNvPr id="8" name="Title 7">
+            <a:extLst>
+              <a:ext uri="{FF2B5EF4-FFF2-40B4-BE49-F238E27FC236}">
+                <a16:creationId xmlns:a16="http://schemas.microsoft.com/office/drawing/2014/main" id="{6AA77E50-7241-CA72-8D17-3325ABA36B44}"/>
+              </a:ext>
+            </a:extLst>
+          </p:cNvPr>
+          <p:cNvSpPr>
+            <a:spLocks noGrp="1"/>
+          </p:cNvSpPr>
+          <p:nvPr>
+            <p:ph type="title"/>
+          </p:nvPr>
+        </p:nvSpPr>
+        <p:spPr>
+          <a:xfrm>
+            <a:off x="2231136" y="367533"/>
+            <a:ext cx="7729728" cy="1188720"/>
+          </a:xfrm>
+        </p:spPr>
+        <p:txBody>
+          <a:bodyPr/>
+          <a:lstStyle/>
+          <a:p>
+            <a:r>
+              <a:rPr lang="en-US" dirty="0"/>
+              <a:t>INGESTION</a:t>
+            </a:r>
+          </a:p>
+        </p:txBody>
+      </p:sp>
+      <p:sp>
+        <p:nvSpPr>
+          <p:cNvPr id="9" name="TextBox 8">
+            <a:extLst>
+              <a:ext uri="{FF2B5EF4-FFF2-40B4-BE49-F238E27FC236}">
+                <a16:creationId xmlns:a16="http://schemas.microsoft.com/office/drawing/2014/main" id="{9BFEBA17-C108-1BAD-FDA1-DFBC3E9DE722}"/>
+              </a:ext>
+            </a:extLst>
+          </p:cNvPr>
+          <p:cNvSpPr txBox="1"/>
+          <p:nvPr/>
+        </p:nvSpPr>
+        <p:spPr>
+          <a:xfrm>
+            <a:off x="412816" y="1922106"/>
+            <a:ext cx="11366367" cy="3416320"/>
+          </a:xfrm>
+          <a:prstGeom prst="rect">
+            <a:avLst/>
+          </a:prstGeom>
+          <a:noFill/>
+        </p:spPr>
+        <p:txBody>
+          <a:bodyPr wrap="square" rtlCol="0">
+            <a:spAutoFit/>
+          </a:bodyPr>
+          <a:lstStyle/>
+          <a:p>
+            <a:r>
+              <a:rPr lang="en-IN" dirty="0">
+                <a:solidFill>
+                  <a:srgbClr val="0E0E0E"/>
+                </a:solidFill>
+                <a:effectLst/>
+                <a:latin typeface=".SF NS"/>
+              </a:rPr>
+              <a:t>• </a:t>
+            </a:r>
+            <a:r>
+              <a:rPr lang="en-IN" b="1" dirty="0">
+                <a:solidFill>
+                  <a:srgbClr val="0E0E0E"/>
+                </a:solidFill>
+                <a:effectLst/>
+                <a:latin typeface=".SF NS"/>
+              </a:rPr>
+              <a:t>Approach</a:t>
+            </a:r>
+            <a:r>
+              <a:rPr lang="en-IN" dirty="0">
+                <a:solidFill>
+                  <a:srgbClr val="0E0E0E"/>
+                </a:solidFill>
+                <a:effectLst/>
+                <a:latin typeface=".SF NS"/>
+              </a:rPr>
+              <a:t>: </a:t>
+            </a:r>
+            <a:r>
+              <a:rPr lang="en-IN" b="1" dirty="0">
+                <a:solidFill>
+                  <a:srgbClr val="0E0E0E"/>
+                </a:solidFill>
+                <a:effectLst/>
+                <a:latin typeface=".SF NS"/>
+              </a:rPr>
+              <a:t>Change Data Capture (CDC)</a:t>
+            </a:r>
+            <a:r>
+              <a:rPr lang="en-IN" dirty="0">
+                <a:solidFill>
+                  <a:srgbClr val="0E0E0E"/>
+                </a:solidFill>
+                <a:effectLst/>
+                <a:latin typeface=".SF NS"/>
+              </a:rPr>
+              <a:t> to extract real-time incremental changes from the OLTP database.</a:t>
+            </a:r>
+          </a:p>
+          <a:p>
+            <a:r>
+              <a:rPr lang="en-IN" dirty="0">
+                <a:solidFill>
+                  <a:srgbClr val="0E0E0E"/>
+                </a:solidFill>
+                <a:effectLst/>
+                <a:latin typeface=".SF NS"/>
+              </a:rPr>
+              <a:t>• </a:t>
+            </a:r>
+            <a:r>
+              <a:rPr lang="en-IN" b="1" dirty="0">
+                <a:solidFill>
+                  <a:srgbClr val="0E0E0E"/>
+                </a:solidFill>
+                <a:effectLst/>
+                <a:latin typeface=".SF NS"/>
+              </a:rPr>
+              <a:t>Tools &amp; Tech Stack</a:t>
+            </a:r>
+            <a:r>
+              <a:rPr lang="en-IN" dirty="0">
+                <a:solidFill>
+                  <a:srgbClr val="0E0E0E"/>
+                </a:solidFill>
+                <a:effectLst/>
+                <a:latin typeface=".SF NS"/>
+              </a:rPr>
+              <a:t>:</a:t>
+            </a:r>
+          </a:p>
+          <a:p>
+            <a:r>
+              <a:rPr lang="en-IN" dirty="0">
+                <a:solidFill>
+                  <a:srgbClr val="0E0E0E"/>
+                </a:solidFill>
+                <a:effectLst/>
+                <a:latin typeface=".SF NS"/>
+              </a:rPr>
+              <a:t>	• </a:t>
+            </a:r>
+            <a:r>
+              <a:rPr lang="en-IN" b="1" dirty="0">
+                <a:solidFill>
+                  <a:srgbClr val="0E0E0E"/>
+                </a:solidFill>
+                <a:effectLst/>
+                <a:latin typeface=".SF NS"/>
+              </a:rPr>
+              <a:t>Amazon DMS</a:t>
+            </a:r>
+            <a:r>
+              <a:rPr lang="en-IN" dirty="0">
+                <a:solidFill>
+                  <a:srgbClr val="0E0E0E"/>
+                </a:solidFill>
+                <a:effectLst/>
+                <a:latin typeface=".SF NS"/>
+              </a:rPr>
+              <a:t>: Captures changes from PostgreSQL (OLTP) via Write-Ahead Logs (WAL).</a:t>
+            </a:r>
+          </a:p>
+          <a:p>
+            <a:r>
+              <a:rPr lang="en-IN" dirty="0">
+                <a:solidFill>
+                  <a:srgbClr val="0E0E0E"/>
+                </a:solidFill>
+                <a:effectLst/>
+                <a:latin typeface=".SF NS"/>
+              </a:rPr>
+              <a:t>	• </a:t>
+            </a:r>
+            <a:r>
+              <a:rPr lang="en-IN" b="1" dirty="0">
+                <a:solidFill>
+                  <a:srgbClr val="0E0E0E"/>
+                </a:solidFill>
+                <a:effectLst/>
+                <a:latin typeface=".SF NS"/>
+              </a:rPr>
+              <a:t>Amazon S3</a:t>
+            </a:r>
+            <a:r>
+              <a:rPr lang="en-IN" dirty="0">
+                <a:solidFill>
+                  <a:srgbClr val="0E0E0E"/>
+                </a:solidFill>
+                <a:effectLst/>
+                <a:latin typeface=".SF NS"/>
+              </a:rPr>
+              <a:t>: Used as a raw layer for raw CDC data.</a:t>
+            </a:r>
+          </a:p>
+          <a:p>
+            <a:r>
+              <a:rPr lang="en-IN" dirty="0">
+                <a:solidFill>
+                  <a:srgbClr val="0E0E0E"/>
+                </a:solidFill>
+                <a:effectLst/>
+                <a:latin typeface=".SF NS"/>
+              </a:rPr>
+              <a:t>• </a:t>
+            </a:r>
+            <a:r>
+              <a:rPr lang="en-IN" b="1" dirty="0">
+                <a:solidFill>
+                  <a:srgbClr val="0E0E0E"/>
+                </a:solidFill>
+                <a:effectLst/>
+                <a:latin typeface=".SF NS"/>
+              </a:rPr>
+              <a:t>Why CDC?</a:t>
+            </a:r>
+            <a:r>
+              <a:rPr lang="en-IN" dirty="0">
+                <a:solidFill>
+                  <a:srgbClr val="0E0E0E"/>
+                </a:solidFill>
+                <a:effectLst/>
+                <a:latin typeface=".SF NS"/>
+              </a:rPr>
+              <a:t>:</a:t>
+            </a:r>
+          </a:p>
+          <a:p>
+            <a:r>
+              <a:rPr lang="en-IN" dirty="0">
+                <a:solidFill>
+                  <a:srgbClr val="0E0E0E"/>
+                </a:solidFill>
+                <a:effectLst/>
+                <a:latin typeface=".SF NS"/>
+              </a:rPr>
+              <a:t>	• </a:t>
+            </a:r>
+            <a:r>
+              <a:rPr lang="en-IN" b="1" dirty="0">
+                <a:solidFill>
+                  <a:srgbClr val="0E0E0E"/>
+                </a:solidFill>
+                <a:effectLst/>
+                <a:latin typeface=".SF NS"/>
+              </a:rPr>
+              <a:t>Real-Time Updates</a:t>
+            </a:r>
+            <a:r>
+              <a:rPr lang="en-IN" dirty="0">
+                <a:solidFill>
+                  <a:srgbClr val="0E0E0E"/>
+                </a:solidFill>
+                <a:effectLst/>
+                <a:latin typeface=".SF NS"/>
+              </a:rPr>
+              <a:t>: Captures only changes (inserts, updates, deletes) for efficient data movement.</a:t>
+            </a:r>
+          </a:p>
+          <a:p>
+            <a:r>
+              <a:rPr lang="en-IN" dirty="0">
+                <a:solidFill>
+                  <a:srgbClr val="0E0E0E"/>
+                </a:solidFill>
+                <a:effectLst/>
+                <a:latin typeface=".SF NS"/>
+              </a:rPr>
+              <a:t>	• </a:t>
+            </a:r>
+            <a:r>
+              <a:rPr lang="en-IN" b="1" dirty="0">
+                <a:solidFill>
+                  <a:srgbClr val="0E0E0E"/>
+                </a:solidFill>
+                <a:effectLst/>
+                <a:latin typeface=".SF NS"/>
+              </a:rPr>
+              <a:t>Minimizes DB Overhead</a:t>
+            </a:r>
+            <a:r>
+              <a:rPr lang="en-IN" dirty="0">
+                <a:solidFill>
+                  <a:srgbClr val="0E0E0E"/>
+                </a:solidFill>
+                <a:effectLst/>
+                <a:latin typeface=".SF NS"/>
+              </a:rPr>
+              <a:t>: CDC uses transaction logs (WAL), avoiding direct database queries and reducing lock contention.</a:t>
+            </a:r>
+          </a:p>
+          <a:p>
+            <a:r>
+              <a:rPr lang="en-IN" dirty="0">
+                <a:solidFill>
+                  <a:srgbClr val="0E0E0E"/>
+                </a:solidFill>
+                <a:effectLst/>
+                <a:latin typeface=".SF NS"/>
+              </a:rPr>
+              <a:t>	• </a:t>
+            </a:r>
+            <a:r>
+              <a:rPr lang="en-IN" b="1" dirty="0">
+                <a:solidFill>
+                  <a:srgbClr val="0E0E0E"/>
+                </a:solidFill>
+                <a:effectLst/>
+                <a:latin typeface=".SF NS"/>
+              </a:rPr>
+              <a:t>Scalable</a:t>
+            </a:r>
+            <a:r>
+              <a:rPr lang="en-IN" dirty="0">
+                <a:solidFill>
+                  <a:srgbClr val="0E0E0E"/>
+                </a:solidFill>
+                <a:effectLst/>
+                <a:latin typeface=".SF NS"/>
+              </a:rPr>
+              <a:t>: Optimized for high-frequency data changes at Amazon scale without full table scans.</a:t>
+            </a:r>
+          </a:p>
+          <a:p>
+            <a:endParaRPr lang="en-IN" dirty="0">
+              <a:solidFill>
+                <a:srgbClr val="0E0E0E"/>
+              </a:solidFill>
+              <a:latin typeface=".SF NS"/>
+            </a:endParaRPr>
+          </a:p>
+          <a:p>
+            <a:endParaRPr lang="en-IN" dirty="0">
+              <a:solidFill>
+                <a:srgbClr val="0E0E0E"/>
+              </a:solidFill>
+              <a:effectLst/>
+              <a:latin typeface=".SF NS"/>
+            </a:endParaRPr>
+          </a:p>
+          <a:p>
+            <a:r>
+              <a:rPr lang="en-IN" dirty="0">
+                <a:solidFill>
+                  <a:srgbClr val="0E0E0E"/>
+                </a:solidFill>
+                <a:latin typeface=".SF NS"/>
+              </a:rPr>
+              <a:t>References: </a:t>
+            </a:r>
+            <a:r>
+              <a:rPr lang="en-IN" dirty="0">
+                <a:solidFill>
+                  <a:srgbClr val="0E0E0E"/>
+                </a:solidFill>
+                <a:latin typeface=".SF NS"/>
+                <a:hlinkClick r:id="rId2"/>
+              </a:rPr>
+              <a:t>https://www.dataengineeringweekly.com/p/evaluating-change-data-capture-tools</a:t>
+            </a:r>
+            <a:r>
+              <a:rPr lang="en-IN" dirty="0">
+                <a:solidFill>
+                  <a:srgbClr val="0E0E0E"/>
+                </a:solidFill>
+                <a:latin typeface=".SF NS"/>
+              </a:rPr>
+              <a:t> </a:t>
+            </a:r>
+            <a:endParaRPr lang="en-IN" dirty="0">
+              <a:solidFill>
+                <a:srgbClr val="0E0E0E"/>
+              </a:solidFill>
+              <a:effectLst/>
+              <a:latin typeface=".SF NS"/>
+            </a:endParaRPr>
+          </a:p>
+        </p:txBody>
+      </p:sp>
+    </p:spTree>
+    <p:extLst>
+      <p:ext uri="{BB962C8B-B14F-4D97-AF65-F5344CB8AC3E}">
+        <p14:creationId xmlns:p14="http://schemas.microsoft.com/office/powerpoint/2010/main" val="3849864047"/>
+      </p:ext>
+    </p:extLst>
+  </p:cSld>
+  <p:clrMapOvr>
+    <a:masterClrMapping/>
+  </p:clrMapOvr>
+</p:sld>
+</file>
+
+<file path=ppt/slides/slide11.xml><?xml version="1.0" encoding="utf-8"?>
+<p:sld xmlns:a="http://schemas.openxmlformats.org/drawingml/2006/main" xmlns:r="http://schemas.openxmlformats.org/officeDocument/2006/relationships" xmlns:p="http://schemas.openxmlformats.org/presentationml/2006/main">
+  <p:cSld>
+    <p:spTree>
+      <p:nvGrpSpPr>
+        <p:cNvPr id="1" name=""/>
+        <p:cNvGrpSpPr/>
+        <p:nvPr/>
+      </p:nvGrpSpPr>
+      <p:grpSpPr>
+        <a:xfrm>
+          <a:off x="0" y="0"/>
+          <a:ext cx="0" cy="0"/>
+          <a:chOff x="0" y="0"/>
+          <a:chExt cx="0" cy="0"/>
+        </a:xfrm>
+      </p:grpSpPr>
+      <p:sp>
+        <p:nvSpPr>
           <p:cNvPr id="2" name="Title 1">
             <a:extLst>
               <a:ext uri="{FF2B5EF4-FFF2-40B4-BE49-F238E27FC236}">
@@ -4470,7 +4893,7 @@
 </p:sld>
 </file>
 
-<file path=ppt/slides/slide11.xml><?xml version="1.0" encoding="utf-8"?>
+<file path=ppt/slides/slide12.xml><?xml version="1.0" encoding="utf-8"?>
 <p:sld xmlns:a="http://schemas.openxmlformats.org/drawingml/2006/main" xmlns:r="http://schemas.openxmlformats.org/officeDocument/2006/relationships" xmlns:p="http://schemas.openxmlformats.org/presentationml/2006/main">
   <p:cSld>
     <p:spTree>
@@ -5138,7 +5561,7 @@
 </p:sld>
 </file>
 
-<file path=ppt/slides/slide12.xml><?xml version="1.0" encoding="utf-8"?>
+<file path=ppt/slides/slide13.xml><?xml version="1.0" encoding="utf-8"?>
 <p:sld xmlns:a="http://schemas.openxmlformats.org/drawingml/2006/main" xmlns:r="http://schemas.openxmlformats.org/officeDocument/2006/relationships" xmlns:p="http://schemas.openxmlformats.org/presentationml/2006/main">
   <p:cSld>
     <p:spTree>
@@ -5446,7 +5869,7 @@
 </p:sld>
 </file>
 
-<file path=ppt/slides/slide13.xml><?xml version="1.0" encoding="utf-8"?>
+<file path=ppt/slides/slide14.xml><?xml version="1.0" encoding="utf-8"?>
 <p:sld xmlns:a="http://schemas.openxmlformats.org/drawingml/2006/main" xmlns:r="http://schemas.openxmlformats.org/officeDocument/2006/relationships" xmlns:p="http://schemas.openxmlformats.org/presentationml/2006/main">
   <p:cSld>
     <p:spTree>
@@ -5960,7 +6383,7 @@
 </p:sld>
 </file>
 
-<file path=ppt/slides/slide14.xml><?xml version="1.0" encoding="utf-8"?>
+<file path=ppt/slides/slide15.xml><?xml version="1.0" encoding="utf-8"?>
 <p:sld xmlns:a="http://schemas.openxmlformats.org/drawingml/2006/main" xmlns:r="http://schemas.openxmlformats.org/officeDocument/2006/relationships" xmlns:p="http://schemas.openxmlformats.org/presentationml/2006/main">
   <p:cSld>
     <p:spTree>
@@ -6020,7 +6443,7 @@
 </p:sld>
 </file>
 
-<file path=ppt/slides/slide15.xml><?xml version="1.0" encoding="utf-8"?>
+<file path=ppt/slides/slide16.xml><?xml version="1.0" encoding="utf-8"?>
 <p:sld xmlns:a="http://schemas.openxmlformats.org/drawingml/2006/main" xmlns:r="http://schemas.openxmlformats.org/officeDocument/2006/relationships" xmlns:p="http://schemas.openxmlformats.org/presentationml/2006/main">
   <p:cSld>
     <p:spTree>
@@ -6518,7 +6941,7 @@
 </p:sld>
 </file>
 
-<file path=ppt/slides/slide16.xml><?xml version="1.0" encoding="utf-8"?>
+<file path=ppt/slides/slide17.xml><?xml version="1.0" encoding="utf-8"?>
 <p:sld xmlns:a="http://schemas.openxmlformats.org/drawingml/2006/main" xmlns:r="http://schemas.openxmlformats.org/officeDocument/2006/relationships" xmlns:p="http://schemas.openxmlformats.org/presentationml/2006/main">
   <p:cSld>
     <p:spTree>
@@ -7038,7 +7461,7 @@
 </p:sld>
 </file>
 
-<file path=ppt/slides/slide17.xml><?xml version="1.0" encoding="utf-8"?>
+<file path=ppt/slides/slide18.xml><?xml version="1.0" encoding="utf-8"?>
 <p:sld xmlns:a="http://schemas.openxmlformats.org/drawingml/2006/main" xmlns:r="http://schemas.openxmlformats.org/officeDocument/2006/relationships" xmlns:p="http://schemas.openxmlformats.org/presentationml/2006/main">
   <p:cSld>
     <p:spTree>
@@ -7336,7 +7759,7 @@
 </p:sld>
 </file>
 
-<file path=ppt/slides/slide18.xml><?xml version="1.0" encoding="utf-8"?>
+<file path=ppt/slides/slide19.xml><?xml version="1.0" encoding="utf-8"?>
 <p:sld xmlns:a="http://schemas.openxmlformats.org/drawingml/2006/main" xmlns:r="http://schemas.openxmlformats.org/officeDocument/2006/relationships" xmlns:p="http://schemas.openxmlformats.org/presentationml/2006/main">
   <p:cSld>
     <p:spTree>
@@ -7653,351 +8076,6 @@
     <p:extLst>
       <p:ext uri="{BB962C8B-B14F-4D97-AF65-F5344CB8AC3E}">
         <p14:creationId xmlns:p14="http://schemas.microsoft.com/office/powerpoint/2010/main" val="2040254199"/>
-      </p:ext>
-    </p:extLst>
-  </p:cSld>
-  <p:clrMapOvr>
-    <a:masterClrMapping/>
-  </p:clrMapOvr>
-</p:sld>
-</file>
-
-<file path=ppt/slides/slide19.xml><?xml version="1.0" encoding="utf-8"?>
-<p:sld xmlns:a="http://schemas.openxmlformats.org/drawingml/2006/main" xmlns:r="http://schemas.openxmlformats.org/officeDocument/2006/relationships" xmlns:p="http://schemas.openxmlformats.org/presentationml/2006/main">
-  <p:cSld>
-    <p:spTree>
-      <p:nvGrpSpPr>
-        <p:cNvPr id="1" name=""/>
-        <p:cNvGrpSpPr/>
-        <p:nvPr/>
-      </p:nvGrpSpPr>
-      <p:grpSpPr>
-        <a:xfrm>
-          <a:off x="0" y="0"/>
-          <a:ext cx="0" cy="0"/>
-          <a:chOff x="0" y="0"/>
-          <a:chExt cx="0" cy="0"/>
-        </a:xfrm>
-      </p:grpSpPr>
-      <p:sp>
-        <p:nvSpPr>
-          <p:cNvPr id="2" name="Title 1">
-            <a:extLst>
-              <a:ext uri="{FF2B5EF4-FFF2-40B4-BE49-F238E27FC236}">
-                <a16:creationId xmlns:a16="http://schemas.microsoft.com/office/drawing/2014/main" id="{9F73F33A-48C9-FE65-73BE-7C0246413DB9}"/>
-              </a:ext>
-            </a:extLst>
-          </p:cNvPr>
-          <p:cNvSpPr>
-            <a:spLocks noGrp="1"/>
-          </p:cNvSpPr>
-          <p:nvPr>
-            <p:ph type="title"/>
-          </p:nvPr>
-        </p:nvSpPr>
-        <p:spPr/>
-        <p:txBody>
-          <a:bodyPr/>
-          <a:lstStyle/>
-          <a:p>
-            <a:r>
-              <a:rPr lang="en-US" dirty="0"/>
-              <a:t>Data Security in the ETL Pipeline</a:t>
-            </a:r>
-          </a:p>
-        </p:txBody>
-      </p:sp>
-      <p:sp>
-        <p:nvSpPr>
-          <p:cNvPr id="3" name="TextBox 2">
-            <a:extLst>
-              <a:ext uri="{FF2B5EF4-FFF2-40B4-BE49-F238E27FC236}">
-                <a16:creationId xmlns:a16="http://schemas.microsoft.com/office/drawing/2014/main" id="{D5587A5A-BE57-3897-0127-2CE8E65A59D3}"/>
-              </a:ext>
-            </a:extLst>
-          </p:cNvPr>
-          <p:cNvSpPr txBox="1"/>
-          <p:nvPr/>
-        </p:nvSpPr>
-        <p:spPr>
-          <a:xfrm>
-            <a:off x="501529" y="2673264"/>
-            <a:ext cx="11568936" cy="2031325"/>
-          </a:xfrm>
-          <a:prstGeom prst="rect">
-            <a:avLst/>
-          </a:prstGeom>
-          <a:noFill/>
-        </p:spPr>
-        <p:txBody>
-          <a:bodyPr wrap="none" rtlCol="0">
-            <a:spAutoFit/>
-          </a:bodyPr>
-          <a:lstStyle/>
-          <a:p>
-            <a:r>
-              <a:rPr lang="en-IN" dirty="0">
-                <a:solidFill>
-                  <a:srgbClr val="0E0E0E"/>
-                </a:solidFill>
-                <a:effectLst/>
-                <a:latin typeface=".SF NS"/>
-              </a:rPr>
-              <a:t>• Data security is a priority across the entire pipeline:</a:t>
-            </a:r>
-          </a:p>
-          <a:p>
-            <a:r>
-              <a:rPr lang="en-IN" dirty="0">
-                <a:solidFill>
-                  <a:srgbClr val="0E0E0E"/>
-                </a:solidFill>
-                <a:effectLst/>
-                <a:latin typeface=".SF NS"/>
-              </a:rPr>
-              <a:t>• </a:t>
-            </a:r>
-            <a:r>
-              <a:rPr lang="en-IN" b="1" dirty="0">
-                <a:solidFill>
-                  <a:srgbClr val="0E0E0E"/>
-                </a:solidFill>
-                <a:effectLst/>
-                <a:latin typeface=".SF NS"/>
-              </a:rPr>
-              <a:t>Encryption at rest</a:t>
-            </a:r>
-            <a:r>
-              <a:rPr lang="en-IN" dirty="0">
-                <a:solidFill>
-                  <a:srgbClr val="0E0E0E"/>
-                </a:solidFill>
-                <a:effectLst/>
-                <a:latin typeface=".SF NS"/>
-              </a:rPr>
-              <a:t> is enabled for all storage points, such as </a:t>
-            </a:r>
-            <a:r>
-              <a:rPr lang="en-IN" b="1" dirty="0">
-                <a:solidFill>
-                  <a:srgbClr val="0E0E0E"/>
-                </a:solidFill>
-                <a:effectLst/>
-                <a:latin typeface=".SF NS"/>
-              </a:rPr>
-              <a:t>S3</a:t>
-            </a:r>
-            <a:r>
-              <a:rPr lang="en-IN" dirty="0">
-                <a:solidFill>
-                  <a:srgbClr val="0E0E0E"/>
-                </a:solidFill>
-                <a:effectLst/>
-                <a:latin typeface=".SF NS"/>
-              </a:rPr>
-              <a:t> and </a:t>
-            </a:r>
-            <a:r>
-              <a:rPr lang="en-IN" b="1" dirty="0">
-                <a:solidFill>
-                  <a:srgbClr val="0E0E0E"/>
-                </a:solidFill>
-                <a:effectLst/>
-                <a:latin typeface=".SF NS"/>
-              </a:rPr>
-              <a:t>Redshift</a:t>
-            </a:r>
-            <a:r>
-              <a:rPr lang="en-IN" dirty="0">
-                <a:solidFill>
-                  <a:srgbClr val="0E0E0E"/>
-                </a:solidFill>
-                <a:effectLst/>
-                <a:latin typeface=".SF NS"/>
-              </a:rPr>
-              <a:t>, using </a:t>
-            </a:r>
-            <a:r>
-              <a:rPr lang="en-IN" b="1" dirty="0">
-                <a:solidFill>
-                  <a:srgbClr val="0E0E0E"/>
-                </a:solidFill>
-                <a:effectLst/>
-                <a:latin typeface=".SF NS"/>
-              </a:rPr>
-              <a:t>AWS KMS</a:t>
-            </a:r>
-            <a:r>
-              <a:rPr lang="en-IN" dirty="0">
-                <a:solidFill>
-                  <a:srgbClr val="0E0E0E"/>
-                </a:solidFill>
-                <a:effectLst/>
-                <a:latin typeface=".SF NS"/>
-              </a:rPr>
-              <a:t> (Key Management Service).</a:t>
-            </a:r>
-          </a:p>
-          <a:p>
-            <a:r>
-              <a:rPr lang="en-IN" dirty="0">
-                <a:solidFill>
-                  <a:srgbClr val="0E0E0E"/>
-                </a:solidFill>
-                <a:effectLst/>
-                <a:latin typeface=".SF NS"/>
-              </a:rPr>
-              <a:t>• </a:t>
-            </a:r>
-            <a:r>
-              <a:rPr lang="en-IN" b="1" dirty="0">
-                <a:solidFill>
-                  <a:srgbClr val="0E0E0E"/>
-                </a:solidFill>
-                <a:effectLst/>
-                <a:latin typeface=".SF NS"/>
-              </a:rPr>
-              <a:t>Encryption in transit</a:t>
-            </a:r>
-            <a:r>
-              <a:rPr lang="en-IN" dirty="0">
-                <a:solidFill>
-                  <a:srgbClr val="0E0E0E"/>
-                </a:solidFill>
-                <a:effectLst/>
-                <a:latin typeface=".SF NS"/>
-              </a:rPr>
-              <a:t> ensures that all communication between services like Glue, S3, and Redshift is secure </a:t>
-            </a:r>
-            <a:br>
-              <a:rPr lang="en-IN" dirty="0">
-                <a:solidFill>
-                  <a:srgbClr val="0E0E0E"/>
-                </a:solidFill>
-                <a:effectLst/>
-                <a:latin typeface=".SF NS"/>
-              </a:rPr>
-            </a:br>
-            <a:r>
-              <a:rPr lang="en-IN" dirty="0">
-                <a:solidFill>
-                  <a:srgbClr val="0E0E0E"/>
-                </a:solidFill>
-                <a:effectLst/>
-                <a:latin typeface=".SF NS"/>
-              </a:rPr>
-              <a:t>using </a:t>
-            </a:r>
-            <a:r>
-              <a:rPr lang="en-IN" b="1" dirty="0">
-                <a:solidFill>
-                  <a:srgbClr val="0E0E0E"/>
-                </a:solidFill>
-                <a:effectLst/>
-                <a:latin typeface=".SF NS"/>
-              </a:rPr>
-              <a:t>TLS</a:t>
-            </a:r>
-            <a:r>
-              <a:rPr lang="en-IN" dirty="0">
-                <a:solidFill>
-                  <a:srgbClr val="0E0E0E"/>
-                </a:solidFill>
-                <a:effectLst/>
-                <a:latin typeface=".SF NS"/>
-              </a:rPr>
-              <a:t> (Transport Layer Security).</a:t>
-            </a:r>
-          </a:p>
-          <a:p>
-            <a:r>
-              <a:rPr lang="en-IN" dirty="0">
-                <a:solidFill>
-                  <a:srgbClr val="0E0E0E"/>
-                </a:solidFill>
-                <a:effectLst/>
-                <a:latin typeface=".SF NS"/>
-              </a:rPr>
-              <a:t>• </a:t>
-            </a:r>
-            <a:r>
-              <a:rPr lang="en-IN" b="1" dirty="0">
-                <a:solidFill>
-                  <a:srgbClr val="0E0E0E"/>
-                </a:solidFill>
-                <a:effectLst/>
-                <a:latin typeface=".SF NS"/>
-              </a:rPr>
-              <a:t>Role-based access control (RBAC)</a:t>
-            </a:r>
-            <a:r>
-              <a:rPr lang="en-IN" dirty="0">
-                <a:solidFill>
-                  <a:srgbClr val="0E0E0E"/>
-                </a:solidFill>
-                <a:effectLst/>
-                <a:latin typeface=".SF NS"/>
-              </a:rPr>
-              <a:t> ensures that only authorized users can run jobs or access sensitive data.</a:t>
-            </a:r>
-          </a:p>
-          <a:p>
-            <a:r>
-              <a:rPr lang="en-IN" dirty="0">
-                <a:solidFill>
-                  <a:srgbClr val="0E0E0E"/>
-                </a:solidFill>
-                <a:effectLst/>
-                <a:latin typeface=".SF NS"/>
-              </a:rPr>
-              <a:t>• For fields that contain personally identifiable information (PII), we can implement </a:t>
-            </a:r>
-            <a:r>
-              <a:rPr lang="en-IN" b="1" dirty="0">
-                <a:solidFill>
-                  <a:srgbClr val="0E0E0E"/>
-                </a:solidFill>
-                <a:effectLst/>
-                <a:latin typeface=".SF NS"/>
-              </a:rPr>
-              <a:t>column-level encryption</a:t>
-            </a:r>
-            <a:r>
-              <a:rPr lang="en-IN" dirty="0">
-                <a:solidFill>
-                  <a:srgbClr val="0E0E0E"/>
-                </a:solidFill>
-                <a:effectLst/>
-                <a:latin typeface=".SF NS"/>
-              </a:rPr>
-              <a:t>,</a:t>
-            </a:r>
-            <a:br>
-              <a:rPr lang="en-IN" dirty="0">
-                <a:solidFill>
-                  <a:srgbClr val="0E0E0E"/>
-                </a:solidFill>
-                <a:effectLst/>
-                <a:latin typeface=".SF NS"/>
-              </a:rPr>
-            </a:br>
-            <a:r>
-              <a:rPr lang="en-IN" dirty="0">
-                <a:solidFill>
-                  <a:srgbClr val="0E0E0E"/>
-                </a:solidFill>
-                <a:effectLst/>
-                <a:latin typeface=".SF NS"/>
-              </a:rPr>
-              <a:t> ensuring only authorized personnel can access sensitive data.</a:t>
-            </a:r>
-          </a:p>
-        </p:txBody>
-      </p:sp>
-    </p:spTree>
-    <p:extLst>
-      <p:ext uri="{BB962C8B-B14F-4D97-AF65-F5344CB8AC3E}">
-        <p14:creationId xmlns:p14="http://schemas.microsoft.com/office/powerpoint/2010/main" val="3004684989"/>
       </p:ext>
     </p:extLst>
   </p:cSld>
@@ -8219,6 +8297,351 @@
           <p:cNvPr id="2" name="Title 1">
             <a:extLst>
               <a:ext uri="{FF2B5EF4-FFF2-40B4-BE49-F238E27FC236}">
+                <a16:creationId xmlns:a16="http://schemas.microsoft.com/office/drawing/2014/main" id="{9F73F33A-48C9-FE65-73BE-7C0246413DB9}"/>
+              </a:ext>
+            </a:extLst>
+          </p:cNvPr>
+          <p:cNvSpPr>
+            <a:spLocks noGrp="1"/>
+          </p:cNvSpPr>
+          <p:nvPr>
+            <p:ph type="title"/>
+          </p:nvPr>
+        </p:nvSpPr>
+        <p:spPr/>
+        <p:txBody>
+          <a:bodyPr/>
+          <a:lstStyle/>
+          <a:p>
+            <a:r>
+              <a:rPr lang="en-US" dirty="0"/>
+              <a:t>Data Security in the ETL Pipeline</a:t>
+            </a:r>
+          </a:p>
+        </p:txBody>
+      </p:sp>
+      <p:sp>
+        <p:nvSpPr>
+          <p:cNvPr id="3" name="TextBox 2">
+            <a:extLst>
+              <a:ext uri="{FF2B5EF4-FFF2-40B4-BE49-F238E27FC236}">
+                <a16:creationId xmlns:a16="http://schemas.microsoft.com/office/drawing/2014/main" id="{D5587A5A-BE57-3897-0127-2CE8E65A59D3}"/>
+              </a:ext>
+            </a:extLst>
+          </p:cNvPr>
+          <p:cNvSpPr txBox="1"/>
+          <p:nvPr/>
+        </p:nvSpPr>
+        <p:spPr>
+          <a:xfrm>
+            <a:off x="501529" y="2673264"/>
+            <a:ext cx="11568936" cy="2031325"/>
+          </a:xfrm>
+          <a:prstGeom prst="rect">
+            <a:avLst/>
+          </a:prstGeom>
+          <a:noFill/>
+        </p:spPr>
+        <p:txBody>
+          <a:bodyPr wrap="none" rtlCol="0">
+            <a:spAutoFit/>
+          </a:bodyPr>
+          <a:lstStyle/>
+          <a:p>
+            <a:r>
+              <a:rPr lang="en-IN" dirty="0">
+                <a:solidFill>
+                  <a:srgbClr val="0E0E0E"/>
+                </a:solidFill>
+                <a:effectLst/>
+                <a:latin typeface=".SF NS"/>
+              </a:rPr>
+              <a:t>• Data security is a priority across the entire pipeline:</a:t>
+            </a:r>
+          </a:p>
+          <a:p>
+            <a:r>
+              <a:rPr lang="en-IN" dirty="0">
+                <a:solidFill>
+                  <a:srgbClr val="0E0E0E"/>
+                </a:solidFill>
+                <a:effectLst/>
+                <a:latin typeface=".SF NS"/>
+              </a:rPr>
+              <a:t>• </a:t>
+            </a:r>
+            <a:r>
+              <a:rPr lang="en-IN" b="1" dirty="0">
+                <a:solidFill>
+                  <a:srgbClr val="0E0E0E"/>
+                </a:solidFill>
+                <a:effectLst/>
+                <a:latin typeface=".SF NS"/>
+              </a:rPr>
+              <a:t>Encryption at rest</a:t>
+            </a:r>
+            <a:r>
+              <a:rPr lang="en-IN" dirty="0">
+                <a:solidFill>
+                  <a:srgbClr val="0E0E0E"/>
+                </a:solidFill>
+                <a:effectLst/>
+                <a:latin typeface=".SF NS"/>
+              </a:rPr>
+              <a:t> is enabled for all storage points, such as </a:t>
+            </a:r>
+            <a:r>
+              <a:rPr lang="en-IN" b="1" dirty="0">
+                <a:solidFill>
+                  <a:srgbClr val="0E0E0E"/>
+                </a:solidFill>
+                <a:effectLst/>
+                <a:latin typeface=".SF NS"/>
+              </a:rPr>
+              <a:t>S3</a:t>
+            </a:r>
+            <a:r>
+              <a:rPr lang="en-IN" dirty="0">
+                <a:solidFill>
+                  <a:srgbClr val="0E0E0E"/>
+                </a:solidFill>
+                <a:effectLst/>
+                <a:latin typeface=".SF NS"/>
+              </a:rPr>
+              <a:t> and </a:t>
+            </a:r>
+            <a:r>
+              <a:rPr lang="en-IN" b="1" dirty="0">
+                <a:solidFill>
+                  <a:srgbClr val="0E0E0E"/>
+                </a:solidFill>
+                <a:effectLst/>
+                <a:latin typeface=".SF NS"/>
+              </a:rPr>
+              <a:t>Redshift</a:t>
+            </a:r>
+            <a:r>
+              <a:rPr lang="en-IN" dirty="0">
+                <a:solidFill>
+                  <a:srgbClr val="0E0E0E"/>
+                </a:solidFill>
+                <a:effectLst/>
+                <a:latin typeface=".SF NS"/>
+              </a:rPr>
+              <a:t>, using </a:t>
+            </a:r>
+            <a:r>
+              <a:rPr lang="en-IN" b="1" dirty="0">
+                <a:solidFill>
+                  <a:srgbClr val="0E0E0E"/>
+                </a:solidFill>
+                <a:effectLst/>
+                <a:latin typeface=".SF NS"/>
+              </a:rPr>
+              <a:t>AWS KMS</a:t>
+            </a:r>
+            <a:r>
+              <a:rPr lang="en-IN" dirty="0">
+                <a:solidFill>
+                  <a:srgbClr val="0E0E0E"/>
+                </a:solidFill>
+                <a:effectLst/>
+                <a:latin typeface=".SF NS"/>
+              </a:rPr>
+              <a:t> (Key Management Service).</a:t>
+            </a:r>
+          </a:p>
+          <a:p>
+            <a:r>
+              <a:rPr lang="en-IN" dirty="0">
+                <a:solidFill>
+                  <a:srgbClr val="0E0E0E"/>
+                </a:solidFill>
+                <a:effectLst/>
+                <a:latin typeface=".SF NS"/>
+              </a:rPr>
+              <a:t>• </a:t>
+            </a:r>
+            <a:r>
+              <a:rPr lang="en-IN" b="1" dirty="0">
+                <a:solidFill>
+                  <a:srgbClr val="0E0E0E"/>
+                </a:solidFill>
+                <a:effectLst/>
+                <a:latin typeface=".SF NS"/>
+              </a:rPr>
+              <a:t>Encryption in transit</a:t>
+            </a:r>
+            <a:r>
+              <a:rPr lang="en-IN" dirty="0">
+                <a:solidFill>
+                  <a:srgbClr val="0E0E0E"/>
+                </a:solidFill>
+                <a:effectLst/>
+                <a:latin typeface=".SF NS"/>
+              </a:rPr>
+              <a:t> ensures that all communication between services like Glue, S3, and Redshift is secure </a:t>
+            </a:r>
+            <a:br>
+              <a:rPr lang="en-IN" dirty="0">
+                <a:solidFill>
+                  <a:srgbClr val="0E0E0E"/>
+                </a:solidFill>
+                <a:effectLst/>
+                <a:latin typeface=".SF NS"/>
+              </a:rPr>
+            </a:br>
+            <a:r>
+              <a:rPr lang="en-IN" dirty="0">
+                <a:solidFill>
+                  <a:srgbClr val="0E0E0E"/>
+                </a:solidFill>
+                <a:effectLst/>
+                <a:latin typeface=".SF NS"/>
+              </a:rPr>
+              <a:t>using </a:t>
+            </a:r>
+            <a:r>
+              <a:rPr lang="en-IN" b="1" dirty="0">
+                <a:solidFill>
+                  <a:srgbClr val="0E0E0E"/>
+                </a:solidFill>
+                <a:effectLst/>
+                <a:latin typeface=".SF NS"/>
+              </a:rPr>
+              <a:t>TLS</a:t>
+            </a:r>
+            <a:r>
+              <a:rPr lang="en-IN" dirty="0">
+                <a:solidFill>
+                  <a:srgbClr val="0E0E0E"/>
+                </a:solidFill>
+                <a:effectLst/>
+                <a:latin typeface=".SF NS"/>
+              </a:rPr>
+              <a:t> (Transport Layer Security).</a:t>
+            </a:r>
+          </a:p>
+          <a:p>
+            <a:r>
+              <a:rPr lang="en-IN" dirty="0">
+                <a:solidFill>
+                  <a:srgbClr val="0E0E0E"/>
+                </a:solidFill>
+                <a:effectLst/>
+                <a:latin typeface=".SF NS"/>
+              </a:rPr>
+              <a:t>• </a:t>
+            </a:r>
+            <a:r>
+              <a:rPr lang="en-IN" b="1" dirty="0">
+                <a:solidFill>
+                  <a:srgbClr val="0E0E0E"/>
+                </a:solidFill>
+                <a:effectLst/>
+                <a:latin typeface=".SF NS"/>
+              </a:rPr>
+              <a:t>Role-based access control (RBAC)</a:t>
+            </a:r>
+            <a:r>
+              <a:rPr lang="en-IN" dirty="0">
+                <a:solidFill>
+                  <a:srgbClr val="0E0E0E"/>
+                </a:solidFill>
+                <a:effectLst/>
+                <a:latin typeface=".SF NS"/>
+              </a:rPr>
+              <a:t> ensures that only authorized users can run jobs or access sensitive data.</a:t>
+            </a:r>
+          </a:p>
+          <a:p>
+            <a:r>
+              <a:rPr lang="en-IN" dirty="0">
+                <a:solidFill>
+                  <a:srgbClr val="0E0E0E"/>
+                </a:solidFill>
+                <a:effectLst/>
+                <a:latin typeface=".SF NS"/>
+              </a:rPr>
+              <a:t>• For fields that contain personally identifiable information (PII), we can implement </a:t>
+            </a:r>
+            <a:r>
+              <a:rPr lang="en-IN" b="1" dirty="0">
+                <a:solidFill>
+                  <a:srgbClr val="0E0E0E"/>
+                </a:solidFill>
+                <a:effectLst/>
+                <a:latin typeface=".SF NS"/>
+              </a:rPr>
+              <a:t>column-level encryption</a:t>
+            </a:r>
+            <a:r>
+              <a:rPr lang="en-IN" dirty="0">
+                <a:solidFill>
+                  <a:srgbClr val="0E0E0E"/>
+                </a:solidFill>
+                <a:effectLst/>
+                <a:latin typeface=".SF NS"/>
+              </a:rPr>
+              <a:t>,</a:t>
+            </a:r>
+            <a:br>
+              <a:rPr lang="en-IN" dirty="0">
+                <a:solidFill>
+                  <a:srgbClr val="0E0E0E"/>
+                </a:solidFill>
+                <a:effectLst/>
+                <a:latin typeface=".SF NS"/>
+              </a:rPr>
+            </a:br>
+            <a:r>
+              <a:rPr lang="en-IN" dirty="0">
+                <a:solidFill>
+                  <a:srgbClr val="0E0E0E"/>
+                </a:solidFill>
+                <a:effectLst/>
+                <a:latin typeface=".SF NS"/>
+              </a:rPr>
+              <a:t> ensuring only authorized personnel can access sensitive data.</a:t>
+            </a:r>
+          </a:p>
+        </p:txBody>
+      </p:sp>
+    </p:spTree>
+    <p:extLst>
+      <p:ext uri="{BB962C8B-B14F-4D97-AF65-F5344CB8AC3E}">
+        <p14:creationId xmlns:p14="http://schemas.microsoft.com/office/powerpoint/2010/main" val="3004684989"/>
+      </p:ext>
+    </p:extLst>
+  </p:cSld>
+  <p:clrMapOvr>
+    <a:masterClrMapping/>
+  </p:clrMapOvr>
+</p:sld>
+</file>
+
+<file path=ppt/slides/slide21.xml><?xml version="1.0" encoding="utf-8"?>
+<p:sld xmlns:a="http://schemas.openxmlformats.org/drawingml/2006/main" xmlns:r="http://schemas.openxmlformats.org/officeDocument/2006/relationships" xmlns:p="http://schemas.openxmlformats.org/presentationml/2006/main">
+  <p:cSld>
+    <p:spTree>
+      <p:nvGrpSpPr>
+        <p:cNvPr id="1" name=""/>
+        <p:cNvGrpSpPr/>
+        <p:nvPr/>
+      </p:nvGrpSpPr>
+      <p:grpSpPr>
+        <a:xfrm>
+          <a:off x="0" y="0"/>
+          <a:ext cx="0" cy="0"/>
+          <a:chOff x="0" y="0"/>
+          <a:chExt cx="0" cy="0"/>
+        </a:xfrm>
+      </p:grpSpPr>
+      <p:sp>
+        <p:nvSpPr>
+          <p:cNvPr id="2" name="Title 1">
+            <a:extLst>
+              <a:ext uri="{FF2B5EF4-FFF2-40B4-BE49-F238E27FC236}">
                 <a16:creationId xmlns:a16="http://schemas.microsoft.com/office/drawing/2014/main" id="{9BACC537-450E-384B-C241-C0AC826A1C7B}"/>
               </a:ext>
             </a:extLst>
@@ -8443,7 +8866,7 @@
 </p:sld>
 </file>
 
-<file path=ppt/slides/slide21.xml><?xml version="1.0" encoding="utf-8"?>
+<file path=ppt/slides/slide22.xml><?xml version="1.0" encoding="utf-8"?>
 <p:sld xmlns:a="http://schemas.openxmlformats.org/drawingml/2006/main" xmlns:r="http://schemas.openxmlformats.org/officeDocument/2006/relationships" xmlns:p="http://schemas.openxmlformats.org/presentationml/2006/main">
   <p:cSld>
     <p:spTree>
@@ -8699,7 +9122,7 @@
 </p:sld>
 </file>
 
-<file path=ppt/slides/slide22.xml><?xml version="1.0" encoding="utf-8"?>
+<file path=ppt/slides/slide23.xml><?xml version="1.0" encoding="utf-8"?>
 <p:sld xmlns:a="http://schemas.openxmlformats.org/drawingml/2006/main" xmlns:r="http://schemas.openxmlformats.org/officeDocument/2006/relationships" xmlns:p="http://schemas.openxmlformats.org/presentationml/2006/main">
   <p:cSld>
     <p:spTree>
@@ -8943,7 +9366,7 @@
 </p:sld>
 </file>
 
-<file path=ppt/slides/slide23.xml><?xml version="1.0" encoding="utf-8"?>
+<file path=ppt/slides/slide24.xml><?xml version="1.0" encoding="utf-8"?>
 <p:sld xmlns:a="http://schemas.openxmlformats.org/drawingml/2006/main" xmlns:r="http://schemas.openxmlformats.org/officeDocument/2006/relationships" xmlns:p="http://schemas.openxmlformats.org/presentationml/2006/main">
   <p:cSld>
     <p:spTree>
@@ -10550,45 +10973,42 @@
           <a:chExt cx="0" cy="0"/>
         </a:xfrm>
       </p:grpSpPr>
-      <p:sp>
-        <p:nvSpPr>
-          <p:cNvPr id="8" name="Title 7">
+      <p:pic>
+        <p:nvPicPr>
+          <p:cNvPr id="2" name="Picture 1">
             <a:extLst>
               <a:ext uri="{FF2B5EF4-FFF2-40B4-BE49-F238E27FC236}">
-                <a16:creationId xmlns:a16="http://schemas.microsoft.com/office/drawing/2014/main" id="{6AA77E50-7241-CA72-8D17-3325ABA36B44}"/>
+                <a16:creationId xmlns:a16="http://schemas.microsoft.com/office/drawing/2014/main" id="{73DF51E5-97BC-EE47-9F6A-59AF81E05F29}"/>
               </a:ext>
             </a:extLst>
           </p:cNvPr>
-          <p:cNvSpPr>
-            <a:spLocks noGrp="1"/>
-          </p:cNvSpPr>
-          <p:nvPr>
-            <p:ph type="title"/>
-          </p:nvPr>
-        </p:nvSpPr>
+          <p:cNvPicPr>
+            <a:picLocks noChangeAspect="1"/>
+          </p:cNvPicPr>
+          <p:nvPr/>
+        </p:nvPicPr>
+        <p:blipFill>
+          <a:blip r:embed="rId2"/>
+          <a:stretch>
+            <a:fillRect/>
+          </a:stretch>
+        </p:blipFill>
         <p:spPr>
           <a:xfrm>
-            <a:off x="2231136" y="367533"/>
-            <a:ext cx="7729728" cy="1188720"/>
+            <a:off x="2209800" y="218661"/>
+            <a:ext cx="7772400" cy="6420678"/>
           </a:xfrm>
+          <a:prstGeom prst="rect">
+            <a:avLst/>
+          </a:prstGeom>
         </p:spPr>
-        <p:txBody>
-          <a:bodyPr/>
-          <a:lstStyle/>
-          <a:p>
-            <a:r>
-              <a:rPr lang="en-US" dirty="0"/>
-              <a:t>INGESTION</a:t>
-            </a:r>
-          </a:p>
-        </p:txBody>
-      </p:sp>
+      </p:pic>
       <p:sp>
         <p:nvSpPr>
-          <p:cNvPr id="9" name="TextBox 8">
+          <p:cNvPr id="3" name="TextBox 2">
             <a:extLst>
               <a:ext uri="{FF2B5EF4-FFF2-40B4-BE49-F238E27FC236}">
-                <a16:creationId xmlns:a16="http://schemas.microsoft.com/office/drawing/2014/main" id="{9BFEBA17-C108-1BAD-FDA1-DFBC3E9DE722}"/>
+                <a16:creationId xmlns:a16="http://schemas.microsoft.com/office/drawing/2014/main" id="{ECAA15D7-FC19-BECC-7300-BCE040EBF54D}"/>
               </a:ext>
             </a:extLst>
           </p:cNvPr>
@@ -10597,8 +11017,8 @@
         </p:nvSpPr>
         <p:spPr>
           <a:xfrm>
-            <a:off x="412816" y="1922106"/>
-            <a:ext cx="11366367" cy="3416320"/>
+            <a:off x="214605" y="2782669"/>
+            <a:ext cx="1843774" cy="646331"/>
           </a:xfrm>
           <a:prstGeom prst="rect">
             <a:avLst/>
@@ -10606,346 +11026,28 @@
           <a:noFill/>
         </p:spPr>
         <p:txBody>
-          <a:bodyPr wrap="square" rtlCol="0">
+          <a:bodyPr wrap="none" rtlCol="0">
             <a:spAutoFit/>
           </a:bodyPr>
           <a:lstStyle/>
           <a:p>
             <a:r>
-              <a:rPr lang="en-IN" dirty="0">
-                <a:solidFill>
-                  <a:srgbClr val="0E0E0E"/>
-                </a:solidFill>
-                <a:effectLst/>
-                <a:latin typeface=".SF NS"/>
-              </a:rPr>
-              <a:t>• </a:t>
-            </a:r>
-            <a:r>
-              <a:rPr lang="en-IN" b="1" dirty="0">
-                <a:solidFill>
-                  <a:srgbClr val="0E0E0E"/>
-                </a:solidFill>
-                <a:effectLst/>
-                <a:latin typeface=".SF NS"/>
-              </a:rPr>
-              <a:t>Approach</a:t>
-            </a:r>
-            <a:r>
-              <a:rPr lang="en-IN" dirty="0">
-                <a:solidFill>
-                  <a:srgbClr val="0E0E0E"/>
-                </a:solidFill>
-                <a:effectLst/>
-                <a:latin typeface=".SF NS"/>
-              </a:rPr>
-              <a:t>: </a:t>
-            </a:r>
-            <a:r>
-              <a:rPr lang="en-IN" b="1" dirty="0">
-                <a:solidFill>
-                  <a:srgbClr val="0E0E0E"/>
-                </a:solidFill>
-                <a:effectLst/>
-                <a:latin typeface=".SF NS"/>
-              </a:rPr>
-              <a:t>Change Data Capture (CDC)</a:t>
-            </a:r>
-            <a:r>
-              <a:rPr lang="en-IN" dirty="0">
-                <a:solidFill>
-                  <a:srgbClr val="0E0E0E"/>
-                </a:solidFill>
-                <a:effectLst/>
-                <a:latin typeface=".SF NS"/>
-              </a:rPr>
-              <a:t> to extract real-time incremental changes from the OLTP database.</a:t>
-            </a:r>
-          </a:p>
-          <a:p>
-            <a:r>
-              <a:rPr lang="en-IN" dirty="0">
-                <a:solidFill>
-                  <a:srgbClr val="0E0E0E"/>
-                </a:solidFill>
-                <a:effectLst/>
-                <a:latin typeface=".SF NS"/>
-              </a:rPr>
-              <a:t>• </a:t>
-            </a:r>
-            <a:r>
-              <a:rPr lang="en-IN" b="1" dirty="0">
-                <a:solidFill>
-                  <a:srgbClr val="0E0E0E"/>
-                </a:solidFill>
-                <a:effectLst/>
-                <a:latin typeface=".SF NS"/>
-              </a:rPr>
-              <a:t>Tools &amp; Tech Stack</a:t>
-            </a:r>
-            <a:r>
-              <a:rPr lang="en-IN" dirty="0">
-                <a:solidFill>
-                  <a:srgbClr val="0E0E0E"/>
-                </a:solidFill>
-                <a:effectLst/>
-                <a:latin typeface=".SF NS"/>
-              </a:rPr>
-              <a:t>:</a:t>
-            </a:r>
-          </a:p>
-          <a:p>
-            <a:r>
-              <a:rPr lang="en-IN" dirty="0">
-                <a:solidFill>
-                  <a:srgbClr val="0E0E0E"/>
-                </a:solidFill>
-                <a:effectLst/>
-                <a:latin typeface=".SF NS"/>
-              </a:rPr>
-              <a:t>	• </a:t>
-            </a:r>
-            <a:r>
-              <a:rPr lang="en-IN" b="1" dirty="0">
-                <a:solidFill>
-                  <a:srgbClr val="0E0E0E"/>
-                </a:solidFill>
-                <a:effectLst/>
-                <a:latin typeface=".SF NS"/>
-              </a:rPr>
-              <a:t>Amazon DMS</a:t>
-            </a:r>
-            <a:r>
-              <a:rPr lang="en-IN" dirty="0">
-                <a:solidFill>
-                  <a:srgbClr val="0E0E0E"/>
-                </a:solidFill>
-                <a:effectLst/>
-                <a:latin typeface=".SF NS"/>
-              </a:rPr>
-              <a:t>: Captures changes from PostgreSQL (OLTP) via Write-Ahead Logs (WAL).</a:t>
-            </a:r>
-          </a:p>
-          <a:p>
-            <a:r>
-              <a:rPr lang="en-IN" dirty="0">
-                <a:solidFill>
-                  <a:srgbClr val="0E0E0E"/>
-                </a:solidFill>
-                <a:effectLst/>
-                <a:latin typeface=".SF NS"/>
-              </a:rPr>
-              <a:t>	• </a:t>
-            </a:r>
-            <a:r>
-              <a:rPr lang="en-IN" b="1" dirty="0">
-                <a:solidFill>
-                  <a:srgbClr val="0E0E0E"/>
-                </a:solidFill>
-                <a:effectLst/>
-                <a:latin typeface=".SF NS"/>
-              </a:rPr>
-              <a:t>Amazon S3</a:t>
-            </a:r>
-            <a:r>
-              <a:rPr lang="en-IN" dirty="0">
-                <a:solidFill>
-                  <a:srgbClr val="0E0E0E"/>
-                </a:solidFill>
-                <a:effectLst/>
-                <a:latin typeface=".SF NS"/>
-              </a:rPr>
-              <a:t>: Used as a raw layer for raw CDC data.</a:t>
-            </a:r>
-          </a:p>
-          <a:p>
-            <a:r>
-              <a:rPr lang="en-IN" dirty="0">
-                <a:solidFill>
-                  <a:srgbClr val="0E0E0E"/>
-                </a:solidFill>
-                <a:effectLst/>
-                <a:latin typeface=".SF NS"/>
-              </a:rPr>
-              <a:t>• </a:t>
-            </a:r>
-            <a:r>
-              <a:rPr lang="en-IN" b="1" dirty="0">
-                <a:solidFill>
-                  <a:srgbClr val="0E0E0E"/>
-                </a:solidFill>
-                <a:effectLst/>
-                <a:latin typeface=".SF NS"/>
-              </a:rPr>
-              <a:t>Why CDC?</a:t>
-            </a:r>
-            <a:r>
-              <a:rPr lang="en-IN" dirty="0">
-                <a:solidFill>
-                  <a:srgbClr val="0E0E0E"/>
-                </a:solidFill>
-                <a:effectLst/>
-                <a:latin typeface=".SF NS"/>
-              </a:rPr>
-              <a:t>:</a:t>
-            </a:r>
-          </a:p>
-          <a:p>
-            <a:r>
-              <a:rPr lang="en-IN" dirty="0">
-                <a:solidFill>
-                  <a:srgbClr val="0E0E0E"/>
-                </a:solidFill>
-                <a:effectLst/>
-                <a:latin typeface=".SF NS"/>
-              </a:rPr>
-              <a:t>	• </a:t>
-            </a:r>
-            <a:r>
-              <a:rPr lang="en-IN" b="1" dirty="0">
-                <a:solidFill>
-                  <a:srgbClr val="0E0E0E"/>
-                </a:solidFill>
-                <a:effectLst/>
-                <a:latin typeface=".SF NS"/>
-              </a:rPr>
-              <a:t>Real-Time Updates</a:t>
-            </a:r>
-            <a:r>
-              <a:rPr lang="en-IN" dirty="0">
-                <a:solidFill>
-                  <a:srgbClr val="0E0E0E"/>
-                </a:solidFill>
-                <a:effectLst/>
-                <a:latin typeface=".SF NS"/>
-              </a:rPr>
-              <a:t>: Captures only changes (inserts, updates, deletes) for efficient data movement.</a:t>
-            </a:r>
-          </a:p>
-          <a:p>
-            <a:r>
-              <a:rPr lang="en-IN" dirty="0">
-                <a:solidFill>
-                  <a:srgbClr val="0E0E0E"/>
-                </a:solidFill>
-                <a:effectLst/>
-                <a:latin typeface=".SF NS"/>
-              </a:rPr>
-              <a:t>	• </a:t>
-            </a:r>
-            <a:r>
-              <a:rPr lang="en-IN" b="1" dirty="0">
-                <a:solidFill>
-                  <a:srgbClr val="0E0E0E"/>
-                </a:solidFill>
-                <a:effectLst/>
-                <a:latin typeface=".SF NS"/>
-              </a:rPr>
-              <a:t>Minimizes DB Overhead</a:t>
-            </a:r>
-            <a:r>
-              <a:rPr lang="en-IN" dirty="0">
-                <a:solidFill>
-                  <a:srgbClr val="0E0E0E"/>
-                </a:solidFill>
-                <a:effectLst/>
-                <a:latin typeface=".SF NS"/>
-              </a:rPr>
-              <a:t>: CDC uses transaction logs (WAL), avoiding direct database queries and reducing lock contention.</a:t>
-            </a:r>
-          </a:p>
-          <a:p>
-            <a:r>
-              <a:rPr lang="en-IN" dirty="0">
-                <a:solidFill>
-                  <a:srgbClr val="0E0E0E"/>
-                </a:solidFill>
-                <a:effectLst/>
-                <a:latin typeface=".SF NS"/>
-              </a:rPr>
-              <a:t>	• </a:t>
-            </a:r>
-            <a:r>
-              <a:rPr lang="en-IN" b="1" dirty="0">
-                <a:solidFill>
-                  <a:srgbClr val="0E0E0E"/>
-                </a:solidFill>
-                <a:effectLst/>
-                <a:latin typeface=".SF NS"/>
-              </a:rPr>
-              <a:t>Scalable</a:t>
-            </a:r>
-            <a:r>
-              <a:rPr lang="en-IN" dirty="0">
-                <a:solidFill>
-                  <a:srgbClr val="0E0E0E"/>
-                </a:solidFill>
-                <a:effectLst/>
-                <a:latin typeface=".SF NS"/>
-              </a:rPr>
-              <a:t>: Optimized for high-frequency data changes at Amazon scale without full table scans.</a:t>
-            </a:r>
-          </a:p>
-          <a:p>
-            <a:endParaRPr lang="en-IN" dirty="0">
-              <a:solidFill>
-                <a:srgbClr val="0E0E0E"/>
-              </a:solidFill>
-              <a:latin typeface=".SF NS"/>
-            </a:endParaRPr>
-          </a:p>
-          <a:p>
-            <a:endParaRPr lang="en-IN" dirty="0">
-              <a:solidFill>
-                <a:srgbClr val="0E0E0E"/>
-              </a:solidFill>
-              <a:effectLst/>
-              <a:latin typeface=".SF NS"/>
-            </a:endParaRPr>
-          </a:p>
-          <a:p>
-            <a:r>
-              <a:rPr lang="en-IN" dirty="0">
-                <a:solidFill>
-                  <a:srgbClr val="0E0E0E"/>
-                </a:solidFill>
-                <a:latin typeface=".SF NS"/>
-              </a:rPr>
-              <a:t>References: </a:t>
-            </a:r>
-            <a:r>
-              <a:rPr lang="en-IN" dirty="0">
-                <a:solidFill>
-                  <a:srgbClr val="0E0E0E"/>
-                </a:solidFill>
-                <a:latin typeface=".SF NS"/>
-                <a:hlinkClick r:id="rId2"/>
-              </a:rPr>
-              <a:t>https://www.dataengineeringweekly.com/p/evaluating-change-data-capture-tools</a:t>
-            </a:r>
-            <a:r>
-              <a:rPr lang="en-IN" dirty="0">
-                <a:solidFill>
-                  <a:srgbClr val="0E0E0E"/>
-                </a:solidFill>
-                <a:latin typeface=".SF NS"/>
-              </a:rPr>
-              <a:t> </a:t>
-            </a:r>
-            <a:endParaRPr lang="en-IN" dirty="0">
-              <a:solidFill>
-                <a:srgbClr val="0E0E0E"/>
-              </a:solidFill>
-              <a:effectLst/>
-              <a:latin typeface=".SF NS"/>
-            </a:endParaRPr>
+              <a:rPr lang="en-US" dirty="0"/>
+              <a:t>LAMBDA</a:t>
+            </a:r>
+          </a:p>
+          <a:p>
+            <a:r>
+              <a:rPr lang="en-US" dirty="0"/>
+              <a:t>ARCHITECTURE</a:t>
+            </a:r>
           </a:p>
         </p:txBody>
       </p:sp>
     </p:spTree>
     <p:extLst>
       <p:ext uri="{BB962C8B-B14F-4D97-AF65-F5344CB8AC3E}">
-        <p14:creationId xmlns:p14="http://schemas.microsoft.com/office/powerpoint/2010/main" val="3849864047"/>
+        <p14:creationId xmlns:p14="http://schemas.microsoft.com/office/powerpoint/2010/main" val="2932332533"/>
       </p:ext>
     </p:extLst>
   </p:cSld>
